--- a/presentation/Bash.pptx
+++ b/presentation/Bash.pptx
@@ -339,7 +339,7 @@
                   <a:schemeClr val="tx2"/>
                 </a:solidFill>
               </a:rPr>
-              <a:t>18.02.2020</a:t>
+              <a:t>19.02.2020</a:t>
             </a:fld>
             <a:endParaRPr lang="de-DE">
               <a:solidFill>
@@ -689,7 +689,7 @@
             <a:fld id="{B4113CCE-1A1A-46DB-884A-AE560F65C3AF}" type="datetimeFigureOut">
               <a:rPr lang="de-DE" smtClean="0"/>
               <a:pPr/>
-              <a:t>18.02.2020</a:t>
+              <a:t>19.02.2020</a:t>
             </a:fld>
             <a:endParaRPr lang="de-DE"/>
           </a:p>
@@ -11911,38 +11911,6 @@
           </a:p>
           <a:p>
             <a:r>
-              <a:rPr lang="de-DE" dirty="0"/>
-              <a:t>LOCATE:</a:t>
-            </a:r>
-            <a:r>
-              <a:rPr lang="de-DE" baseline="0" dirty="0"/>
-              <a:t> Verwendet den Suchindex (und findet möglicherweise Dateien nicht, weil sie noch nicht im Suchindex sind)</a:t>
-            </a:r>
-          </a:p>
-          <a:p>
-            <a:r>
-              <a:rPr lang="de-DE" baseline="0" dirty="0"/>
-              <a:t>Auf neuen Versionen von </a:t>
-            </a:r>
-            <a:r>
-              <a:rPr lang="de-DE" baseline="0" dirty="0" err="1"/>
-              <a:t>Raspbian</a:t>
-            </a:r>
-            <a:r>
-              <a:rPr lang="de-DE" baseline="0" dirty="0"/>
-              <a:t> ist </a:t>
-            </a:r>
-            <a:r>
-              <a:rPr lang="de-DE" baseline="0" dirty="0" err="1"/>
-              <a:t>locate</a:t>
-            </a:r>
-            <a:r>
-              <a:rPr lang="de-DE" baseline="0" dirty="0"/>
-              <a:t> nicht mehr vorinstalliert</a:t>
-            </a:r>
-          </a:p>
-          <a:p>
-            <a:r>
               <a:rPr lang="de-DE" baseline="0" dirty="0"/>
               <a:t>WHICH: Sucht nur nach ausführbaren Programmen im Pfad (ähnlich zur %Path% Variable in Windows)</a:t>
             </a:r>
@@ -14959,7 +14927,7 @@
           <a:p>
             <a:fld id="{366C6F3F-2459-4D70-9926-FB42BF728FA6}" type="datetime1">
               <a:rPr lang="de-DE" smtClean="0"/>
-              <a:t>18.02.2020</a:t>
+              <a:t>19.02.2020</a:t>
             </a:fld>
             <a:endParaRPr lang="de-DE"/>
           </a:p>
@@ -15083,7 +15051,7 @@
           <a:p>
             <a:fld id="{8EB94C85-1664-4A48-98AC-8DF753D25A29}" type="datetime1">
               <a:rPr lang="de-DE" smtClean="0"/>
-              <a:t>18.02.2020</a:t>
+              <a:t>19.02.2020</a:t>
             </a:fld>
             <a:endParaRPr lang="de-DE"/>
           </a:p>
@@ -15216,7 +15184,7 @@
           <a:p>
             <a:fld id="{691FC979-3F94-4691-BC89-32D13FC7EBCE}" type="datetime1">
               <a:rPr lang="de-DE" smtClean="0"/>
-              <a:t>18.02.2020</a:t>
+              <a:t>19.02.2020</a:t>
             </a:fld>
             <a:endParaRPr lang="de-DE"/>
           </a:p>
@@ -15584,7 +15552,7 @@
           <a:p>
             <a:fld id="{CBC55DA8-7BFB-46FD-BBA5-A6DF63369D11}" type="datetime1">
               <a:rPr lang="de-DE" smtClean="0"/>
-              <a:t>18.02.2020</a:t>
+              <a:t>19.02.2020</a:t>
             </a:fld>
             <a:endParaRPr lang="de-DE"/>
           </a:p>
@@ -15765,7 +15733,7 @@
           <a:p>
             <a:fld id="{08AC7274-303B-40A0-A9B4-04FCC19861B5}" type="datetime1">
               <a:rPr lang="de-DE" smtClean="0"/>
-              <a:t>18.02.2020</a:t>
+              <a:t>19.02.2020</a:t>
             </a:fld>
             <a:endParaRPr lang="de-DE"/>
           </a:p>
@@ -15885,7 +15853,7 @@
           <a:p>
             <a:fld id="{04273802-5659-48BC-9FAF-5DEA6D19D2B7}" type="datetime1">
               <a:rPr lang="de-DE" smtClean="0"/>
-              <a:t>18.02.2020</a:t>
+              <a:t>19.02.2020</a:t>
             </a:fld>
             <a:endParaRPr lang="de-DE"/>
           </a:p>
@@ -15983,7 +15951,7 @@
           <a:p>
             <a:fld id="{A879DCBB-93B0-44A3-BD1F-0C3535CA8699}" type="datetime1">
               <a:rPr lang="de-DE" smtClean="0"/>
-              <a:t>18.02.2020</a:t>
+              <a:t>19.02.2020</a:t>
             </a:fld>
             <a:endParaRPr lang="de-DE"/>
           </a:p>
@@ -16107,7 +16075,7 @@
           <a:p>
             <a:fld id="{D6ACE559-FDBB-41B1-8D4B-DC9AA86538CE}" type="datetime1">
               <a:rPr lang="de-DE" smtClean="0"/>
-              <a:t>18.02.2020</a:t>
+              <a:t>19.02.2020</a:t>
             </a:fld>
             <a:endParaRPr lang="de-DE"/>
           </a:p>
@@ -16255,7 +16223,7 @@
           <a:p>
             <a:fld id="{A17D5A13-5CB3-48F6-94E4-1D24B0CCAADA}" type="datetime1">
               <a:rPr lang="de-DE" smtClean="0"/>
-              <a:t>18.02.2020</a:t>
+              <a:t>19.02.2020</a:t>
             </a:fld>
             <a:endParaRPr lang="de-DE"/>
           </a:p>
@@ -16454,7 +16422,7 @@
           <a:p>
             <a:fld id="{7FDE578D-883C-4F1A-917B-4C2253C6F4AE}" type="datetime1">
               <a:rPr lang="de-DE" smtClean="0"/>
-              <a:t>18.02.2020</a:t>
+              <a:t>19.02.2020</a:t>
             </a:fld>
             <a:endParaRPr lang="de-DE"/>
           </a:p>
@@ -16653,7 +16621,7 @@
           <a:p>
             <a:fld id="{37592AC1-A45D-4C86-A646-7D7AA3CA8F0F}" type="datetime1">
               <a:rPr lang="de-DE" smtClean="0"/>
-              <a:t>18.02.2020</a:t>
+              <a:t>19.02.2020</a:t>
             </a:fld>
             <a:endParaRPr lang="de-DE"/>
           </a:p>
@@ -17068,7 +17036,7 @@
           <a:p>
             <a:fld id="{6EF8A41A-F013-46F9-A1B7-9C788DB16844}" type="datetime1">
               <a:rPr lang="de-DE" smtClean="0"/>
-              <a:t>18.02.2020</a:t>
+              <a:t>19.02.2020</a:t>
             </a:fld>
             <a:endParaRPr lang="de-DE" dirty="0"/>
           </a:p>
@@ -17643,7 +17611,7 @@
           <a:p>
             <a:fld id="{F6A23D30-8385-4740-BFA9-93717CB1115D}" type="datetime1">
               <a:rPr lang="de-DE" smtClean="0"/>
-              <a:t>18.02.2020</a:t>
+              <a:t>19.02.2020</a:t>
             </a:fld>
             <a:endParaRPr lang="de-DE" dirty="0"/>
           </a:p>
@@ -18279,7 +18247,7 @@
           <a:p>
             <a:fld id="{DEAE0D00-77B9-479C-AA25-1CC77788EEA5}" type="datetime1">
               <a:rPr lang="de-DE" smtClean="0"/>
-              <a:t>18.02.2020</a:t>
+              <a:t>19.02.2020</a:t>
             </a:fld>
             <a:endParaRPr lang="de-DE"/>
           </a:p>
@@ -18377,7 +18345,7 @@
           <a:p>
             <a:fld id="{691FC979-3F94-4691-BC89-32D13FC7EBCE}" type="datetime1">
               <a:rPr lang="de-DE" smtClean="0"/>
-              <a:t>18.02.2020</a:t>
+              <a:t>19.02.2020</a:t>
             </a:fld>
             <a:endParaRPr lang="de-DE"/>
           </a:p>
@@ -18495,131 +18463,6 @@
                 <a:latin typeface="Consolas" panose="020B0609020204030204" pitchFamily="49" charset="0"/>
               </a:rPr>
               <a:t>"</a:t>
-            </a:r>
-          </a:p>
-          <a:p>
-            <a:r>
-              <a:rPr lang="de-DE" dirty="0"/>
-              <a:t>Nach Namen suchen (Suchindex):</a:t>
-            </a:r>
-            <a:br>
-              <a:rPr lang="de-DE" dirty="0"/>
-            </a:br>
-            <a:r>
-              <a:rPr lang="de-DE" sz="2400" dirty="0" err="1">
-                <a:solidFill>
-                  <a:srgbClr val="00B050"/>
-                </a:solidFill>
-                <a:latin typeface="Consolas" panose="020B0609020204030204" pitchFamily="49" charset="0"/>
-              </a:rPr>
-              <a:t>sudo</a:t>
-            </a:r>
-            <a:r>
-              <a:rPr lang="de-DE" sz="2400" dirty="0">
-                <a:solidFill>
-                  <a:srgbClr val="00B050"/>
-                </a:solidFill>
-                <a:latin typeface="Consolas" panose="020B0609020204030204" pitchFamily="49" charset="0"/>
-              </a:rPr>
-              <a:t> </a:t>
-            </a:r>
-            <a:r>
-              <a:rPr lang="de-DE" sz="2400" dirty="0" err="1">
-                <a:solidFill>
-                  <a:srgbClr val="00B050"/>
-                </a:solidFill>
-                <a:latin typeface="Consolas" panose="020B0609020204030204" pitchFamily="49" charset="0"/>
-              </a:rPr>
-              <a:t>apt</a:t>
-            </a:r>
-            <a:r>
-              <a:rPr lang="de-DE" sz="2400" dirty="0">
-                <a:solidFill>
-                  <a:srgbClr val="00B050"/>
-                </a:solidFill>
-                <a:latin typeface="Consolas" panose="020B0609020204030204" pitchFamily="49" charset="0"/>
-              </a:rPr>
-              <a:t> </a:t>
-            </a:r>
-            <a:r>
-              <a:rPr lang="de-DE" sz="2400" dirty="0" err="1">
-                <a:solidFill>
-                  <a:srgbClr val="00B050"/>
-                </a:solidFill>
-                <a:latin typeface="Consolas" panose="020B0609020204030204" pitchFamily="49" charset="0"/>
-              </a:rPr>
-              <a:t>install</a:t>
-            </a:r>
-            <a:r>
-              <a:rPr lang="de-DE" sz="2400" dirty="0">
-                <a:solidFill>
-                  <a:srgbClr val="00B050"/>
-                </a:solidFill>
-                <a:latin typeface="Consolas" panose="020B0609020204030204" pitchFamily="49" charset="0"/>
-              </a:rPr>
-              <a:t> </a:t>
-            </a:r>
-            <a:r>
-              <a:rPr lang="de-DE" sz="2400" dirty="0" err="1">
-                <a:solidFill>
-                  <a:srgbClr val="00B050"/>
-                </a:solidFill>
-                <a:latin typeface="Consolas" panose="020B0609020204030204" pitchFamily="49" charset="0"/>
-              </a:rPr>
-              <a:t>locate</a:t>
-            </a:r>
-            <a:br>
-              <a:rPr lang="de-DE" sz="2400" dirty="0">
-                <a:solidFill>
-                  <a:srgbClr val="00B050"/>
-                </a:solidFill>
-                <a:latin typeface="Consolas" panose="020B0609020204030204" pitchFamily="49" charset="0"/>
-              </a:rPr>
-            </a:br>
-            <a:r>
-              <a:rPr lang="de-DE" sz="2400" dirty="0" err="1">
-                <a:solidFill>
-                  <a:srgbClr val="00B050"/>
-                </a:solidFill>
-                <a:latin typeface="Consolas" panose="020B0609020204030204" pitchFamily="49" charset="0"/>
-              </a:rPr>
-              <a:t>sudo</a:t>
-            </a:r>
-            <a:r>
-              <a:rPr lang="de-DE" sz="2400" dirty="0">
-                <a:solidFill>
-                  <a:srgbClr val="00B050"/>
-                </a:solidFill>
-                <a:latin typeface="Consolas" panose="020B0609020204030204" pitchFamily="49" charset="0"/>
-              </a:rPr>
-              <a:t> </a:t>
-            </a:r>
-            <a:r>
-              <a:rPr lang="de-DE" sz="2400" dirty="0" err="1">
-                <a:solidFill>
-                  <a:srgbClr val="00B050"/>
-                </a:solidFill>
-                <a:latin typeface="Consolas" panose="020B0609020204030204" pitchFamily="49" charset="0"/>
-              </a:rPr>
-              <a:t>locate</a:t>
-            </a:r>
-            <a:r>
-              <a:rPr lang="de-DE" sz="2400" dirty="0">
-                <a:solidFill>
-                  <a:srgbClr val="00B050"/>
-                </a:solidFill>
-                <a:latin typeface="Consolas" panose="020B0609020204030204" pitchFamily="49" charset="0"/>
-              </a:rPr>
-              <a:t> </a:t>
-            </a:r>
-            <a:r>
-              <a:rPr lang="de-DE" sz="2400" dirty="0">
-                <a:solidFill>
-                  <a:schemeClr val="accent6"/>
-                </a:solidFill>
-                <a:latin typeface="Consolas" panose="020B0609020204030204" pitchFamily="49" charset="0"/>
-              </a:rPr>
-              <a:t>&lt;Name&gt;</a:t>
             </a:r>
           </a:p>
           <a:p>
@@ -18729,7 +18572,7 @@
           <a:p>
             <a:fld id="{691FC979-3F94-4691-BC89-32D13FC7EBCE}" type="datetime1">
               <a:rPr lang="de-DE" smtClean="0"/>
-              <a:t>18.02.2020</a:t>
+              <a:t>19.02.2020</a:t>
             </a:fld>
             <a:endParaRPr lang="de-DE"/>
           </a:p>
@@ -18919,7 +18762,7 @@
           <a:p>
             <a:fld id="{691FC979-3F94-4691-BC89-32D13FC7EBCE}" type="datetime1">
               <a:rPr lang="de-DE" smtClean="0"/>
-              <a:t>18.02.2020</a:t>
+              <a:t>19.02.2020</a:t>
             </a:fld>
             <a:endParaRPr lang="de-DE"/>
           </a:p>
@@ -19107,7 +18950,7 @@
           <a:p>
             <a:fld id="{691FC979-3F94-4691-BC89-32D13FC7EBCE}" type="datetime1">
               <a:rPr lang="de-DE" smtClean="0"/>
-              <a:t>18.02.2020</a:t>
+              <a:t>19.02.2020</a:t>
             </a:fld>
             <a:endParaRPr lang="de-DE"/>
           </a:p>
@@ -19449,7 +19292,7 @@
           <a:p>
             <a:fld id="{691FC979-3F94-4691-BC89-32D13FC7EBCE}" type="datetime1">
               <a:rPr lang="de-DE" smtClean="0"/>
-              <a:t>18.02.2020</a:t>
+              <a:t>19.02.2020</a:t>
             </a:fld>
             <a:endParaRPr lang="de-DE"/>
           </a:p>
@@ -19727,7 +19570,7 @@
           <a:p>
             <a:fld id="{691FC979-3F94-4691-BC89-32D13FC7EBCE}" type="datetime1">
               <a:rPr lang="de-DE" smtClean="0"/>
-              <a:t>18.02.2020</a:t>
+              <a:t>19.02.2020</a:t>
             </a:fld>
             <a:endParaRPr lang="de-DE"/>
           </a:p>
@@ -20057,7 +19900,7 @@
           <a:p>
             <a:fld id="{CBC55DA8-7BFB-46FD-BBA5-A6DF63369D11}" type="datetime1">
               <a:rPr lang="de-DE" smtClean="0"/>
-              <a:t>18.02.2020</a:t>
+              <a:t>19.02.2020</a:t>
             </a:fld>
             <a:endParaRPr lang="de-DE"/>
           </a:p>
@@ -20374,7 +20217,7 @@
           <a:p>
             <a:fld id="{CBC55DA8-7BFB-46FD-BBA5-A6DF63369D11}" type="datetime1">
               <a:rPr lang="de-DE" smtClean="0"/>
-              <a:t>18.02.2020</a:t>
+              <a:t>19.02.2020</a:t>
             </a:fld>
             <a:endParaRPr lang="de-DE"/>
           </a:p>
@@ -20472,7 +20315,7 @@
           <a:p>
             <a:fld id="{CBC55DA8-7BFB-46FD-BBA5-A6DF63369D11}" type="datetime1">
               <a:rPr lang="de-DE" smtClean="0"/>
-              <a:t>18.02.2020</a:t>
+              <a:t>19.02.2020</a:t>
             </a:fld>
             <a:endParaRPr lang="de-DE"/>
           </a:p>
@@ -21222,7 +21065,7 @@
           <a:p>
             <a:fld id="{691FC979-3F94-4691-BC89-32D13FC7EBCE}" type="datetime1">
               <a:rPr lang="de-DE" smtClean="0"/>
-              <a:t>18.02.2020</a:t>
+              <a:t>19.02.2020</a:t>
             </a:fld>
             <a:endParaRPr lang="de-DE"/>
           </a:p>
@@ -21409,7 +21252,7 @@
           <a:p>
             <a:fld id="{7CAB622F-8E15-4AA7-B23D-2D3C823960FD}" type="datetime1">
               <a:rPr lang="de-DE" smtClean="0"/>
-              <a:t>18.02.2020</a:t>
+              <a:t>19.02.2020</a:t>
             </a:fld>
             <a:endParaRPr lang="de-DE"/>
           </a:p>
@@ -21507,7 +21350,7 @@
           <a:p>
             <a:fld id="{08AC7274-303B-40A0-A9B4-04FCC19861B5}" type="datetime1">
               <a:rPr lang="de-DE" smtClean="0"/>
-              <a:t>18.02.2020</a:t>
+              <a:t>19.02.2020</a:t>
             </a:fld>
             <a:endParaRPr lang="de-DE"/>
           </a:p>
@@ -21868,7 +21711,7 @@
           <a:p>
             <a:fld id="{691FC979-3F94-4691-BC89-32D13FC7EBCE}" type="datetime1">
               <a:rPr lang="de-DE" smtClean="0"/>
-              <a:t>18.02.2020</a:t>
+              <a:t>19.02.2020</a:t>
             </a:fld>
             <a:endParaRPr lang="de-DE"/>
           </a:p>
@@ -22309,7 +22152,7 @@
           <a:p>
             <a:fld id="{691FC979-3F94-4691-BC89-32D13FC7EBCE}" type="datetime1">
               <a:rPr lang="de-DE" smtClean="0"/>
-              <a:t>18.02.2020</a:t>
+              <a:t>19.02.2020</a:t>
             </a:fld>
             <a:endParaRPr lang="de-DE"/>
           </a:p>
@@ -22466,7 +22309,7 @@
           <a:p>
             <a:fld id="{08AC7274-303B-40A0-A9B4-04FCC19861B5}" type="datetime1">
               <a:rPr lang="de-DE" smtClean="0"/>
-              <a:t>18.02.2020</a:t>
+              <a:t>19.02.2020</a:t>
             </a:fld>
             <a:endParaRPr lang="de-DE"/>
           </a:p>
@@ -22746,7 +22589,7 @@
           <a:p>
             <a:fld id="{691FC979-3F94-4691-BC89-32D13FC7EBCE}" type="datetime1">
               <a:rPr lang="de-DE" smtClean="0"/>
-              <a:t>18.02.2020</a:t>
+              <a:t>19.02.2020</a:t>
             </a:fld>
             <a:endParaRPr lang="de-DE"/>
           </a:p>
@@ -23113,7 +22956,7 @@
           <a:p>
             <a:fld id="{691FC979-3F94-4691-BC89-32D13FC7EBCE}" type="datetime1">
               <a:rPr lang="de-DE" smtClean="0"/>
-              <a:t>18.02.2020</a:t>
+              <a:t>19.02.2020</a:t>
             </a:fld>
             <a:endParaRPr lang="de-DE"/>
           </a:p>
@@ -23337,7 +23180,7 @@
           <a:p>
             <a:fld id="{691FC979-3F94-4691-BC89-32D13FC7EBCE}" type="datetime1">
               <a:rPr lang="de-DE" smtClean="0"/>
-              <a:t>18.02.2020</a:t>
+              <a:t>19.02.2020</a:t>
             </a:fld>
             <a:endParaRPr lang="de-DE"/>
           </a:p>
@@ -23618,7 +23461,7 @@
           <a:p>
             <a:fld id="{691FC979-3F94-4691-BC89-32D13FC7EBCE}" type="datetime1">
               <a:rPr lang="de-DE" smtClean="0"/>
-              <a:t>18.02.2020</a:t>
+              <a:t>19.02.2020</a:t>
             </a:fld>
             <a:endParaRPr lang="de-DE"/>
           </a:p>
@@ -23827,7 +23670,7 @@
           <a:p>
             <a:fld id="{691FC979-3F94-4691-BC89-32D13FC7EBCE}" type="datetime1">
               <a:rPr lang="de-DE" smtClean="0"/>
-              <a:t>18.02.2020</a:t>
+              <a:t>19.02.2020</a:t>
             </a:fld>
             <a:endParaRPr lang="de-DE"/>
           </a:p>
@@ -24132,7 +23975,7 @@
           <a:p>
             <a:fld id="{691FC979-3F94-4691-BC89-32D13FC7EBCE}" type="datetime1">
               <a:rPr lang="de-DE" smtClean="0"/>
-              <a:t>18.02.2020</a:t>
+              <a:t>19.02.2020</a:t>
             </a:fld>
             <a:endParaRPr lang="de-DE"/>
           </a:p>
@@ -24496,7 +24339,7 @@
           <a:p>
             <a:fld id="{7CAB622F-8E15-4AA7-B23D-2D3C823960FD}" type="datetime1">
               <a:rPr lang="de-DE" smtClean="0"/>
-              <a:t>18.02.2020</a:t>
+              <a:t>19.02.2020</a:t>
             </a:fld>
             <a:endParaRPr lang="de-DE"/>
           </a:p>
@@ -24594,7 +24437,7 @@
           <a:p>
             <a:fld id="{691FC979-3F94-4691-BC89-32D13FC7EBCE}" type="datetime1">
               <a:rPr lang="de-DE" smtClean="0"/>
-              <a:t>18.02.2020</a:t>
+              <a:t>19.02.2020</a:t>
             </a:fld>
             <a:endParaRPr lang="de-DE"/>
           </a:p>
@@ -24764,7 +24607,7 @@
           <a:p>
             <a:fld id="{691FC979-3F94-4691-BC89-32D13FC7EBCE}" type="datetime1">
               <a:rPr lang="de-DE" smtClean="0"/>
-              <a:t>18.02.2020</a:t>
+              <a:t>19.02.2020</a:t>
             </a:fld>
             <a:endParaRPr lang="de-DE"/>
           </a:p>
@@ -25214,7 +25057,7 @@
           <a:p>
             <a:fld id="{81CAA568-E4AD-43EC-8F2A-0AD1F2EE9220}" type="datetime1">
               <a:rPr lang="de-DE" smtClean="0"/>
-              <a:t>18.02.2020</a:t>
+              <a:t>19.02.2020</a:t>
             </a:fld>
             <a:endParaRPr lang="de-DE"/>
           </a:p>
@@ -25604,7 +25447,7 @@
           <a:p>
             <a:fld id="{81CAA568-E4AD-43EC-8F2A-0AD1F2EE9220}" type="datetime1">
               <a:rPr lang="de-DE" smtClean="0"/>
-              <a:t>18.02.2020</a:t>
+              <a:t>19.02.2020</a:t>
             </a:fld>
             <a:endParaRPr lang="de-DE"/>
           </a:p>
@@ -25877,7 +25720,7 @@
           <a:p>
             <a:fld id="{81CAA568-E4AD-43EC-8F2A-0AD1F2EE9220}" type="datetime1">
               <a:rPr lang="de-DE" smtClean="0"/>
-              <a:t>18.02.2020</a:t>
+              <a:t>19.02.2020</a:t>
             </a:fld>
             <a:endParaRPr lang="de-DE"/>
           </a:p>
@@ -26153,7 +25996,7 @@
           <a:p>
             <a:fld id="{81CAA568-E4AD-43EC-8F2A-0AD1F2EE9220}" type="datetime1">
               <a:rPr lang="de-DE" smtClean="0"/>
-              <a:t>18.02.2020</a:t>
+              <a:t>19.02.2020</a:t>
             </a:fld>
             <a:endParaRPr lang="de-DE"/>
           </a:p>
@@ -26297,7 +26140,7 @@
           <a:p>
             <a:fld id="{81F9AF91-D5A7-4DFB-9749-E97FA4AADD5C}" type="datetime1">
               <a:rPr lang="de-DE" smtClean="0"/>
-              <a:t>18.02.2020</a:t>
+              <a:t>19.02.2020</a:t>
             </a:fld>
             <a:endParaRPr lang="de-DE"/>
           </a:p>
@@ -26505,7 +26348,7 @@
           <a:p>
             <a:fld id="{CC6A951E-FE58-4A7B-8560-55DE4235FB0A}" type="datetime1">
               <a:rPr lang="de-DE" smtClean="0"/>
-              <a:t>18.02.2020</a:t>
+              <a:t>19.02.2020</a:t>
             </a:fld>
             <a:endParaRPr lang="de-DE"/>
           </a:p>
@@ -26755,7 +26598,7 @@
           <a:p>
             <a:fld id="{CBC55DA8-7BFB-46FD-BBA5-A6DF63369D11}" type="datetime1">
               <a:rPr lang="de-DE" smtClean="0"/>
-              <a:t>18.02.2020</a:t>
+              <a:t>19.02.2020</a:t>
             </a:fld>
             <a:endParaRPr lang="de-DE"/>
           </a:p>
@@ -26853,7 +26696,7 @@
           <a:p>
             <a:fld id="{CBC55DA8-7BFB-46FD-BBA5-A6DF63369D11}" type="datetime1">
               <a:rPr lang="de-DE" smtClean="0"/>
-              <a:t>18.02.2020</a:t>
+              <a:t>19.02.2020</a:t>
             </a:fld>
             <a:endParaRPr lang="de-DE"/>
           </a:p>
@@ -27146,7 +26989,7 @@
           <a:p>
             <a:fld id="{CBC55DA8-7BFB-46FD-BBA5-A6DF63369D11}" type="datetime1">
               <a:rPr lang="de-DE" smtClean="0"/>
-              <a:t>18.02.2020</a:t>
+              <a:t>19.02.2020</a:t>
             </a:fld>
             <a:endParaRPr lang="de-DE"/>
           </a:p>
@@ -27444,7 +27287,7 @@
           <a:p>
             <a:fld id="{CBC55DA8-7BFB-46FD-BBA5-A6DF63369D11}" type="datetime1">
               <a:rPr lang="de-DE" smtClean="0"/>
-              <a:t>18.02.2020</a:t>
+              <a:t>19.02.2020</a:t>
             </a:fld>
             <a:endParaRPr lang="de-DE"/>
           </a:p>
@@ -27542,7 +27385,7 @@
           <a:p>
             <a:fld id="{CBC55DA8-7BFB-46FD-BBA5-A6DF63369D11}" type="datetime1">
               <a:rPr lang="de-DE" smtClean="0"/>
-              <a:t>18.02.2020</a:t>
+              <a:t>19.02.2020</a:t>
             </a:fld>
             <a:endParaRPr lang="de-DE"/>
           </a:p>

--- a/presentation/Bash.pptx
+++ b/presentation/Bash.pptx
@@ -38,14 +38,14 @@
     <p:sldId id="280" r:id="rId26"/>
     <p:sldId id="281" r:id="rId27"/>
     <p:sldId id="282" r:id="rId28"/>
-    <p:sldId id="283" r:id="rId29"/>
-    <p:sldId id="285" r:id="rId30"/>
-    <p:sldId id="286" r:id="rId31"/>
+    <p:sldId id="292" r:id="rId29"/>
+    <p:sldId id="283" r:id="rId30"/>
+    <p:sldId id="285" r:id="rId31"/>
     <p:sldId id="287" r:id="rId32"/>
-    <p:sldId id="288" r:id="rId33"/>
-    <p:sldId id="258" r:id="rId34"/>
-    <p:sldId id="290" r:id="rId35"/>
-    <p:sldId id="289" r:id="rId36"/>
+    <p:sldId id="286" r:id="rId33"/>
+    <p:sldId id="288" r:id="rId34"/>
+    <p:sldId id="258" r:id="rId35"/>
+    <p:sldId id="290" r:id="rId36"/>
     <p:sldId id="291" r:id="rId37"/>
     <p:sldId id="259" r:id="rId38"/>
   </p:sldIdLst>
@@ -209,6 +209,7 @@
         <p14:section name="Umleitungen" id="{0746EBA7-8847-4190-94A9-A2AEA006D89C}">
           <p14:sldIdLst>
             <p14:sldId id="282"/>
+            <p14:sldId id="292"/>
             <p14:sldId id="283"/>
           </p14:sldIdLst>
         </p14:section>
@@ -219,8 +220,8 @@
         </p14:section>
         <p14:section name="Systemadministration" id="{53FBB604-C75C-49F9-9B01-08DC0F0E5B57}">
           <p14:sldIdLst>
+            <p14:sldId id="287"/>
             <p14:sldId id="286"/>
-            <p14:sldId id="287"/>
           </p14:sldIdLst>
         </p14:section>
         <p14:section name="Hilfe" id="{DE78E191-7D9F-4F3A-B310-35542168A75C}">
@@ -232,7 +233,6 @@
           <p14:sldIdLst>
             <p14:sldId id="258"/>
             <p14:sldId id="290"/>
-            <p14:sldId id="289"/>
             <p14:sldId id="291"/>
             <p14:sldId id="259"/>
           </p14:sldIdLst>
@@ -339,7 +339,7 @@
                   <a:schemeClr val="tx2"/>
                 </a:solidFill>
               </a:rPr>
-              <a:t>19.02.2020</a:t>
+              <a:t>20.02.2020</a:t>
             </a:fld>
             <a:endParaRPr lang="de-DE">
               <a:solidFill>
@@ -689,7 +689,7 @@
             <a:fld id="{B4113CCE-1A1A-46DB-884A-AE560F65C3AF}" type="datetimeFigureOut">
               <a:rPr lang="de-DE" smtClean="0"/>
               <a:pPr/>
-              <a:t>19.02.2020</a:t>
+              <a:t>20.02.2020</a:t>
             </a:fld>
             <a:endParaRPr lang="de-DE"/>
           </a:p>
@@ -8369,9 +8369,6 @@
               <a:t> am Ende der Datei "info.txt" noch Angaben zu unserem Betriebssystem.</a:t>
             </a:r>
           </a:p>
-          <a:p>
-            <a:endParaRPr lang="de-DE" dirty="0"/>
-          </a:p>
         </p:txBody>
       </p:sp>
       <p:sp>
@@ -8470,460 +8467,101 @@
                 <a:ea typeface="+mn-ea"/>
                 <a:cs typeface="+mn-cs"/>
               </a:rPr>
-              <a:t>Auch der umgekehrte Weg ist möglich: die Eingaben eines Programmes aus einer Datei entnehmen:</a:t>
-            </a:r>
-          </a:p>
-          <a:p>
-            <a:r>
-              <a:rPr lang="de-DE" sz="1200" kern="1200" dirty="0" err="1">
-                <a:solidFill>
-                  <a:schemeClr val="tx1"/>
-                </a:solidFill>
-                <a:effectLst/>
-                <a:latin typeface="+mn-lt"/>
-                <a:ea typeface="+mn-ea"/>
-                <a:cs typeface="+mn-cs"/>
-              </a:rPr>
-              <a:t>programm</a:t>
-            </a:r>
-            <a:r>
-              <a:rPr lang="de-DE" sz="1200" kern="1200" dirty="0">
-                <a:solidFill>
-                  <a:schemeClr val="tx1"/>
-                </a:solidFill>
-                <a:effectLst/>
-                <a:latin typeface="+mn-lt"/>
-                <a:ea typeface="+mn-ea"/>
-                <a:cs typeface="+mn-cs"/>
-              </a:rPr>
-              <a:t> &lt; </a:t>
-            </a:r>
-            <a:r>
-              <a:rPr lang="de-DE" sz="1200" kern="1200" dirty="0" err="1">
-                <a:solidFill>
-                  <a:schemeClr val="tx1"/>
-                </a:solidFill>
-                <a:effectLst/>
-                <a:latin typeface="+mn-lt"/>
-                <a:ea typeface="+mn-ea"/>
-                <a:cs typeface="+mn-cs"/>
-              </a:rPr>
-              <a:t>datei</a:t>
-            </a:r>
-            <a:endParaRPr lang="de-DE" sz="1200" kern="1200" dirty="0">
-              <a:solidFill>
-                <a:schemeClr val="tx1"/>
-              </a:solidFill>
-              <a:effectLst/>
-              <a:latin typeface="+mn-lt"/>
-              <a:ea typeface="+mn-ea"/>
-              <a:cs typeface="+mn-cs"/>
-            </a:endParaRPr>
-          </a:p>
-          <a:p>
-            <a:r>
-              <a:rPr lang="de-DE" sz="1200" kern="1200" dirty="0">
-                <a:solidFill>
-                  <a:schemeClr val="tx1"/>
-                </a:solidFill>
-                <a:effectLst/>
-                <a:latin typeface="+mn-lt"/>
-                <a:ea typeface="+mn-ea"/>
-                <a:cs typeface="+mn-cs"/>
-              </a:rPr>
-              <a:t> </a:t>
-            </a:r>
-          </a:p>
-          <a:p>
-            <a:r>
-              <a:rPr lang="de-DE" sz="1200" kern="1200" dirty="0">
-                <a:solidFill>
-                  <a:schemeClr val="tx1"/>
-                </a:solidFill>
-                <a:effectLst/>
-                <a:latin typeface="+mn-lt"/>
-                <a:ea typeface="+mn-ea"/>
-                <a:cs typeface="+mn-cs"/>
-              </a:rPr>
-              <a:t>Natürlich geht das nur, wenn das Programm auf Eingaben wartet. Beispiel gefällig?</a:t>
-            </a:r>
-          </a:p>
-          <a:p>
-            <a:r>
-              <a:rPr lang="de-DE" sz="1200" kern="1200" dirty="0">
-                <a:solidFill>
-                  <a:schemeClr val="tx1"/>
-                </a:solidFill>
-                <a:effectLst/>
-                <a:latin typeface="+mn-lt"/>
-                <a:ea typeface="+mn-ea"/>
-                <a:cs typeface="+mn-cs"/>
-              </a:rPr>
-              <a:t>Beim Überschreiben einer Datei mit </a:t>
-            </a:r>
-            <a:r>
-              <a:rPr lang="de-DE" sz="1200" kern="1200" dirty="0" err="1">
-                <a:solidFill>
-                  <a:schemeClr val="tx1"/>
-                </a:solidFill>
-                <a:effectLst/>
-                <a:latin typeface="+mn-lt"/>
-                <a:ea typeface="+mn-ea"/>
-                <a:cs typeface="+mn-cs"/>
-              </a:rPr>
-              <a:t>cp</a:t>
-            </a:r>
-            <a:r>
-              <a:rPr lang="de-DE" sz="1200" kern="1200" dirty="0">
-                <a:solidFill>
-                  <a:schemeClr val="tx1"/>
-                </a:solidFill>
-                <a:effectLst/>
-                <a:latin typeface="+mn-lt"/>
-                <a:ea typeface="+mn-ea"/>
-                <a:cs typeface="+mn-cs"/>
-              </a:rPr>
-              <a:t> -i gibt es eine Rückfrage die ja oder nein erwartet. </a:t>
-            </a:r>
-          </a:p>
-          <a:p>
-            <a:r>
-              <a:rPr lang="de-DE" sz="1200" kern="1200" dirty="0">
-                <a:solidFill>
-                  <a:schemeClr val="tx1"/>
-                </a:solidFill>
-                <a:effectLst/>
-                <a:latin typeface="+mn-lt"/>
-                <a:ea typeface="+mn-ea"/>
-                <a:cs typeface="+mn-cs"/>
-              </a:rPr>
-              <a:t>Wir legen eine Datei mit dem Inhalt ja an:</a:t>
-            </a:r>
-          </a:p>
-          <a:p>
-            <a:r>
-              <a:rPr lang="de-DE" sz="1200" kern="1200" dirty="0">
-                <a:solidFill>
-                  <a:schemeClr val="tx1"/>
-                </a:solidFill>
-                <a:effectLst/>
-                <a:latin typeface="+mn-lt"/>
-                <a:ea typeface="+mn-ea"/>
-                <a:cs typeface="+mn-cs"/>
-              </a:rPr>
-              <a:t>echo ja &gt; input.txt</a:t>
-            </a:r>
-          </a:p>
-          <a:p>
-            <a:r>
-              <a:rPr lang="de-DE" sz="1200" kern="1200" dirty="0">
-                <a:solidFill>
-                  <a:schemeClr val="tx1"/>
-                </a:solidFill>
-                <a:effectLst/>
-                <a:latin typeface="+mn-lt"/>
-                <a:ea typeface="+mn-ea"/>
-                <a:cs typeface="+mn-cs"/>
-              </a:rPr>
-              <a:t>ja wird hier nicht auf den Bildschirm ausgegeben, wie dies bei echo eigentlich üblich ist, sondern in die Datei "input.txt" geschrieben (siehe oben). Nun wollen wir eine bestehende Datei "datei1.txt" mit "datei2.txt" überschreiben. Zunächst benutzen wir nochmals echo um die beiden Test-Dateien zu erzeugen:</a:t>
-            </a:r>
-          </a:p>
-          <a:p>
-            <a:r>
-              <a:rPr lang="de-DE" sz="1200" kern="1200" dirty="0">
-                <a:solidFill>
-                  <a:schemeClr val="tx1"/>
-                </a:solidFill>
-                <a:effectLst/>
-                <a:latin typeface="+mn-lt"/>
-                <a:ea typeface="+mn-ea"/>
-                <a:cs typeface="+mn-cs"/>
-              </a:rPr>
-              <a:t>echo "Erste Datei" &gt; datei1.txt </a:t>
-            </a:r>
-          </a:p>
-          <a:p>
-            <a:r>
-              <a:rPr lang="de-DE" sz="1200" kern="1200" dirty="0">
-                <a:solidFill>
-                  <a:schemeClr val="tx1"/>
-                </a:solidFill>
-                <a:effectLst/>
-                <a:latin typeface="+mn-lt"/>
-                <a:ea typeface="+mn-ea"/>
-                <a:cs typeface="+mn-cs"/>
-              </a:rPr>
-              <a:t>echo "Zweite Datei" &gt; datei2.txt</a:t>
-            </a:r>
-          </a:p>
-          <a:p>
-            <a:r>
-              <a:rPr lang="de-DE" sz="1200" kern="1200" dirty="0">
-                <a:solidFill>
-                  <a:schemeClr val="tx1"/>
-                </a:solidFill>
-                <a:effectLst/>
-                <a:latin typeface="+mn-lt"/>
-                <a:ea typeface="+mn-ea"/>
-                <a:cs typeface="+mn-cs"/>
-              </a:rPr>
-              <a:t>Anführungszeichen können immer verwendet werden, sind aber nicht notwendig, wenn es sich nur um ein Wort handelt. Nun kopieren wir:</a:t>
-            </a:r>
-          </a:p>
-          <a:p>
-            <a:r>
-              <a:rPr lang="de-DE" sz="1200" kern="1200" dirty="0" err="1">
-                <a:solidFill>
-                  <a:schemeClr val="tx1"/>
-                </a:solidFill>
-                <a:effectLst/>
-                <a:latin typeface="+mn-lt"/>
-                <a:ea typeface="+mn-ea"/>
-                <a:cs typeface="+mn-cs"/>
-              </a:rPr>
-              <a:t>cp</a:t>
-            </a:r>
-            <a:r>
-              <a:rPr lang="de-DE" sz="1200" kern="1200" dirty="0">
-                <a:solidFill>
-                  <a:schemeClr val="tx1"/>
-                </a:solidFill>
-                <a:effectLst/>
-                <a:latin typeface="+mn-lt"/>
-                <a:ea typeface="+mn-ea"/>
-                <a:cs typeface="+mn-cs"/>
-              </a:rPr>
-              <a:t> -i datei2.txt datei1.txt &lt; input.txt</a:t>
-            </a:r>
-          </a:p>
-          <a:p>
-            <a:r>
-              <a:rPr lang="de-DE" sz="1200" kern="1200" dirty="0">
-                <a:solidFill>
-                  <a:schemeClr val="tx1"/>
-                </a:solidFill>
-                <a:effectLst/>
-                <a:latin typeface="+mn-lt"/>
-                <a:ea typeface="+mn-ea"/>
-                <a:cs typeface="+mn-cs"/>
-              </a:rPr>
-              <a:t> "datei1.txt" wird ohne Rückfrage überschrieben, das heißt, die Rückfrage kommt schon, aber wir haben sie mit dem Inhalt von "input.txt" bereits beantwortet!</a:t>
-            </a:r>
-          </a:p>
-          <a:p>
-            <a:endParaRPr lang="de-DE" dirty="0"/>
-          </a:p>
-          <a:p>
-            <a:r>
-              <a:rPr lang="de-DE" sz="1200" kern="1200" dirty="0">
-                <a:solidFill>
-                  <a:schemeClr val="tx1"/>
-                </a:solidFill>
-                <a:effectLst/>
-                <a:latin typeface="+mn-lt"/>
-                <a:ea typeface="+mn-ea"/>
-                <a:cs typeface="+mn-cs"/>
-              </a:rPr>
-              <a:t>Pipes (engl., Rohrleitungen) leiten den Datenstrom eines Programms an ein anderes weiter. Der Befehl lautet:</a:t>
-            </a:r>
-          </a:p>
-          <a:p>
-            <a:r>
-              <a:rPr lang="de-DE" sz="1200" kern="1200" dirty="0">
-                <a:solidFill>
-                  <a:schemeClr val="tx1"/>
-                </a:solidFill>
-                <a:effectLst/>
-                <a:latin typeface="+mn-lt"/>
-                <a:ea typeface="+mn-ea"/>
-                <a:cs typeface="+mn-cs"/>
-              </a:rPr>
-              <a:t>programm1 (...) | programm2 (...)</a:t>
-            </a:r>
-          </a:p>
-          <a:p>
-            <a:r>
-              <a:rPr lang="de-DE" sz="1200" kern="1200" dirty="0">
-                <a:solidFill>
-                  <a:schemeClr val="tx1"/>
-                </a:solidFill>
-                <a:effectLst/>
-                <a:latin typeface="+mn-lt"/>
-                <a:ea typeface="+mn-ea"/>
-                <a:cs typeface="+mn-cs"/>
-              </a:rPr>
-              <a:t> </a:t>
-            </a:r>
-          </a:p>
-          <a:p>
-            <a:r>
-              <a:rPr lang="de-DE" sz="1200" kern="1200" dirty="0">
-                <a:solidFill>
-                  <a:schemeClr val="tx1"/>
-                </a:solidFill>
-                <a:effectLst/>
-                <a:latin typeface="+mn-lt"/>
-                <a:ea typeface="+mn-ea"/>
-                <a:cs typeface="+mn-cs"/>
-              </a:rPr>
-              <a:t>Wir verwenden wieder die Ausgabe von </a:t>
-            </a:r>
-            <a:r>
-              <a:rPr lang="de-DE" sz="1200" kern="1200" dirty="0" err="1">
-                <a:solidFill>
-                  <a:schemeClr val="tx1"/>
-                </a:solidFill>
-                <a:effectLst/>
-                <a:latin typeface="+mn-lt"/>
-                <a:ea typeface="+mn-ea"/>
-                <a:cs typeface="+mn-cs"/>
-              </a:rPr>
-              <a:t>ls</a:t>
-            </a:r>
-            <a:r>
-              <a:rPr lang="de-DE" sz="1200" kern="1200" dirty="0">
-                <a:solidFill>
-                  <a:schemeClr val="tx1"/>
-                </a:solidFill>
-                <a:effectLst/>
-                <a:latin typeface="+mn-lt"/>
-                <a:ea typeface="+mn-ea"/>
-                <a:cs typeface="+mn-cs"/>
-              </a:rPr>
-              <a:t> -l, leiten aber diesmal an </a:t>
-            </a:r>
-            <a:r>
-              <a:rPr lang="de-DE" sz="1200" kern="1200" dirty="0" err="1">
-                <a:solidFill>
-                  <a:schemeClr val="tx1"/>
-                </a:solidFill>
-                <a:effectLst/>
-                <a:latin typeface="+mn-lt"/>
-                <a:ea typeface="+mn-ea"/>
-                <a:cs typeface="+mn-cs"/>
-              </a:rPr>
-              <a:t>less</a:t>
-            </a:r>
-            <a:r>
-              <a:rPr lang="de-DE" sz="1200" kern="1200" dirty="0">
-                <a:solidFill>
-                  <a:schemeClr val="tx1"/>
-                </a:solidFill>
-                <a:effectLst/>
-                <a:latin typeface="+mn-lt"/>
-                <a:ea typeface="+mn-ea"/>
-                <a:cs typeface="+mn-cs"/>
-              </a:rPr>
-              <a:t> weiter:</a:t>
-            </a:r>
-          </a:p>
-          <a:p>
-            <a:r>
-              <a:rPr lang="de-DE" sz="1200" kern="1200" dirty="0" err="1">
-                <a:solidFill>
-                  <a:schemeClr val="tx1"/>
-                </a:solidFill>
-                <a:effectLst/>
-                <a:latin typeface="+mn-lt"/>
-                <a:ea typeface="+mn-ea"/>
-                <a:cs typeface="+mn-cs"/>
-              </a:rPr>
-              <a:t>ls</a:t>
-            </a:r>
-            <a:r>
-              <a:rPr lang="de-DE" sz="1200" kern="1200" dirty="0">
-                <a:solidFill>
-                  <a:schemeClr val="tx1"/>
-                </a:solidFill>
-                <a:effectLst/>
-                <a:latin typeface="+mn-lt"/>
-                <a:ea typeface="+mn-ea"/>
-                <a:cs typeface="+mn-cs"/>
-              </a:rPr>
-              <a:t> -l | </a:t>
-            </a:r>
-            <a:r>
-              <a:rPr lang="de-DE" sz="1200" kern="1200" dirty="0" err="1">
-                <a:solidFill>
-                  <a:schemeClr val="tx1"/>
-                </a:solidFill>
-                <a:effectLst/>
-                <a:latin typeface="+mn-lt"/>
-                <a:ea typeface="+mn-ea"/>
-                <a:cs typeface="+mn-cs"/>
-              </a:rPr>
-              <a:t>less</a:t>
-            </a:r>
-            <a:endParaRPr lang="de-DE" sz="1200" kern="1200" dirty="0">
-              <a:solidFill>
-                <a:schemeClr val="tx1"/>
-              </a:solidFill>
-              <a:effectLst/>
-              <a:latin typeface="+mn-lt"/>
-              <a:ea typeface="+mn-ea"/>
-              <a:cs typeface="+mn-cs"/>
-            </a:endParaRPr>
-          </a:p>
-          <a:p>
-            <a:r>
-              <a:rPr lang="de-DE" sz="1200" kern="1200" dirty="0">
-                <a:solidFill>
-                  <a:schemeClr val="tx1"/>
-                </a:solidFill>
-                <a:effectLst/>
-                <a:latin typeface="+mn-lt"/>
-                <a:ea typeface="+mn-ea"/>
-                <a:cs typeface="+mn-cs"/>
-              </a:rPr>
-              <a:t>Das Zeichen | macht nun die Ausgabe von </a:t>
-            </a:r>
-            <a:r>
-              <a:rPr lang="de-DE" sz="1200" kern="1200" dirty="0" err="1">
-                <a:solidFill>
-                  <a:schemeClr val="tx1"/>
-                </a:solidFill>
-                <a:effectLst/>
-                <a:latin typeface="+mn-lt"/>
-                <a:ea typeface="+mn-ea"/>
-                <a:cs typeface="+mn-cs"/>
-              </a:rPr>
-              <a:t>ls</a:t>
-            </a:r>
-            <a:r>
-              <a:rPr lang="de-DE" sz="1200" kern="1200" dirty="0">
-                <a:solidFill>
-                  <a:schemeClr val="tx1"/>
-                </a:solidFill>
-                <a:effectLst/>
-                <a:latin typeface="+mn-lt"/>
-                <a:ea typeface="+mn-ea"/>
-                <a:cs typeface="+mn-cs"/>
-              </a:rPr>
-              <a:t> -l zur Eingabe von </a:t>
-            </a:r>
-            <a:r>
-              <a:rPr lang="de-DE" sz="1200" kern="1200" dirty="0" err="1">
-                <a:solidFill>
-                  <a:schemeClr val="tx1"/>
-                </a:solidFill>
-                <a:effectLst/>
-                <a:latin typeface="+mn-lt"/>
-                <a:ea typeface="+mn-ea"/>
-                <a:cs typeface="+mn-cs"/>
-              </a:rPr>
-              <a:t>less</a:t>
-            </a:r>
-            <a:r>
-              <a:rPr lang="de-DE" sz="1200" kern="1200" dirty="0">
-                <a:solidFill>
-                  <a:schemeClr val="tx1"/>
-                </a:solidFill>
-                <a:effectLst/>
-                <a:latin typeface="+mn-lt"/>
-                <a:ea typeface="+mn-ea"/>
-                <a:cs typeface="+mn-cs"/>
-              </a:rPr>
-              <a:t>.</a:t>
+              <a:t>Mit 2&gt; werden nur Fehlermeldungen in einer Datei gespeichert.</a:t>
+            </a:r>
+          </a:p>
+          <a:p>
+            <a:r>
+              <a:rPr lang="de-DE" sz="1200" kern="1200" dirty="0">
+                <a:solidFill>
+                  <a:schemeClr val="tx1"/>
+                </a:solidFill>
+                <a:effectLst/>
+                <a:latin typeface="+mn-lt"/>
+                <a:ea typeface="+mn-ea"/>
+                <a:cs typeface="+mn-cs"/>
+              </a:rPr>
+              <a:t>Beispiel:</a:t>
+            </a:r>
+          </a:p>
+          <a:p>
+            <a:r>
+              <a:rPr lang="de-DE" sz="1200" kern="1200" dirty="0" err="1">
+                <a:solidFill>
+                  <a:schemeClr val="tx1"/>
+                </a:solidFill>
+                <a:effectLst/>
+                <a:latin typeface="+mn-lt"/>
+                <a:ea typeface="+mn-ea"/>
+                <a:cs typeface="+mn-cs"/>
+              </a:rPr>
+              <a:t>let</a:t>
+            </a:r>
+            <a:r>
+              <a:rPr lang="de-DE" sz="1200" kern="1200" dirty="0">
+                <a:solidFill>
+                  <a:schemeClr val="tx1"/>
+                </a:solidFill>
+                <a:effectLst/>
+                <a:latin typeface="+mn-lt"/>
+                <a:ea typeface="+mn-ea"/>
+                <a:cs typeface="+mn-cs"/>
+              </a:rPr>
+              <a:t> x=1/0</a:t>
+            </a:r>
+          </a:p>
+          <a:p>
+            <a:r>
+              <a:rPr lang="de-DE" sz="1200" kern="1200" dirty="0">
+                <a:solidFill>
+                  <a:schemeClr val="tx1"/>
+                </a:solidFill>
+                <a:effectLst/>
+                <a:latin typeface="+mn-lt"/>
+                <a:ea typeface="+mn-ea"/>
+                <a:cs typeface="+mn-cs"/>
+              </a:rPr>
+              <a:t>Erzeugt eine Fehlermeldung. Die Ausgabe erscheint auf dem Bildschirm.</a:t>
+            </a:r>
+          </a:p>
+          <a:p>
+            <a:r>
+              <a:rPr lang="de-DE" sz="1200" kern="1200" dirty="0" err="1">
+                <a:solidFill>
+                  <a:schemeClr val="tx1"/>
+                </a:solidFill>
+                <a:effectLst/>
+                <a:latin typeface="+mn-lt"/>
+                <a:ea typeface="+mn-ea"/>
+                <a:cs typeface="+mn-cs"/>
+              </a:rPr>
+              <a:t>let</a:t>
+            </a:r>
+            <a:r>
+              <a:rPr lang="de-DE" sz="1200" kern="1200" dirty="0">
+                <a:solidFill>
+                  <a:schemeClr val="tx1"/>
+                </a:solidFill>
+                <a:effectLst/>
+                <a:latin typeface="+mn-lt"/>
+                <a:ea typeface="+mn-ea"/>
+                <a:cs typeface="+mn-cs"/>
+              </a:rPr>
+              <a:t> x=1/0 2&gt; fehler.txt</a:t>
+            </a:r>
+          </a:p>
+          <a:p>
+            <a:r>
+              <a:rPr lang="de-DE" sz="1200" kern="1200" dirty="0">
+                <a:solidFill>
+                  <a:schemeClr val="tx1"/>
+                </a:solidFill>
+                <a:effectLst/>
+                <a:latin typeface="+mn-lt"/>
+                <a:ea typeface="+mn-ea"/>
+                <a:cs typeface="+mn-cs"/>
+              </a:rPr>
+              <a:t>Speichert die Fehlermeldung in einer Datei.</a:t>
             </a:r>
           </a:p>
           <a:p>
@@ -8958,7 +8596,7 @@
     </p:spTree>
     <p:extLst>
       <p:ext uri="{BB962C8B-B14F-4D97-AF65-F5344CB8AC3E}">
-        <p14:creationId xmlns:p14="http://schemas.microsoft.com/office/powerpoint/2010/main" val="1419688142"/>
+        <p14:creationId xmlns:p14="http://schemas.microsoft.com/office/powerpoint/2010/main" val="3718007213"/>
       </p:ext>
     </p:extLst>
   </p:cSld>
@@ -9027,93 +8665,45 @@
                 <a:ea typeface="+mn-ea"/>
                 <a:cs typeface="+mn-cs"/>
               </a:rPr>
-              <a:t>Zuletzt noch zu zwei Programmen, die bislang noch gefehlt haben - </a:t>
-            </a:r>
-            <a:r>
-              <a:rPr lang="de-DE" sz="1200" kern="1200" dirty="0" err="1">
-                <a:solidFill>
-                  <a:schemeClr val="tx1"/>
-                </a:solidFill>
-                <a:effectLst/>
-                <a:latin typeface="+mn-lt"/>
-                <a:ea typeface="+mn-ea"/>
-                <a:cs typeface="+mn-cs"/>
-              </a:rPr>
-              <a:t>cat</a:t>
-            </a:r>
-            <a:r>
-              <a:rPr lang="de-DE" sz="1200" kern="1200" dirty="0">
-                <a:solidFill>
-                  <a:schemeClr val="tx1"/>
-                </a:solidFill>
-                <a:effectLst/>
-                <a:latin typeface="+mn-lt"/>
-                <a:ea typeface="+mn-ea"/>
-                <a:cs typeface="+mn-cs"/>
-              </a:rPr>
-              <a:t> und </a:t>
-            </a:r>
-            <a:r>
-              <a:rPr lang="de-DE" sz="1200" kern="1200" dirty="0" err="1">
-                <a:solidFill>
-                  <a:schemeClr val="tx1"/>
-                </a:solidFill>
-                <a:effectLst/>
-                <a:latin typeface="+mn-lt"/>
-                <a:ea typeface="+mn-ea"/>
-                <a:cs typeface="+mn-cs"/>
-              </a:rPr>
-              <a:t>grep</a:t>
-            </a:r>
-            <a:r>
-              <a:rPr lang="de-DE" sz="1200" kern="1200" dirty="0">
-                <a:solidFill>
-                  <a:schemeClr val="tx1"/>
-                </a:solidFill>
-                <a:effectLst/>
-                <a:latin typeface="+mn-lt"/>
-                <a:ea typeface="+mn-ea"/>
-                <a:cs typeface="+mn-cs"/>
-              </a:rPr>
-              <a:t>:</a:t>
-            </a:r>
-          </a:p>
-          <a:p>
-            <a:r>
-              <a:rPr lang="de-DE" sz="1200" kern="1200" dirty="0" err="1">
-                <a:solidFill>
-                  <a:schemeClr val="tx1"/>
-                </a:solidFill>
-                <a:effectLst/>
-                <a:latin typeface="+mn-lt"/>
-                <a:ea typeface="+mn-ea"/>
-                <a:cs typeface="+mn-cs"/>
-              </a:rPr>
-              <a:t>cat</a:t>
-            </a:r>
-            <a:r>
-              <a:rPr lang="de-DE" sz="1200" kern="1200" dirty="0">
-                <a:solidFill>
-                  <a:schemeClr val="tx1"/>
-                </a:solidFill>
-                <a:effectLst/>
-                <a:latin typeface="+mn-lt"/>
-                <a:ea typeface="+mn-ea"/>
-                <a:cs typeface="+mn-cs"/>
-              </a:rPr>
-              <a:t> </a:t>
-            </a:r>
-            <a:r>
-              <a:rPr lang="de-DE" sz="1200" kern="1200" dirty="0" err="1">
-                <a:solidFill>
-                  <a:schemeClr val="tx1"/>
-                </a:solidFill>
-                <a:effectLst/>
-                <a:latin typeface="+mn-lt"/>
-                <a:ea typeface="+mn-ea"/>
-                <a:cs typeface="+mn-cs"/>
-              </a:rPr>
-              <a:t>dateiname</a:t>
+              <a:t>Auch der umgekehrte Weg ist möglich: die Eingaben eines Programmes aus einer Datei entnehmen:</a:t>
+            </a:r>
+          </a:p>
+          <a:p>
+            <a:r>
+              <a:rPr lang="de-DE" sz="1200" kern="1200" dirty="0" err="1">
+                <a:solidFill>
+                  <a:schemeClr val="tx1"/>
+                </a:solidFill>
+                <a:effectLst/>
+                <a:latin typeface="+mn-lt"/>
+                <a:ea typeface="+mn-ea"/>
+                <a:cs typeface="+mn-cs"/>
+              </a:rPr>
+              <a:t>programm</a:t>
+            </a:r>
+            <a:r>
+              <a:rPr lang="de-DE" sz="1200" kern="1200" dirty="0">
+                <a:solidFill>
+                  <a:schemeClr val="tx1"/>
+                </a:solidFill>
+                <a:effectLst/>
+                <a:latin typeface="+mn-lt"/>
+                <a:ea typeface="+mn-ea"/>
+                <a:cs typeface="+mn-cs"/>
+              </a:rPr>
+              <a:t> &lt; </a:t>
+            </a:r>
+            <a:r>
+              <a:rPr lang="de-DE" sz="1200" kern="1200" dirty="0" err="1">
+                <a:solidFill>
+                  <a:schemeClr val="tx1"/>
+                </a:solidFill>
+                <a:effectLst/>
+                <a:latin typeface="+mn-lt"/>
+                <a:ea typeface="+mn-ea"/>
+                <a:cs typeface="+mn-cs"/>
+              </a:rPr>
+              <a:t>datei</a:t>
             </a:r>
             <a:endParaRPr lang="de-DE" sz="1200" kern="1200" dirty="0">
               <a:solidFill>
@@ -9127,250 +8717,337 @@
           </a:p>
           <a:p>
             <a:r>
-              <a:rPr lang="de-DE" sz="1200" kern="1200" dirty="0" err="1">
-                <a:solidFill>
-                  <a:schemeClr val="tx1"/>
-                </a:solidFill>
-                <a:effectLst/>
-                <a:latin typeface="+mn-lt"/>
-                <a:ea typeface="+mn-ea"/>
-                <a:cs typeface="+mn-cs"/>
-              </a:rPr>
-              <a:t>cat</a:t>
-            </a:r>
-            <a:r>
-              <a:rPr lang="de-DE" sz="1200" kern="1200" dirty="0">
-                <a:solidFill>
-                  <a:schemeClr val="tx1"/>
-                </a:solidFill>
-                <a:effectLst/>
-                <a:latin typeface="+mn-lt"/>
-                <a:ea typeface="+mn-ea"/>
-                <a:cs typeface="+mn-cs"/>
-              </a:rPr>
-              <a:t> liest Dateien </a:t>
-            </a:r>
-            <a:r>
-              <a:rPr lang="de-DE" sz="1200" kern="1200" dirty="0" err="1">
-                <a:solidFill>
-                  <a:schemeClr val="tx1"/>
-                </a:solidFill>
-                <a:effectLst/>
-                <a:latin typeface="+mn-lt"/>
-                <a:ea typeface="+mn-ea"/>
-                <a:cs typeface="+mn-cs"/>
-              </a:rPr>
-              <a:t>bitweise</a:t>
-            </a:r>
-            <a:r>
-              <a:rPr lang="de-DE" sz="1200" kern="1200" dirty="0">
-                <a:solidFill>
-                  <a:schemeClr val="tx1"/>
-                </a:solidFill>
-                <a:effectLst/>
-                <a:latin typeface="+mn-lt"/>
-                <a:ea typeface="+mn-ea"/>
-                <a:cs typeface="+mn-cs"/>
-              </a:rPr>
-              <a:t> aus und gibt sie auf die Standardausgabe aus. Dies können wir benutzen, um das Ende langer Textdateien anzusehen:</a:t>
-            </a:r>
-          </a:p>
-          <a:p>
-            <a:r>
-              <a:rPr lang="de-DE" sz="1200" kern="1200" dirty="0" err="1">
-                <a:solidFill>
-                  <a:schemeClr val="tx1"/>
-                </a:solidFill>
-                <a:effectLst/>
-                <a:latin typeface="+mn-lt"/>
-                <a:ea typeface="+mn-ea"/>
-                <a:cs typeface="+mn-cs"/>
-              </a:rPr>
-              <a:t>cat</a:t>
-            </a:r>
-            <a:r>
-              <a:rPr lang="de-DE" sz="1200" kern="1200" dirty="0">
-                <a:solidFill>
-                  <a:schemeClr val="tx1"/>
-                </a:solidFill>
-                <a:effectLst/>
-                <a:latin typeface="+mn-lt"/>
-                <a:ea typeface="+mn-ea"/>
-                <a:cs typeface="+mn-cs"/>
-              </a:rPr>
-              <a:t> /</a:t>
-            </a:r>
-            <a:r>
-              <a:rPr lang="de-DE" sz="1200" kern="1200" dirty="0" err="1">
-                <a:solidFill>
-                  <a:schemeClr val="tx1"/>
-                </a:solidFill>
-                <a:effectLst/>
-                <a:latin typeface="+mn-lt"/>
-                <a:ea typeface="+mn-ea"/>
-                <a:cs typeface="+mn-cs"/>
-              </a:rPr>
-              <a:t>var</a:t>
-            </a:r>
-            <a:r>
-              <a:rPr lang="de-DE" sz="1200" kern="1200" dirty="0">
-                <a:solidFill>
-                  <a:schemeClr val="tx1"/>
-                </a:solidFill>
-                <a:effectLst/>
-                <a:latin typeface="+mn-lt"/>
-                <a:ea typeface="+mn-ea"/>
-                <a:cs typeface="+mn-cs"/>
-              </a:rPr>
-              <a:t>/log/kern.log</a:t>
-            </a:r>
-          </a:p>
-          <a:p>
-            <a:r>
-              <a:rPr lang="de-DE" sz="1200" kern="1200" dirty="0">
-                <a:solidFill>
-                  <a:schemeClr val="tx1"/>
-                </a:solidFill>
-                <a:effectLst/>
-                <a:latin typeface="+mn-lt"/>
-                <a:ea typeface="+mn-ea"/>
-                <a:cs typeface="+mn-cs"/>
-              </a:rPr>
-              <a:t>Bei log-Dateien interessieren uns meist vor allem die letzten Einträge und </a:t>
-            </a:r>
-            <a:r>
-              <a:rPr lang="de-DE" sz="1200" kern="1200" dirty="0" err="1">
-                <a:solidFill>
-                  <a:schemeClr val="tx1"/>
-                </a:solidFill>
-                <a:effectLst/>
-                <a:latin typeface="+mn-lt"/>
-                <a:ea typeface="+mn-ea"/>
-                <a:cs typeface="+mn-cs"/>
-              </a:rPr>
-              <a:t>cat</a:t>
-            </a:r>
-            <a:r>
-              <a:rPr lang="de-DE" sz="1200" kern="1200" dirty="0">
-                <a:solidFill>
-                  <a:schemeClr val="tx1"/>
-                </a:solidFill>
-                <a:effectLst/>
-                <a:latin typeface="+mn-lt"/>
-                <a:ea typeface="+mn-ea"/>
-                <a:cs typeface="+mn-cs"/>
-              </a:rPr>
-              <a:t> spult die Datei bis zum Ende ab. Manchmal ist aber auch das </a:t>
-            </a:r>
-            <a:r>
-              <a:rPr lang="de-DE" sz="1200" kern="1200" dirty="0" err="1">
-                <a:solidFill>
-                  <a:schemeClr val="tx1"/>
-                </a:solidFill>
-                <a:effectLst/>
-                <a:latin typeface="+mn-lt"/>
-                <a:ea typeface="+mn-ea"/>
-                <a:cs typeface="+mn-cs"/>
-              </a:rPr>
-              <a:t>zuviel</a:t>
-            </a:r>
-            <a:r>
-              <a:rPr lang="de-DE" sz="1200" kern="1200" dirty="0">
-                <a:solidFill>
-                  <a:schemeClr val="tx1"/>
-                </a:solidFill>
-                <a:effectLst/>
-                <a:latin typeface="+mn-lt"/>
-                <a:ea typeface="+mn-ea"/>
-                <a:cs typeface="+mn-cs"/>
-              </a:rPr>
-              <a:t> und ich will nur alle Einträge sehen, welche meine NVIDIA-Grafik betreffen. Da kommt mir </a:t>
-            </a:r>
-            <a:r>
-              <a:rPr lang="de-DE" sz="1200" kern="1200" dirty="0" err="1">
-                <a:solidFill>
-                  <a:schemeClr val="tx1"/>
-                </a:solidFill>
-                <a:effectLst/>
-                <a:latin typeface="+mn-lt"/>
-                <a:ea typeface="+mn-ea"/>
-                <a:cs typeface="+mn-cs"/>
-              </a:rPr>
-              <a:t>grep</a:t>
-            </a:r>
-            <a:r>
-              <a:rPr lang="de-DE" sz="1200" kern="1200" dirty="0">
-                <a:solidFill>
-                  <a:schemeClr val="tx1"/>
-                </a:solidFill>
-                <a:effectLst/>
-                <a:latin typeface="+mn-lt"/>
-                <a:ea typeface="+mn-ea"/>
-                <a:cs typeface="+mn-cs"/>
-              </a:rPr>
-              <a:t> zu Hilfe:</a:t>
-            </a:r>
-          </a:p>
-          <a:p>
-            <a:r>
-              <a:rPr lang="de-DE" sz="1200" kern="1200" dirty="0" err="1">
-                <a:solidFill>
-                  <a:schemeClr val="tx1"/>
-                </a:solidFill>
-                <a:effectLst/>
-                <a:latin typeface="+mn-lt"/>
-                <a:ea typeface="+mn-ea"/>
-                <a:cs typeface="+mn-cs"/>
-              </a:rPr>
-              <a:t>grep</a:t>
-            </a:r>
-            <a:r>
-              <a:rPr lang="de-DE" sz="1200" kern="1200" dirty="0">
-                <a:solidFill>
-                  <a:schemeClr val="tx1"/>
-                </a:solidFill>
-                <a:effectLst/>
-                <a:latin typeface="+mn-lt"/>
-                <a:ea typeface="+mn-ea"/>
-                <a:cs typeface="+mn-cs"/>
-              </a:rPr>
-              <a:t> (-optionen) </a:t>
-            </a:r>
-            <a:r>
-              <a:rPr lang="de-DE" sz="1200" kern="1200" dirty="0" err="1">
-                <a:solidFill>
-                  <a:schemeClr val="tx1"/>
-                </a:solidFill>
-                <a:effectLst/>
-                <a:latin typeface="+mn-lt"/>
-                <a:ea typeface="+mn-ea"/>
-                <a:cs typeface="+mn-cs"/>
-              </a:rPr>
-              <a:t>muster</a:t>
-            </a:r>
-            <a:r>
-              <a:rPr lang="de-DE" sz="1200" kern="1200" dirty="0">
-                <a:solidFill>
-                  <a:schemeClr val="tx1"/>
-                </a:solidFill>
-                <a:effectLst/>
-                <a:latin typeface="+mn-lt"/>
-                <a:ea typeface="+mn-ea"/>
-                <a:cs typeface="+mn-cs"/>
-              </a:rPr>
-              <a:t> </a:t>
-            </a:r>
-            <a:r>
-              <a:rPr lang="de-DE" sz="1200" kern="1200" dirty="0" err="1">
-                <a:solidFill>
-                  <a:schemeClr val="tx1"/>
-                </a:solidFill>
-                <a:effectLst/>
-                <a:latin typeface="+mn-lt"/>
-                <a:ea typeface="+mn-ea"/>
-                <a:cs typeface="+mn-cs"/>
-              </a:rPr>
-              <a:t>dateiname</a:t>
+              <a:rPr lang="de-DE" sz="1200" kern="1200" dirty="0">
+                <a:solidFill>
+                  <a:schemeClr val="tx1"/>
+                </a:solidFill>
+                <a:effectLst/>
+                <a:latin typeface="+mn-lt"/>
+                <a:ea typeface="+mn-ea"/>
+                <a:cs typeface="+mn-cs"/>
+              </a:rPr>
+              <a:t> </a:t>
+            </a:r>
+          </a:p>
+          <a:p>
+            <a:r>
+              <a:rPr lang="de-DE" sz="1200" kern="1200" dirty="0">
+                <a:solidFill>
+                  <a:schemeClr val="tx1"/>
+                </a:solidFill>
+                <a:effectLst/>
+                <a:latin typeface="+mn-lt"/>
+                <a:ea typeface="+mn-ea"/>
+                <a:cs typeface="+mn-cs"/>
+              </a:rPr>
+              <a:t>Natürlich geht das nur, wenn das Programm auf Eingaben wartet. Beispiel gefällig?</a:t>
+            </a:r>
+          </a:p>
+          <a:p>
+            <a:r>
+              <a:rPr lang="de-DE" sz="1200" kern="1200" dirty="0">
+                <a:solidFill>
+                  <a:schemeClr val="tx1"/>
+                </a:solidFill>
+                <a:effectLst/>
+                <a:latin typeface="+mn-lt"/>
+                <a:ea typeface="+mn-ea"/>
+                <a:cs typeface="+mn-cs"/>
+              </a:rPr>
+              <a:t>Beim Überschreiben einer Datei mit </a:t>
+            </a:r>
+            <a:r>
+              <a:rPr lang="de-DE" sz="1200" kern="1200" dirty="0" err="1">
+                <a:solidFill>
+                  <a:schemeClr val="tx1"/>
+                </a:solidFill>
+                <a:effectLst/>
+                <a:latin typeface="+mn-lt"/>
+                <a:ea typeface="+mn-ea"/>
+                <a:cs typeface="+mn-cs"/>
+              </a:rPr>
+              <a:t>cp</a:t>
+            </a:r>
+            <a:r>
+              <a:rPr lang="de-DE" sz="1200" kern="1200" dirty="0">
+                <a:solidFill>
+                  <a:schemeClr val="tx1"/>
+                </a:solidFill>
+                <a:effectLst/>
+                <a:latin typeface="+mn-lt"/>
+                <a:ea typeface="+mn-ea"/>
+                <a:cs typeface="+mn-cs"/>
+              </a:rPr>
+              <a:t> -i gibt es eine Rückfrage die ja oder nein erwartet. </a:t>
+            </a:r>
+          </a:p>
+          <a:p>
+            <a:r>
+              <a:rPr lang="de-DE" sz="1200" kern="1200" dirty="0">
+                <a:solidFill>
+                  <a:schemeClr val="tx1"/>
+                </a:solidFill>
+                <a:effectLst/>
+                <a:latin typeface="+mn-lt"/>
+                <a:ea typeface="+mn-ea"/>
+                <a:cs typeface="+mn-cs"/>
+              </a:rPr>
+              <a:t>Wir legen eine Datei mit dem Inhalt ja an:</a:t>
+            </a:r>
+          </a:p>
+          <a:p>
+            <a:r>
+              <a:rPr lang="de-DE" sz="1200" kern="1200" dirty="0">
+                <a:solidFill>
+                  <a:schemeClr val="tx1"/>
+                </a:solidFill>
+                <a:effectLst/>
+                <a:latin typeface="+mn-lt"/>
+                <a:ea typeface="+mn-ea"/>
+                <a:cs typeface="+mn-cs"/>
+              </a:rPr>
+              <a:t>echo ja &gt; input.txt</a:t>
+            </a:r>
+          </a:p>
+          <a:p>
+            <a:r>
+              <a:rPr lang="de-DE" sz="1200" kern="1200" dirty="0">
+                <a:solidFill>
+                  <a:schemeClr val="tx1"/>
+                </a:solidFill>
+                <a:effectLst/>
+                <a:latin typeface="+mn-lt"/>
+                <a:ea typeface="+mn-ea"/>
+                <a:cs typeface="+mn-cs"/>
+              </a:rPr>
+              <a:t>ja wird hier nicht auf den Bildschirm ausgegeben, wie dies bei echo eigentlich üblich ist, sondern in die Datei "input.txt" geschrieben (siehe oben). Nun wollen wir eine bestehende Datei "datei1.txt" mit "datei2.txt" überschreiben. Zunächst benutzen wir nochmals echo um die beiden Test-Dateien zu erzeugen:</a:t>
+            </a:r>
+          </a:p>
+          <a:p>
+            <a:r>
+              <a:rPr lang="de-DE" sz="1200" kern="1200" dirty="0">
+                <a:solidFill>
+                  <a:schemeClr val="tx1"/>
+                </a:solidFill>
+                <a:effectLst/>
+                <a:latin typeface="+mn-lt"/>
+                <a:ea typeface="+mn-ea"/>
+                <a:cs typeface="+mn-cs"/>
+              </a:rPr>
+              <a:t>echo "Erste Datei" &gt; datei1.txt </a:t>
+            </a:r>
+          </a:p>
+          <a:p>
+            <a:r>
+              <a:rPr lang="de-DE" sz="1200" kern="1200" dirty="0">
+                <a:solidFill>
+                  <a:schemeClr val="tx1"/>
+                </a:solidFill>
+                <a:effectLst/>
+                <a:latin typeface="+mn-lt"/>
+                <a:ea typeface="+mn-ea"/>
+                <a:cs typeface="+mn-cs"/>
+              </a:rPr>
+              <a:t>echo "Zweite Datei" &gt; datei2.txt</a:t>
+            </a:r>
+          </a:p>
+          <a:p>
+            <a:r>
+              <a:rPr lang="de-DE" sz="1200" kern="1200" dirty="0">
+                <a:solidFill>
+                  <a:schemeClr val="tx1"/>
+                </a:solidFill>
+                <a:effectLst/>
+                <a:latin typeface="+mn-lt"/>
+                <a:ea typeface="+mn-ea"/>
+                <a:cs typeface="+mn-cs"/>
+              </a:rPr>
+              <a:t>Anführungszeichen können immer verwendet werden, sind aber nicht notwendig, wenn es sich nur um ein Wort handelt. Nun kopieren wir:</a:t>
+            </a:r>
+          </a:p>
+          <a:p>
+            <a:r>
+              <a:rPr lang="de-DE" sz="1200" kern="1200" dirty="0" err="1">
+                <a:solidFill>
+                  <a:schemeClr val="tx1"/>
+                </a:solidFill>
+                <a:effectLst/>
+                <a:latin typeface="+mn-lt"/>
+                <a:ea typeface="+mn-ea"/>
+                <a:cs typeface="+mn-cs"/>
+              </a:rPr>
+              <a:t>cp</a:t>
+            </a:r>
+            <a:r>
+              <a:rPr lang="de-DE" sz="1200" kern="1200" dirty="0">
+                <a:solidFill>
+                  <a:schemeClr val="tx1"/>
+                </a:solidFill>
+                <a:effectLst/>
+                <a:latin typeface="+mn-lt"/>
+                <a:ea typeface="+mn-ea"/>
+                <a:cs typeface="+mn-cs"/>
+              </a:rPr>
+              <a:t> -i datei2.txt datei1.txt &lt; input.txt</a:t>
+            </a:r>
+          </a:p>
+          <a:p>
+            <a:r>
+              <a:rPr lang="de-DE" sz="1200" kern="1200" dirty="0">
+                <a:solidFill>
+                  <a:schemeClr val="tx1"/>
+                </a:solidFill>
+                <a:effectLst/>
+                <a:latin typeface="+mn-lt"/>
+                <a:ea typeface="+mn-ea"/>
+                <a:cs typeface="+mn-cs"/>
+              </a:rPr>
+              <a:t> "datei1.txt" wird ohne Rückfrage überschrieben, das heißt, die Rückfrage kommt schon, aber wir haben sie mit dem Inhalt von "input.txt" bereits beantwortet!</a:t>
+            </a:r>
+          </a:p>
+          <a:p>
+            <a:endParaRPr lang="de-DE" dirty="0"/>
+          </a:p>
+          <a:p>
+            <a:r>
+              <a:rPr lang="de-DE" sz="1200" kern="1200" dirty="0">
+                <a:solidFill>
+                  <a:schemeClr val="tx1"/>
+                </a:solidFill>
+                <a:effectLst/>
+                <a:latin typeface="+mn-lt"/>
+                <a:ea typeface="+mn-ea"/>
+                <a:cs typeface="+mn-cs"/>
+              </a:rPr>
+              <a:t>Pipes (engl., Rohrleitungen) leiten den Datenstrom eines Programms an ein anderes weiter. Der Befehl lautet:</a:t>
+            </a:r>
+          </a:p>
+          <a:p>
+            <a:r>
+              <a:rPr lang="de-DE" sz="1200" kern="1200" dirty="0">
+                <a:solidFill>
+                  <a:schemeClr val="tx1"/>
+                </a:solidFill>
+                <a:effectLst/>
+                <a:latin typeface="+mn-lt"/>
+                <a:ea typeface="+mn-ea"/>
+                <a:cs typeface="+mn-cs"/>
+              </a:rPr>
+              <a:t>programm1 (...) | programm2 (...)</a:t>
+            </a:r>
+          </a:p>
+          <a:p>
+            <a:r>
+              <a:rPr lang="de-DE" sz="1200" kern="1200" dirty="0">
+                <a:solidFill>
+                  <a:schemeClr val="tx1"/>
+                </a:solidFill>
+                <a:effectLst/>
+                <a:latin typeface="+mn-lt"/>
+                <a:ea typeface="+mn-ea"/>
+                <a:cs typeface="+mn-cs"/>
+              </a:rPr>
+              <a:t> </a:t>
+            </a:r>
+          </a:p>
+          <a:p>
+            <a:r>
+              <a:rPr lang="de-DE" sz="1200" kern="1200" dirty="0">
+                <a:solidFill>
+                  <a:schemeClr val="tx1"/>
+                </a:solidFill>
+                <a:effectLst/>
+                <a:latin typeface="+mn-lt"/>
+                <a:ea typeface="+mn-ea"/>
+                <a:cs typeface="+mn-cs"/>
+              </a:rPr>
+              <a:t>Wir verwenden wieder die Ausgabe von </a:t>
+            </a:r>
+            <a:r>
+              <a:rPr lang="de-DE" sz="1200" kern="1200" dirty="0" err="1">
+                <a:solidFill>
+                  <a:schemeClr val="tx1"/>
+                </a:solidFill>
+                <a:effectLst/>
+                <a:latin typeface="+mn-lt"/>
+                <a:ea typeface="+mn-ea"/>
+                <a:cs typeface="+mn-cs"/>
+              </a:rPr>
+              <a:t>ls</a:t>
+            </a:r>
+            <a:r>
+              <a:rPr lang="de-DE" sz="1200" kern="1200" dirty="0">
+                <a:solidFill>
+                  <a:schemeClr val="tx1"/>
+                </a:solidFill>
+                <a:effectLst/>
+                <a:latin typeface="+mn-lt"/>
+                <a:ea typeface="+mn-ea"/>
+                <a:cs typeface="+mn-cs"/>
+              </a:rPr>
+              <a:t> -l, leiten aber diesmal an </a:t>
+            </a:r>
+            <a:r>
+              <a:rPr lang="de-DE" sz="1200" kern="1200" dirty="0" err="1">
+                <a:solidFill>
+                  <a:schemeClr val="tx1"/>
+                </a:solidFill>
+                <a:effectLst/>
+                <a:latin typeface="+mn-lt"/>
+                <a:ea typeface="+mn-ea"/>
+                <a:cs typeface="+mn-cs"/>
+              </a:rPr>
+              <a:t>less</a:t>
+            </a:r>
+            <a:r>
+              <a:rPr lang="de-DE" sz="1200" kern="1200" dirty="0">
+                <a:solidFill>
+                  <a:schemeClr val="tx1"/>
+                </a:solidFill>
+                <a:effectLst/>
+                <a:latin typeface="+mn-lt"/>
+                <a:ea typeface="+mn-ea"/>
+                <a:cs typeface="+mn-cs"/>
+              </a:rPr>
+              <a:t> weiter:</a:t>
+            </a:r>
+          </a:p>
+          <a:p>
+            <a:r>
+              <a:rPr lang="de-DE" sz="1200" kern="1200" dirty="0" err="1">
+                <a:solidFill>
+                  <a:schemeClr val="tx1"/>
+                </a:solidFill>
+                <a:effectLst/>
+                <a:latin typeface="+mn-lt"/>
+                <a:ea typeface="+mn-ea"/>
+                <a:cs typeface="+mn-cs"/>
+              </a:rPr>
+              <a:t>ls</a:t>
+            </a:r>
+            <a:r>
+              <a:rPr lang="de-DE" sz="1200" kern="1200" dirty="0">
+                <a:solidFill>
+                  <a:schemeClr val="tx1"/>
+                </a:solidFill>
+                <a:effectLst/>
+                <a:latin typeface="+mn-lt"/>
+                <a:ea typeface="+mn-ea"/>
+                <a:cs typeface="+mn-cs"/>
+              </a:rPr>
+              <a:t> -l | </a:t>
+            </a:r>
+            <a:r>
+              <a:rPr lang="de-DE" sz="1200" kern="1200" dirty="0" err="1">
+                <a:solidFill>
+                  <a:schemeClr val="tx1"/>
+                </a:solidFill>
+                <a:effectLst/>
+                <a:latin typeface="+mn-lt"/>
+                <a:ea typeface="+mn-ea"/>
+                <a:cs typeface="+mn-cs"/>
+              </a:rPr>
+              <a:t>less</a:t>
             </a:r>
             <a:endParaRPr lang="de-DE" sz="1200" kern="1200" dirty="0">
               <a:solidFill>
@@ -9393,756 +9070,55 @@
                 <a:ea typeface="+mn-ea"/>
                 <a:cs typeface="+mn-cs"/>
               </a:rPr>
-              <a:t>Ich kann nämlich </a:t>
-            </a:r>
-            <a:r>
-              <a:rPr lang="de-DE" sz="1200" kern="1200" dirty="0" err="1">
-                <a:solidFill>
-                  <a:schemeClr val="tx1"/>
-                </a:solidFill>
-                <a:effectLst/>
-                <a:latin typeface="+mn-lt"/>
-                <a:ea typeface="+mn-ea"/>
-                <a:cs typeface="+mn-cs"/>
-              </a:rPr>
-              <a:t>grep</a:t>
-            </a:r>
-            <a:r>
-              <a:rPr lang="de-DE" sz="1200" kern="1200" dirty="0">
-                <a:solidFill>
-                  <a:schemeClr val="tx1"/>
-                </a:solidFill>
-                <a:effectLst/>
-                <a:latin typeface="+mn-lt"/>
-                <a:ea typeface="+mn-ea"/>
-                <a:cs typeface="+mn-cs"/>
-              </a:rPr>
-              <a:t> verwenden, um mit der Standardausgabe eines anderen Befehls als Quelle, Zeilen mit einem bestimmten Muster herauszufiltern und auszugeben.</a:t>
-            </a:r>
-          </a:p>
-          <a:p>
-            <a:r>
-              <a:rPr lang="de-DE" sz="1200" kern="1200" dirty="0" err="1">
-                <a:solidFill>
-                  <a:schemeClr val="tx1"/>
-                </a:solidFill>
-                <a:effectLst/>
-                <a:latin typeface="+mn-lt"/>
-                <a:ea typeface="+mn-ea"/>
-                <a:cs typeface="+mn-cs"/>
-              </a:rPr>
-              <a:t>cat</a:t>
-            </a:r>
-            <a:r>
-              <a:rPr lang="de-DE" sz="1200" kern="1200" dirty="0">
-                <a:solidFill>
-                  <a:schemeClr val="tx1"/>
-                </a:solidFill>
-                <a:effectLst/>
-                <a:latin typeface="+mn-lt"/>
-                <a:ea typeface="+mn-ea"/>
-                <a:cs typeface="+mn-cs"/>
-              </a:rPr>
-              <a:t> /</a:t>
-            </a:r>
-            <a:r>
-              <a:rPr lang="de-DE" sz="1200" kern="1200" dirty="0" err="1">
-                <a:solidFill>
-                  <a:schemeClr val="tx1"/>
-                </a:solidFill>
-                <a:effectLst/>
-                <a:latin typeface="+mn-lt"/>
-                <a:ea typeface="+mn-ea"/>
-                <a:cs typeface="+mn-cs"/>
-              </a:rPr>
-              <a:t>var</a:t>
-            </a:r>
-            <a:r>
-              <a:rPr lang="de-DE" sz="1200" kern="1200" dirty="0">
-                <a:solidFill>
-                  <a:schemeClr val="tx1"/>
-                </a:solidFill>
-                <a:effectLst/>
-                <a:latin typeface="+mn-lt"/>
-                <a:ea typeface="+mn-ea"/>
-                <a:cs typeface="+mn-cs"/>
-              </a:rPr>
-              <a:t>/log/kern.log | </a:t>
-            </a:r>
-            <a:r>
-              <a:rPr lang="de-DE" sz="1200" kern="1200" dirty="0" err="1">
-                <a:solidFill>
-                  <a:schemeClr val="tx1"/>
-                </a:solidFill>
-                <a:effectLst/>
-                <a:latin typeface="+mn-lt"/>
-                <a:ea typeface="+mn-ea"/>
-                <a:cs typeface="+mn-cs"/>
-              </a:rPr>
-              <a:t>grep</a:t>
-            </a:r>
-            <a:r>
-              <a:rPr lang="de-DE" sz="1200" kern="1200" dirty="0">
-                <a:solidFill>
-                  <a:schemeClr val="tx1"/>
-                </a:solidFill>
-                <a:effectLst/>
-                <a:latin typeface="+mn-lt"/>
-                <a:ea typeface="+mn-ea"/>
-                <a:cs typeface="+mn-cs"/>
-              </a:rPr>
-              <a:t> </a:t>
-            </a:r>
-            <a:r>
-              <a:rPr lang="de-DE" sz="1200" kern="1200" dirty="0" err="1">
-                <a:solidFill>
-                  <a:schemeClr val="tx1"/>
-                </a:solidFill>
-                <a:effectLst/>
-                <a:latin typeface="+mn-lt"/>
-                <a:ea typeface="+mn-ea"/>
-                <a:cs typeface="+mn-cs"/>
-              </a:rPr>
-              <a:t>usb</a:t>
-            </a:r>
-            <a:endParaRPr lang="de-DE" sz="1200" kern="1200" dirty="0">
-              <a:solidFill>
-                <a:schemeClr val="tx1"/>
-              </a:solidFill>
-              <a:effectLst/>
-              <a:latin typeface="+mn-lt"/>
-              <a:ea typeface="+mn-ea"/>
-              <a:cs typeface="+mn-cs"/>
-            </a:endParaRPr>
-          </a:p>
-          <a:p>
-            <a:r>
-              <a:rPr lang="de-DE" sz="1200" kern="1200" dirty="0">
-                <a:solidFill>
-                  <a:schemeClr val="tx1"/>
-                </a:solidFill>
-                <a:effectLst/>
-                <a:latin typeface="+mn-lt"/>
-                <a:ea typeface="+mn-ea"/>
-                <a:cs typeface="+mn-cs"/>
-              </a:rPr>
-              <a:t> </a:t>
-            </a:r>
-          </a:p>
-          <a:p>
-            <a:r>
-              <a:rPr lang="de-DE" sz="1200" kern="1200" dirty="0">
-                <a:solidFill>
-                  <a:schemeClr val="tx1"/>
-                </a:solidFill>
-                <a:effectLst/>
-                <a:latin typeface="+mn-lt"/>
-                <a:ea typeface="+mn-ea"/>
-                <a:cs typeface="+mn-cs"/>
-              </a:rPr>
-              <a:t>Dieser Befehl liefert alle Zeilen, in denen "</a:t>
-            </a:r>
-            <a:r>
-              <a:rPr lang="de-DE" sz="1200" kern="1200" dirty="0" err="1">
-                <a:solidFill>
-                  <a:schemeClr val="tx1"/>
-                </a:solidFill>
-                <a:effectLst/>
-                <a:latin typeface="+mn-lt"/>
-                <a:ea typeface="+mn-ea"/>
-                <a:cs typeface="+mn-cs"/>
-              </a:rPr>
-              <a:t>usb</a:t>
-            </a:r>
-            <a:r>
-              <a:rPr lang="de-DE" sz="1200" kern="1200" dirty="0">
-                <a:solidFill>
-                  <a:schemeClr val="tx1"/>
-                </a:solidFill>
-                <a:effectLst/>
-                <a:latin typeface="+mn-lt"/>
-                <a:ea typeface="+mn-ea"/>
-                <a:cs typeface="+mn-cs"/>
-              </a:rPr>
-              <a:t>" vorkommt – allerdings nur genau so geschrieben! </a:t>
-            </a:r>
-          </a:p>
-          <a:p>
-            <a:r>
-              <a:rPr lang="de-DE" sz="1200" kern="1200" dirty="0">
-                <a:solidFill>
-                  <a:schemeClr val="tx1"/>
-                </a:solidFill>
-                <a:effectLst/>
-                <a:latin typeface="+mn-lt"/>
-                <a:ea typeface="+mn-ea"/>
-                <a:cs typeface="+mn-cs"/>
-              </a:rPr>
-              <a:t>Will ich auch Zeilen mit großgeschriebenen Buchstaben, benötige ich die Option -i.</a:t>
-            </a:r>
-          </a:p>
-          <a:p>
-            <a:r>
-              <a:rPr lang="en-US" sz="1200" kern="1200" dirty="0">
-                <a:solidFill>
-                  <a:schemeClr val="tx1"/>
-                </a:solidFill>
-                <a:effectLst/>
-                <a:latin typeface="+mn-lt"/>
-                <a:ea typeface="+mn-ea"/>
-                <a:cs typeface="+mn-cs"/>
-              </a:rPr>
-              <a:t>cat /</a:t>
-            </a:r>
-            <a:r>
-              <a:rPr lang="en-US" sz="1200" kern="1200" dirty="0" err="1">
-                <a:solidFill>
-                  <a:schemeClr val="tx1"/>
-                </a:solidFill>
-                <a:effectLst/>
-                <a:latin typeface="+mn-lt"/>
-                <a:ea typeface="+mn-ea"/>
-                <a:cs typeface="+mn-cs"/>
-              </a:rPr>
-              <a:t>var</a:t>
-            </a:r>
-            <a:r>
-              <a:rPr lang="en-US" sz="1200" kern="1200" dirty="0">
-                <a:solidFill>
-                  <a:schemeClr val="tx1"/>
-                </a:solidFill>
-                <a:effectLst/>
-                <a:latin typeface="+mn-lt"/>
-                <a:ea typeface="+mn-ea"/>
-                <a:cs typeface="+mn-cs"/>
-              </a:rPr>
-              <a:t>/log/kern.log | </a:t>
-            </a:r>
-            <a:r>
-              <a:rPr lang="en-US" sz="1200" kern="1200" dirty="0" err="1">
-                <a:solidFill>
-                  <a:schemeClr val="tx1"/>
-                </a:solidFill>
-                <a:effectLst/>
-                <a:latin typeface="+mn-lt"/>
-                <a:ea typeface="+mn-ea"/>
-                <a:cs typeface="+mn-cs"/>
-              </a:rPr>
-              <a:t>grep</a:t>
-            </a:r>
-            <a:r>
-              <a:rPr lang="en-US" sz="1200" kern="1200" dirty="0">
-                <a:solidFill>
-                  <a:schemeClr val="tx1"/>
-                </a:solidFill>
-                <a:effectLst/>
-                <a:latin typeface="+mn-lt"/>
-                <a:ea typeface="+mn-ea"/>
-                <a:cs typeface="+mn-cs"/>
-              </a:rPr>
-              <a:t> -</a:t>
-            </a:r>
-            <a:r>
-              <a:rPr lang="en-US" sz="1200" kern="1200" dirty="0" err="1">
-                <a:solidFill>
-                  <a:schemeClr val="tx1"/>
-                </a:solidFill>
-                <a:effectLst/>
-                <a:latin typeface="+mn-lt"/>
-                <a:ea typeface="+mn-ea"/>
-                <a:cs typeface="+mn-cs"/>
-              </a:rPr>
-              <a:t>i</a:t>
-            </a:r>
-            <a:r>
-              <a:rPr lang="en-US" sz="1200" kern="1200" dirty="0">
-                <a:solidFill>
-                  <a:schemeClr val="tx1"/>
-                </a:solidFill>
-                <a:effectLst/>
-                <a:latin typeface="+mn-lt"/>
-                <a:ea typeface="+mn-ea"/>
-                <a:cs typeface="+mn-cs"/>
-              </a:rPr>
-              <a:t> </a:t>
-            </a:r>
-            <a:r>
-              <a:rPr lang="en-US" sz="1200" kern="1200" dirty="0" err="1">
-                <a:solidFill>
-                  <a:schemeClr val="tx1"/>
-                </a:solidFill>
-                <a:effectLst/>
-                <a:latin typeface="+mn-lt"/>
-                <a:ea typeface="+mn-ea"/>
-                <a:cs typeface="+mn-cs"/>
-              </a:rPr>
-              <a:t>usb</a:t>
-            </a:r>
-            <a:endParaRPr lang="de-DE" sz="1200" kern="1200" dirty="0">
-              <a:solidFill>
-                <a:schemeClr val="tx1"/>
-              </a:solidFill>
-              <a:effectLst/>
-              <a:latin typeface="+mn-lt"/>
-              <a:ea typeface="+mn-ea"/>
-              <a:cs typeface="+mn-cs"/>
-            </a:endParaRPr>
-          </a:p>
-          <a:p>
-            <a:r>
-              <a:rPr lang="de-DE" sz="1200" kern="1200" dirty="0">
-                <a:solidFill>
-                  <a:schemeClr val="tx1"/>
-                </a:solidFill>
-                <a:effectLst/>
-                <a:latin typeface="+mn-lt"/>
-                <a:ea typeface="+mn-ea"/>
-                <a:cs typeface="+mn-cs"/>
-              </a:rPr>
-              <a:t>Jetzt erhalte ich auch Zeilen, in denen "USB" nur großgeschrieben steht. Meist steht am Anfang jedes Eintrags, welches Modul die Meldung veranlasst hat. Dies ist als "Muster"  üblicherweise eine gute Wahl.</a:t>
-            </a:r>
-          </a:p>
-          <a:p>
-            <a:r>
-              <a:rPr lang="de-DE" sz="1200" kern="1200" dirty="0">
-                <a:solidFill>
-                  <a:schemeClr val="tx1"/>
-                </a:solidFill>
-                <a:effectLst/>
-                <a:latin typeface="+mn-lt"/>
-                <a:ea typeface="+mn-ea"/>
-                <a:cs typeface="+mn-cs"/>
-              </a:rPr>
-              <a:t>Wenn ich alle Einträge sehen will, die NICHT "</a:t>
-            </a:r>
-            <a:r>
-              <a:rPr lang="de-DE" sz="1200" kern="1200" dirty="0" err="1">
-                <a:solidFill>
-                  <a:schemeClr val="tx1"/>
-                </a:solidFill>
-                <a:effectLst/>
-                <a:latin typeface="+mn-lt"/>
-                <a:ea typeface="+mn-ea"/>
-                <a:cs typeface="+mn-cs"/>
-              </a:rPr>
-              <a:t>usb</a:t>
-            </a:r>
-            <a:r>
-              <a:rPr lang="de-DE" sz="1200" kern="1200" dirty="0">
-                <a:solidFill>
-                  <a:schemeClr val="tx1"/>
-                </a:solidFill>
-                <a:effectLst/>
-                <a:latin typeface="+mn-lt"/>
-                <a:ea typeface="+mn-ea"/>
-                <a:cs typeface="+mn-cs"/>
-              </a:rPr>
-              <a:t>" enthalten, kann ich diese auch ausschließen:</a:t>
-            </a:r>
-          </a:p>
-          <a:p>
-            <a:r>
-              <a:rPr lang="de-DE" sz="1200" kern="1200" dirty="0" err="1">
-                <a:solidFill>
-                  <a:schemeClr val="tx1"/>
-                </a:solidFill>
-                <a:effectLst/>
-                <a:latin typeface="+mn-lt"/>
-                <a:ea typeface="+mn-ea"/>
-                <a:cs typeface="+mn-cs"/>
-              </a:rPr>
-              <a:t>cat</a:t>
-            </a:r>
-            <a:r>
-              <a:rPr lang="de-DE" sz="1200" kern="1200" dirty="0">
-                <a:solidFill>
-                  <a:schemeClr val="tx1"/>
-                </a:solidFill>
-                <a:effectLst/>
-                <a:latin typeface="+mn-lt"/>
-                <a:ea typeface="+mn-ea"/>
-                <a:cs typeface="+mn-cs"/>
-              </a:rPr>
-              <a:t> /</a:t>
-            </a:r>
-            <a:r>
-              <a:rPr lang="de-DE" sz="1200" kern="1200" dirty="0" err="1">
-                <a:solidFill>
-                  <a:schemeClr val="tx1"/>
-                </a:solidFill>
-                <a:effectLst/>
-                <a:latin typeface="+mn-lt"/>
-                <a:ea typeface="+mn-ea"/>
-                <a:cs typeface="+mn-cs"/>
-              </a:rPr>
-              <a:t>var</a:t>
-            </a:r>
-            <a:r>
-              <a:rPr lang="de-DE" sz="1200" kern="1200" dirty="0">
-                <a:solidFill>
-                  <a:schemeClr val="tx1"/>
-                </a:solidFill>
-                <a:effectLst/>
-                <a:latin typeface="+mn-lt"/>
-                <a:ea typeface="+mn-ea"/>
-                <a:cs typeface="+mn-cs"/>
-              </a:rPr>
-              <a:t>/log/kern.log | </a:t>
-            </a:r>
-            <a:r>
-              <a:rPr lang="de-DE" sz="1200" kern="1200" dirty="0" err="1">
-                <a:solidFill>
-                  <a:schemeClr val="tx1"/>
-                </a:solidFill>
-                <a:effectLst/>
-                <a:latin typeface="+mn-lt"/>
-                <a:ea typeface="+mn-ea"/>
-                <a:cs typeface="+mn-cs"/>
-              </a:rPr>
-              <a:t>grep</a:t>
-            </a:r>
-            <a:r>
-              <a:rPr lang="de-DE" sz="1200" kern="1200" dirty="0">
-                <a:solidFill>
-                  <a:schemeClr val="tx1"/>
-                </a:solidFill>
-                <a:effectLst/>
-                <a:latin typeface="+mn-lt"/>
-                <a:ea typeface="+mn-ea"/>
-                <a:cs typeface="+mn-cs"/>
-              </a:rPr>
-              <a:t> -v </a:t>
-            </a:r>
-            <a:r>
-              <a:rPr lang="de-DE" sz="1200" kern="1200" dirty="0" err="1">
-                <a:solidFill>
-                  <a:schemeClr val="tx1"/>
-                </a:solidFill>
-                <a:effectLst/>
-                <a:latin typeface="+mn-lt"/>
-                <a:ea typeface="+mn-ea"/>
-                <a:cs typeface="+mn-cs"/>
-              </a:rPr>
-              <a:t>usb</a:t>
-            </a:r>
-            <a:endParaRPr lang="de-DE" sz="1200" kern="1200" dirty="0">
-              <a:solidFill>
-                <a:schemeClr val="tx1"/>
-              </a:solidFill>
-              <a:effectLst/>
-              <a:latin typeface="+mn-lt"/>
-              <a:ea typeface="+mn-ea"/>
-              <a:cs typeface="+mn-cs"/>
-            </a:endParaRPr>
-          </a:p>
-          <a:p>
-            <a:r>
-              <a:rPr lang="de-DE" sz="1200" kern="1200" dirty="0">
-                <a:solidFill>
-                  <a:schemeClr val="tx1"/>
-                </a:solidFill>
-                <a:effectLst/>
-                <a:latin typeface="+mn-lt"/>
-                <a:ea typeface="+mn-ea"/>
-                <a:cs typeface="+mn-cs"/>
-              </a:rPr>
-              <a:t>Nun erhalte ich nur den Rest. </a:t>
-            </a:r>
-          </a:p>
-          <a:p>
-            <a:r>
-              <a:rPr lang="de-DE" sz="1200" kern="1200" dirty="0" err="1">
-                <a:solidFill>
-                  <a:schemeClr val="tx1"/>
-                </a:solidFill>
-                <a:effectLst/>
-                <a:latin typeface="+mn-lt"/>
-                <a:ea typeface="+mn-ea"/>
-                <a:cs typeface="+mn-cs"/>
-              </a:rPr>
-              <a:t>cat</a:t>
-            </a:r>
-            <a:r>
-              <a:rPr lang="de-DE" sz="1200" kern="1200" dirty="0">
-                <a:solidFill>
-                  <a:schemeClr val="tx1"/>
-                </a:solidFill>
-                <a:effectLst/>
-                <a:latin typeface="+mn-lt"/>
-                <a:ea typeface="+mn-ea"/>
-                <a:cs typeface="+mn-cs"/>
-              </a:rPr>
-              <a:t> kann aber auch mehrere Dateien auf einmal verarbeiten:</a:t>
-            </a:r>
-          </a:p>
-          <a:p>
-            <a:r>
-              <a:rPr lang="de-DE" sz="1200" kern="1200" dirty="0" err="1">
-                <a:solidFill>
-                  <a:schemeClr val="tx1"/>
-                </a:solidFill>
-                <a:effectLst/>
-                <a:latin typeface="+mn-lt"/>
-                <a:ea typeface="+mn-ea"/>
-                <a:cs typeface="+mn-cs"/>
-              </a:rPr>
-              <a:t>cat</a:t>
-            </a:r>
-            <a:r>
-              <a:rPr lang="de-DE" sz="1200" kern="1200" dirty="0">
-                <a:solidFill>
-                  <a:schemeClr val="tx1"/>
-                </a:solidFill>
-                <a:effectLst/>
-                <a:latin typeface="+mn-lt"/>
-                <a:ea typeface="+mn-ea"/>
-                <a:cs typeface="+mn-cs"/>
-              </a:rPr>
-              <a:t> </a:t>
-            </a:r>
-            <a:r>
-              <a:rPr lang="de-DE" sz="1200" kern="1200" dirty="0" err="1">
-                <a:solidFill>
-                  <a:schemeClr val="tx1"/>
-                </a:solidFill>
-                <a:effectLst/>
-                <a:latin typeface="+mn-lt"/>
-                <a:ea typeface="+mn-ea"/>
-                <a:cs typeface="+mn-cs"/>
-              </a:rPr>
-              <a:t>dateiname</a:t>
-            </a:r>
-            <a:r>
-              <a:rPr lang="de-DE" sz="1200" kern="1200" dirty="0">
-                <a:solidFill>
-                  <a:schemeClr val="tx1"/>
-                </a:solidFill>
-                <a:effectLst/>
-                <a:latin typeface="+mn-lt"/>
-                <a:ea typeface="+mn-ea"/>
-                <a:cs typeface="+mn-cs"/>
-              </a:rPr>
-              <a:t> </a:t>
-            </a:r>
-            <a:r>
-              <a:rPr lang="de-DE" sz="1200" kern="1200" dirty="0" err="1">
-                <a:solidFill>
-                  <a:schemeClr val="tx1"/>
-                </a:solidFill>
-                <a:effectLst/>
-                <a:latin typeface="+mn-lt"/>
-                <a:ea typeface="+mn-ea"/>
-                <a:cs typeface="+mn-cs"/>
-              </a:rPr>
-              <a:t>dateiname</a:t>
-            </a:r>
-            <a:r>
-              <a:rPr lang="de-DE" sz="1200" kern="1200" dirty="0">
-                <a:solidFill>
-                  <a:schemeClr val="tx1"/>
-                </a:solidFill>
-                <a:effectLst/>
-                <a:latin typeface="+mn-lt"/>
-                <a:ea typeface="+mn-ea"/>
-                <a:cs typeface="+mn-cs"/>
-              </a:rPr>
-              <a:t> ...</a:t>
-            </a:r>
-          </a:p>
-          <a:p>
-            <a:r>
-              <a:rPr lang="de-DE" sz="1200" kern="1200" dirty="0">
-                <a:solidFill>
-                  <a:schemeClr val="tx1"/>
-                </a:solidFill>
-                <a:effectLst/>
-                <a:latin typeface="+mn-lt"/>
-                <a:ea typeface="+mn-ea"/>
-                <a:cs typeface="+mn-cs"/>
-              </a:rPr>
-              <a:t>Zum Beispiel:</a:t>
-            </a:r>
-          </a:p>
-          <a:p>
-            <a:r>
-              <a:rPr lang="de-DE" sz="1200" kern="1200" dirty="0" err="1">
-                <a:solidFill>
-                  <a:schemeClr val="tx1"/>
-                </a:solidFill>
-                <a:effectLst/>
-                <a:latin typeface="+mn-lt"/>
-                <a:ea typeface="+mn-ea"/>
-                <a:cs typeface="+mn-cs"/>
-              </a:rPr>
-              <a:t>cat</a:t>
-            </a:r>
-            <a:r>
-              <a:rPr lang="de-DE" sz="1200" kern="1200" dirty="0">
-                <a:solidFill>
-                  <a:schemeClr val="tx1"/>
-                </a:solidFill>
-                <a:effectLst/>
-                <a:latin typeface="+mn-lt"/>
-                <a:ea typeface="+mn-ea"/>
-                <a:cs typeface="+mn-cs"/>
-              </a:rPr>
-              <a:t> datei1.txt datei2.txt &gt; zusammen.txt</a:t>
-            </a:r>
-          </a:p>
-          <a:p>
-            <a:r>
-              <a:rPr lang="de-DE" sz="1200" kern="1200" dirty="0">
-                <a:solidFill>
-                  <a:schemeClr val="tx1"/>
-                </a:solidFill>
-                <a:effectLst/>
-                <a:latin typeface="+mn-lt"/>
-                <a:ea typeface="+mn-ea"/>
-                <a:cs typeface="+mn-cs"/>
-              </a:rPr>
-              <a:t>Dabei kann auch eine Wildcard für beliebige Zeichen verwendet werden:</a:t>
-            </a:r>
-          </a:p>
-          <a:p>
-            <a:r>
-              <a:rPr lang="de-DE" sz="1200" kern="1200" dirty="0" err="1">
-                <a:solidFill>
-                  <a:schemeClr val="tx1"/>
-                </a:solidFill>
-                <a:effectLst/>
-                <a:latin typeface="+mn-lt"/>
-                <a:ea typeface="+mn-ea"/>
-                <a:cs typeface="+mn-cs"/>
-              </a:rPr>
-              <a:t>cat</a:t>
-            </a:r>
-            <a:r>
-              <a:rPr lang="de-DE" sz="1200" kern="1200" dirty="0">
-                <a:solidFill>
-                  <a:schemeClr val="tx1"/>
-                </a:solidFill>
-                <a:effectLst/>
-                <a:latin typeface="+mn-lt"/>
-                <a:ea typeface="+mn-ea"/>
-                <a:cs typeface="+mn-cs"/>
-              </a:rPr>
-              <a:t> *.</a:t>
-            </a:r>
-            <a:r>
-              <a:rPr lang="de-DE" sz="1200" kern="1200" dirty="0" err="1">
-                <a:solidFill>
-                  <a:schemeClr val="tx1"/>
-                </a:solidFill>
-                <a:effectLst/>
-                <a:latin typeface="+mn-lt"/>
-                <a:ea typeface="+mn-ea"/>
-                <a:cs typeface="+mn-cs"/>
-              </a:rPr>
-              <a:t>txt</a:t>
-            </a:r>
-            <a:r>
-              <a:rPr lang="de-DE" sz="1200" kern="1200" dirty="0">
-                <a:solidFill>
-                  <a:schemeClr val="tx1"/>
-                </a:solidFill>
-                <a:effectLst/>
-                <a:latin typeface="+mn-lt"/>
-                <a:ea typeface="+mn-ea"/>
-                <a:cs typeface="+mn-cs"/>
-              </a:rPr>
-              <a:t> &gt; alle_textdateien.txt</a:t>
-            </a:r>
-          </a:p>
-          <a:p>
-            <a:r>
-              <a:rPr lang="de-DE" sz="1200" kern="1200" dirty="0">
-                <a:solidFill>
-                  <a:schemeClr val="tx1"/>
-                </a:solidFill>
-                <a:effectLst/>
-                <a:latin typeface="+mn-lt"/>
-                <a:ea typeface="+mn-ea"/>
-                <a:cs typeface="+mn-cs"/>
-              </a:rPr>
-              <a:t>Und </a:t>
-            </a:r>
-            <a:r>
-              <a:rPr lang="de-DE" sz="1200" kern="1200" dirty="0" err="1">
-                <a:solidFill>
-                  <a:schemeClr val="tx1"/>
-                </a:solidFill>
-                <a:effectLst/>
-                <a:latin typeface="+mn-lt"/>
-                <a:ea typeface="+mn-ea"/>
-                <a:cs typeface="+mn-cs"/>
-              </a:rPr>
-              <a:t>cat</a:t>
-            </a:r>
-            <a:r>
-              <a:rPr lang="de-DE" sz="1200" kern="1200" dirty="0">
-                <a:solidFill>
-                  <a:schemeClr val="tx1"/>
-                </a:solidFill>
-                <a:effectLst/>
-                <a:latin typeface="+mn-lt"/>
-                <a:ea typeface="+mn-ea"/>
-                <a:cs typeface="+mn-cs"/>
-              </a:rPr>
-              <a:t> funktioniert nicht nur für Text Dateien:</a:t>
-            </a:r>
-          </a:p>
-          <a:p>
-            <a:r>
-              <a:rPr lang="de-DE" sz="1200" kern="1200" dirty="0" err="1">
-                <a:solidFill>
-                  <a:schemeClr val="tx1"/>
-                </a:solidFill>
-                <a:effectLst/>
-                <a:latin typeface="+mn-lt"/>
-                <a:ea typeface="+mn-ea"/>
-                <a:cs typeface="+mn-cs"/>
-              </a:rPr>
-              <a:t>cat</a:t>
-            </a:r>
-            <a:r>
-              <a:rPr lang="de-DE" sz="1200" kern="1200" dirty="0">
-                <a:solidFill>
-                  <a:schemeClr val="tx1"/>
-                </a:solidFill>
-                <a:effectLst/>
-                <a:latin typeface="+mn-lt"/>
-                <a:ea typeface="+mn-ea"/>
-                <a:cs typeface="+mn-cs"/>
-              </a:rPr>
-              <a:t> musik.mp3 kopie.mp3</a:t>
-            </a:r>
-          </a:p>
-          <a:p>
-            <a:r>
-              <a:rPr lang="de-DE" sz="1200" kern="1200" dirty="0">
-                <a:solidFill>
-                  <a:schemeClr val="tx1"/>
-                </a:solidFill>
-                <a:effectLst/>
-                <a:latin typeface="+mn-lt"/>
-                <a:ea typeface="+mn-ea"/>
-                <a:cs typeface="+mn-cs"/>
-              </a:rPr>
-              <a:t>wobei "musik.mp3" für eine beliebige mp3-Datei steht.</a:t>
-            </a:r>
-          </a:p>
-          <a:p>
-            <a:r>
-              <a:rPr lang="de-DE" sz="1200" kern="1200" dirty="0">
-                <a:solidFill>
-                  <a:schemeClr val="tx1"/>
-                </a:solidFill>
-                <a:effectLst/>
-                <a:latin typeface="+mn-lt"/>
-                <a:ea typeface="+mn-ea"/>
-                <a:cs typeface="+mn-cs"/>
-              </a:rPr>
-              <a:t>Allerdings dürfen Multimediadateien so normalerweise nicht miteinander verbunden werden!</a:t>
+              <a:t>Das Zeichen | macht nun die Ausgabe von </a:t>
+            </a:r>
+            <a:r>
+              <a:rPr lang="de-DE" sz="1200" kern="1200" dirty="0" err="1">
+                <a:solidFill>
+                  <a:schemeClr val="tx1"/>
+                </a:solidFill>
+                <a:effectLst/>
+                <a:latin typeface="+mn-lt"/>
+                <a:ea typeface="+mn-ea"/>
+                <a:cs typeface="+mn-cs"/>
+              </a:rPr>
+              <a:t>ls</a:t>
+            </a:r>
+            <a:r>
+              <a:rPr lang="de-DE" sz="1200" kern="1200" dirty="0">
+                <a:solidFill>
+                  <a:schemeClr val="tx1"/>
+                </a:solidFill>
+                <a:effectLst/>
+                <a:latin typeface="+mn-lt"/>
+                <a:ea typeface="+mn-ea"/>
+                <a:cs typeface="+mn-cs"/>
+              </a:rPr>
+              <a:t> -l zur Eingabe von </a:t>
+            </a:r>
+            <a:r>
+              <a:rPr lang="de-DE" sz="1200" kern="1200" dirty="0" err="1">
+                <a:solidFill>
+                  <a:schemeClr val="tx1"/>
+                </a:solidFill>
+                <a:effectLst/>
+                <a:latin typeface="+mn-lt"/>
+                <a:ea typeface="+mn-ea"/>
+                <a:cs typeface="+mn-cs"/>
+              </a:rPr>
+              <a:t>less</a:t>
+            </a:r>
+            <a:r>
+              <a:rPr lang="de-DE" sz="1200" kern="1200" dirty="0">
+                <a:solidFill>
+                  <a:schemeClr val="tx1"/>
+                </a:solidFill>
+                <a:effectLst/>
+                <a:latin typeface="+mn-lt"/>
+                <a:ea typeface="+mn-ea"/>
+                <a:cs typeface="+mn-cs"/>
+              </a:rPr>
+              <a:t>.</a:t>
             </a:r>
           </a:p>
           <a:p>
@@ -10177,7 +9153,7 @@
     </p:spTree>
     <p:extLst>
       <p:ext uri="{BB962C8B-B14F-4D97-AF65-F5344CB8AC3E}">
-        <p14:creationId xmlns:p14="http://schemas.microsoft.com/office/powerpoint/2010/main" val="4105319845"/>
+        <p14:creationId xmlns:p14="http://schemas.microsoft.com/office/powerpoint/2010/main" val="1419688142"/>
       </p:ext>
     </p:extLst>
   </p:cSld>
@@ -10246,115 +9222,69 @@
                 <a:ea typeface="+mn-ea"/>
                 <a:cs typeface="+mn-cs"/>
               </a:rPr>
-              <a:t>Der Administrator heißt auf UNIX-Systemen eigentlich "</a:t>
-            </a:r>
-            <a:r>
-              <a:rPr lang="de-DE" sz="1200" kern="1200" dirty="0" err="1">
-                <a:solidFill>
-                  <a:schemeClr val="tx1"/>
-                </a:solidFill>
-                <a:effectLst/>
-                <a:latin typeface="+mn-lt"/>
-                <a:ea typeface="+mn-ea"/>
-                <a:cs typeface="+mn-cs"/>
-              </a:rPr>
-              <a:t>root</a:t>
-            </a:r>
-            <a:r>
-              <a:rPr lang="de-DE" sz="1200" kern="1200" dirty="0">
-                <a:solidFill>
-                  <a:schemeClr val="tx1"/>
-                </a:solidFill>
-                <a:effectLst/>
-                <a:latin typeface="+mn-lt"/>
-                <a:ea typeface="+mn-ea"/>
-                <a:cs typeface="+mn-cs"/>
-              </a:rPr>
-              <a:t>" (engl. Wurzel), wird aber von Programmen oft auch als Superuser bezeichnet. Wir könnten uns beim Login gleich als "</a:t>
-            </a:r>
-            <a:r>
-              <a:rPr lang="de-DE" sz="1200" kern="1200" dirty="0" err="1">
-                <a:solidFill>
-                  <a:schemeClr val="tx1"/>
-                </a:solidFill>
-                <a:effectLst/>
-                <a:latin typeface="+mn-lt"/>
-                <a:ea typeface="+mn-ea"/>
-                <a:cs typeface="+mn-cs"/>
-              </a:rPr>
-              <a:t>root</a:t>
-            </a:r>
-            <a:r>
-              <a:rPr lang="de-DE" sz="1200" kern="1200" dirty="0">
-                <a:solidFill>
-                  <a:schemeClr val="tx1"/>
-                </a:solidFill>
-                <a:effectLst/>
-                <a:latin typeface="+mn-lt"/>
-                <a:ea typeface="+mn-ea"/>
-                <a:cs typeface="+mn-cs"/>
-              </a:rPr>
-              <a:t>" anmelden. Das wird aber nicht empfohlen, denn der Superuser ist sehr mächtig und ganz leicht kann ein kleiner Fehler zur Zerstörung des gesamten Systems führen. Deshalb melden wir uns immer als einfacher Benutzer an und werden nur im Bedarfsfall zum User "</a:t>
-            </a:r>
-            <a:r>
-              <a:rPr lang="de-DE" sz="1200" kern="1200" dirty="0" err="1">
-                <a:solidFill>
-                  <a:schemeClr val="tx1"/>
-                </a:solidFill>
-                <a:effectLst/>
-                <a:latin typeface="+mn-lt"/>
-                <a:ea typeface="+mn-ea"/>
-                <a:cs typeface="+mn-cs"/>
-              </a:rPr>
-              <a:t>root</a:t>
-            </a:r>
-            <a:r>
-              <a:rPr lang="de-DE" sz="1200" kern="1200" dirty="0">
-                <a:solidFill>
-                  <a:schemeClr val="tx1"/>
-                </a:solidFill>
-                <a:effectLst/>
-                <a:latin typeface="+mn-lt"/>
-                <a:ea typeface="+mn-ea"/>
-                <a:cs typeface="+mn-cs"/>
-              </a:rPr>
-              <a:t>". Das Programm </a:t>
-            </a:r>
-            <a:r>
-              <a:rPr lang="de-DE" sz="1200" kern="1200" dirty="0" err="1">
-                <a:solidFill>
-                  <a:schemeClr val="tx1"/>
-                </a:solidFill>
-                <a:effectLst/>
-                <a:latin typeface="+mn-lt"/>
-                <a:ea typeface="+mn-ea"/>
-                <a:cs typeface="+mn-cs"/>
-              </a:rPr>
-              <a:t>su</a:t>
-            </a:r>
-            <a:r>
-              <a:rPr lang="de-DE" sz="1200" kern="1200" dirty="0">
-                <a:solidFill>
-                  <a:schemeClr val="tx1"/>
-                </a:solidFill>
-                <a:effectLst/>
-                <a:latin typeface="+mn-lt"/>
-                <a:ea typeface="+mn-ea"/>
-                <a:cs typeface="+mn-cs"/>
-              </a:rPr>
-              <a:t> (</a:t>
-            </a:r>
-            <a:r>
-              <a:rPr lang="de-DE" sz="1200" kern="1200" dirty="0" err="1">
-                <a:solidFill>
-                  <a:schemeClr val="tx1"/>
-                </a:solidFill>
-                <a:effectLst/>
-                <a:latin typeface="+mn-lt"/>
-                <a:ea typeface="+mn-ea"/>
-                <a:cs typeface="+mn-cs"/>
-              </a:rPr>
-              <a:t>switch</a:t>
+              <a:t>Zuletzt noch zu zwei Programmen, die bislang noch gefehlt haben - </a:t>
+            </a:r>
+            <a:r>
+              <a:rPr lang="de-DE" sz="1200" kern="1200" dirty="0" err="1">
+                <a:solidFill>
+                  <a:schemeClr val="tx1"/>
+                </a:solidFill>
+                <a:effectLst/>
+                <a:latin typeface="+mn-lt"/>
+                <a:ea typeface="+mn-ea"/>
+                <a:cs typeface="+mn-cs"/>
+              </a:rPr>
+              <a:t>cat</a:t>
+            </a:r>
+            <a:r>
+              <a:rPr lang="de-DE" sz="1200" kern="1200" dirty="0">
+                <a:solidFill>
+                  <a:schemeClr val="tx1"/>
+                </a:solidFill>
+                <a:effectLst/>
+                <a:latin typeface="+mn-lt"/>
+                <a:ea typeface="+mn-ea"/>
+                <a:cs typeface="+mn-cs"/>
+              </a:rPr>
+              <a:t> und </a:t>
+            </a:r>
+            <a:r>
+              <a:rPr lang="de-DE" sz="1200" kern="1200" dirty="0" err="1">
+                <a:solidFill>
+                  <a:schemeClr val="tx1"/>
+                </a:solidFill>
+                <a:effectLst/>
+                <a:latin typeface="+mn-lt"/>
+                <a:ea typeface="+mn-ea"/>
+                <a:cs typeface="+mn-cs"/>
+              </a:rPr>
+              <a:t>grep</a:t>
+            </a:r>
+            <a:r>
+              <a:rPr lang="de-DE" sz="1200" kern="1200" dirty="0">
+                <a:solidFill>
+                  <a:schemeClr val="tx1"/>
+                </a:solidFill>
+                <a:effectLst/>
+                <a:latin typeface="+mn-lt"/>
+                <a:ea typeface="+mn-ea"/>
+                <a:cs typeface="+mn-cs"/>
+              </a:rPr>
+              <a:t>:</a:t>
+            </a:r>
+          </a:p>
+          <a:p>
+            <a:r>
+              <a:rPr lang="de-DE" sz="1200" kern="1200" dirty="0" err="1">
+                <a:solidFill>
+                  <a:schemeClr val="tx1"/>
+                </a:solidFill>
+                <a:effectLst/>
+                <a:latin typeface="+mn-lt"/>
+                <a:ea typeface="+mn-ea"/>
+                <a:cs typeface="+mn-cs"/>
+              </a:rPr>
+              <a:t>cat</a:t>
             </a:r>
             <a:r>
               <a:rPr lang="de-DE" sz="1200" kern="1200" dirty="0">
@@ -10378,395 +9308,7 @@
                 <a:ea typeface="+mn-ea"/>
                 <a:cs typeface="+mn-cs"/>
               </a:rPr>
-              <a:t>user</a:t>
-            </a:r>
-            <a:r>
-              <a:rPr lang="de-DE" sz="1200" kern="1200" dirty="0">
-                <a:solidFill>
-                  <a:schemeClr val="tx1"/>
-                </a:solidFill>
-                <a:effectLst/>
-                <a:latin typeface="+mn-lt"/>
-                <a:ea typeface="+mn-ea"/>
-                <a:cs typeface="+mn-cs"/>
-              </a:rPr>
-              <a:t>) erlaubt uns, die Identität zu wechseln:</a:t>
-            </a:r>
-          </a:p>
-          <a:p>
-            <a:r>
-              <a:rPr lang="de-DE" sz="1200" kern="1200" dirty="0">
-                <a:solidFill>
-                  <a:schemeClr val="tx1"/>
-                </a:solidFill>
-                <a:effectLst/>
-                <a:latin typeface="+mn-lt"/>
-                <a:ea typeface="+mn-ea"/>
-                <a:cs typeface="+mn-cs"/>
-              </a:rPr>
-              <a:t> </a:t>
-            </a:r>
-          </a:p>
-          <a:p>
-            <a:r>
-              <a:rPr lang="de-DE" sz="1200" kern="1200" dirty="0" err="1">
-                <a:solidFill>
-                  <a:schemeClr val="tx1"/>
-                </a:solidFill>
-                <a:effectLst/>
-                <a:latin typeface="+mn-lt"/>
-                <a:ea typeface="+mn-ea"/>
-                <a:cs typeface="+mn-cs"/>
-              </a:rPr>
-              <a:t>su</a:t>
-            </a:r>
-            <a:r>
-              <a:rPr lang="de-DE" sz="1200" kern="1200" dirty="0">
-                <a:solidFill>
-                  <a:schemeClr val="tx1"/>
-                </a:solidFill>
-                <a:effectLst/>
-                <a:latin typeface="+mn-lt"/>
-                <a:ea typeface="+mn-ea"/>
-                <a:cs typeface="+mn-cs"/>
-              </a:rPr>
-              <a:t> (-) (</a:t>
-            </a:r>
-            <a:r>
-              <a:rPr lang="de-DE" sz="1200" kern="1200" dirty="0" err="1">
-                <a:solidFill>
-                  <a:schemeClr val="tx1"/>
-                </a:solidFill>
-                <a:effectLst/>
-                <a:latin typeface="+mn-lt"/>
-                <a:ea typeface="+mn-ea"/>
-                <a:cs typeface="+mn-cs"/>
-              </a:rPr>
-              <a:t>benutzername</a:t>
-            </a:r>
-            <a:r>
-              <a:rPr lang="de-DE" sz="1200" kern="1200" dirty="0">
-                <a:solidFill>
-                  <a:schemeClr val="tx1"/>
-                </a:solidFill>
-                <a:effectLst/>
-                <a:latin typeface="+mn-lt"/>
-                <a:ea typeface="+mn-ea"/>
-                <a:cs typeface="+mn-cs"/>
-              </a:rPr>
-              <a:t>)</a:t>
-            </a:r>
-          </a:p>
-          <a:p>
-            <a:r>
-              <a:rPr lang="de-DE" sz="1200" kern="1200" dirty="0">
-                <a:solidFill>
-                  <a:schemeClr val="tx1"/>
-                </a:solidFill>
-                <a:effectLst/>
-                <a:latin typeface="+mn-lt"/>
-                <a:ea typeface="+mn-ea"/>
-                <a:cs typeface="+mn-cs"/>
-              </a:rPr>
-              <a:t> </a:t>
-            </a:r>
-          </a:p>
-          <a:p>
-            <a:r>
-              <a:rPr lang="de-DE" sz="1200" kern="1200" dirty="0">
-                <a:solidFill>
-                  <a:schemeClr val="tx1"/>
-                </a:solidFill>
-                <a:effectLst/>
-                <a:latin typeface="+mn-lt"/>
-                <a:ea typeface="+mn-ea"/>
-                <a:cs typeface="+mn-cs"/>
-              </a:rPr>
-              <a:t>Ohne Benutzerangabe wird zu "</a:t>
-            </a:r>
-            <a:r>
-              <a:rPr lang="de-DE" sz="1200" kern="1200" dirty="0" err="1">
-                <a:solidFill>
-                  <a:schemeClr val="tx1"/>
-                </a:solidFill>
-                <a:effectLst/>
-                <a:latin typeface="+mn-lt"/>
-                <a:ea typeface="+mn-ea"/>
-                <a:cs typeface="+mn-cs"/>
-              </a:rPr>
-              <a:t>root</a:t>
-            </a:r>
-            <a:r>
-              <a:rPr lang="de-DE" sz="1200" kern="1200" dirty="0">
-                <a:solidFill>
-                  <a:schemeClr val="tx1"/>
-                </a:solidFill>
-                <a:effectLst/>
-                <a:latin typeface="+mn-lt"/>
-                <a:ea typeface="+mn-ea"/>
-                <a:cs typeface="+mn-cs"/>
-              </a:rPr>
-              <a:t>" gewechselt, was wahrscheinlich auch der häufigste Fall ist. Nach Absetzen des Befehls wird man zur Passworteingabe aufgefordert. Wir müssen das Administratorpasswort, welches wir bei der Installation vergeben haben, eingeben. Bei Ubuntu wird zunächst gar kein Passwort für "</a:t>
-            </a:r>
-            <a:r>
-              <a:rPr lang="de-DE" sz="1200" kern="1200" dirty="0" err="1">
-                <a:solidFill>
-                  <a:schemeClr val="tx1"/>
-                </a:solidFill>
-                <a:effectLst/>
-                <a:latin typeface="+mn-lt"/>
-                <a:ea typeface="+mn-ea"/>
-                <a:cs typeface="+mn-cs"/>
-              </a:rPr>
-              <a:t>root</a:t>
-            </a:r>
-            <a:r>
-              <a:rPr lang="de-DE" sz="1200" kern="1200" dirty="0">
-                <a:solidFill>
-                  <a:schemeClr val="tx1"/>
-                </a:solidFill>
-                <a:effectLst/>
-                <a:latin typeface="+mn-lt"/>
-                <a:ea typeface="+mn-ea"/>
-                <a:cs typeface="+mn-cs"/>
-              </a:rPr>
-              <a:t>" vergeben und das ist auch nicht vorgesehen. Ubuntu-User können diesen Absatz überspringen und bei </a:t>
-            </a:r>
-            <a:r>
-              <a:rPr lang="de-DE" sz="1200" kern="1200" dirty="0" err="1">
-                <a:solidFill>
-                  <a:schemeClr val="tx1"/>
-                </a:solidFill>
-                <a:effectLst/>
-                <a:latin typeface="+mn-lt"/>
-                <a:ea typeface="+mn-ea"/>
-                <a:cs typeface="+mn-cs"/>
-              </a:rPr>
-              <a:t>sudo</a:t>
-            </a:r>
-            <a:r>
-              <a:rPr lang="de-DE" sz="1200" kern="1200" dirty="0">
-                <a:solidFill>
-                  <a:schemeClr val="tx1"/>
-                </a:solidFill>
-                <a:effectLst/>
-                <a:latin typeface="+mn-lt"/>
-                <a:ea typeface="+mn-ea"/>
-                <a:cs typeface="+mn-cs"/>
-              </a:rPr>
-              <a:t> fortfahren:</a:t>
-            </a:r>
-          </a:p>
-          <a:p>
-            <a:r>
-              <a:rPr lang="de-DE" sz="1200" kern="1200" dirty="0" err="1">
-                <a:solidFill>
-                  <a:schemeClr val="tx1"/>
-                </a:solidFill>
-                <a:effectLst/>
-                <a:latin typeface="+mn-lt"/>
-                <a:ea typeface="+mn-ea"/>
-                <a:cs typeface="+mn-cs"/>
-              </a:rPr>
-              <a:t>su</a:t>
-            </a:r>
-            <a:r>
-              <a:rPr lang="de-DE" sz="1200" kern="1200" dirty="0">
-                <a:solidFill>
-                  <a:schemeClr val="tx1"/>
-                </a:solidFill>
-                <a:effectLst/>
-                <a:latin typeface="+mn-lt"/>
-                <a:ea typeface="+mn-ea"/>
-                <a:cs typeface="+mn-cs"/>
-              </a:rPr>
-              <a:t> -</a:t>
-            </a:r>
-          </a:p>
-          <a:p>
-            <a:r>
-              <a:rPr lang="de-DE" sz="1200" kern="1200" dirty="0">
-                <a:solidFill>
-                  <a:schemeClr val="tx1"/>
-                </a:solidFill>
-                <a:effectLst/>
-                <a:latin typeface="+mn-lt"/>
-                <a:ea typeface="+mn-ea"/>
-                <a:cs typeface="+mn-cs"/>
-              </a:rPr>
-              <a:t>Das - sorgt dafür, dass wir eine Login-Shell öffnen, während wir andernfalls nur an Ort und Stelle als "</a:t>
-            </a:r>
-            <a:r>
-              <a:rPr lang="de-DE" sz="1200" kern="1200" dirty="0" err="1">
-                <a:solidFill>
-                  <a:schemeClr val="tx1"/>
-                </a:solidFill>
-                <a:effectLst/>
-                <a:latin typeface="+mn-lt"/>
-                <a:ea typeface="+mn-ea"/>
-                <a:cs typeface="+mn-cs"/>
-              </a:rPr>
-              <a:t>root</a:t>
-            </a:r>
-            <a:r>
-              <a:rPr lang="de-DE" sz="1200" kern="1200" dirty="0">
-                <a:solidFill>
-                  <a:schemeClr val="tx1"/>
-                </a:solidFill>
-                <a:effectLst/>
-                <a:latin typeface="+mn-lt"/>
-                <a:ea typeface="+mn-ea"/>
-                <a:cs typeface="+mn-cs"/>
-              </a:rPr>
-              <a:t>" weiter arbeiten. Wir erkennen den Unterschied daran, dass wir uns mit </a:t>
-            </a:r>
-            <a:r>
-              <a:rPr lang="de-DE" sz="1200" kern="1200" dirty="0" err="1">
-                <a:solidFill>
-                  <a:schemeClr val="tx1"/>
-                </a:solidFill>
-                <a:effectLst/>
-                <a:latin typeface="+mn-lt"/>
-                <a:ea typeface="+mn-ea"/>
-                <a:cs typeface="+mn-cs"/>
-              </a:rPr>
-              <a:t>su</a:t>
-            </a:r>
-            <a:r>
-              <a:rPr lang="de-DE" sz="1200" kern="1200" dirty="0">
-                <a:solidFill>
-                  <a:schemeClr val="tx1"/>
-                </a:solidFill>
-                <a:effectLst/>
-                <a:latin typeface="+mn-lt"/>
-                <a:ea typeface="+mn-ea"/>
-                <a:cs typeface="+mn-cs"/>
-              </a:rPr>
-              <a:t> - im Home-Verzeichnis des "</a:t>
-            </a:r>
-            <a:r>
-              <a:rPr lang="de-DE" sz="1200" kern="1200" dirty="0" err="1">
-                <a:solidFill>
-                  <a:schemeClr val="tx1"/>
-                </a:solidFill>
-                <a:effectLst/>
-                <a:latin typeface="+mn-lt"/>
-                <a:ea typeface="+mn-ea"/>
-                <a:cs typeface="+mn-cs"/>
-              </a:rPr>
-              <a:t>root</a:t>
-            </a:r>
-            <a:r>
-              <a:rPr lang="de-DE" sz="1200" kern="1200" dirty="0">
-                <a:solidFill>
-                  <a:schemeClr val="tx1"/>
-                </a:solidFill>
-                <a:effectLst/>
-                <a:latin typeface="+mn-lt"/>
-                <a:ea typeface="+mn-ea"/>
-                <a:cs typeface="+mn-cs"/>
-              </a:rPr>
-              <a:t>"-Users, also /</a:t>
-            </a:r>
-            <a:r>
-              <a:rPr lang="de-DE" sz="1200" kern="1200" dirty="0" err="1">
-                <a:solidFill>
-                  <a:schemeClr val="tx1"/>
-                </a:solidFill>
-                <a:effectLst/>
-                <a:latin typeface="+mn-lt"/>
-                <a:ea typeface="+mn-ea"/>
-                <a:cs typeface="+mn-cs"/>
-              </a:rPr>
-              <a:t>root</a:t>
-            </a:r>
-            <a:r>
-              <a:rPr lang="de-DE" sz="1200" kern="1200" dirty="0">
-                <a:solidFill>
-                  <a:schemeClr val="tx1"/>
-                </a:solidFill>
-                <a:effectLst/>
-                <a:latin typeface="+mn-lt"/>
-                <a:ea typeface="+mn-ea"/>
-                <a:cs typeface="+mn-cs"/>
-              </a:rPr>
-              <a:t> und nicht mehr im zuletzt aktiven Verzeichnis wiederfinden. </a:t>
-            </a:r>
-          </a:p>
-          <a:p>
-            <a:r>
-              <a:rPr lang="de-DE" sz="1200" kern="1200" dirty="0">
-                <a:solidFill>
-                  <a:schemeClr val="tx1"/>
-                </a:solidFill>
-                <a:effectLst/>
-                <a:latin typeface="+mn-lt"/>
-                <a:ea typeface="+mn-ea"/>
-                <a:cs typeface="+mn-cs"/>
-              </a:rPr>
-              <a:t>Wollen wir die Administratorrolle wieder ablegen, beenden wir die "</a:t>
-            </a:r>
-            <a:r>
-              <a:rPr lang="de-DE" sz="1200" kern="1200" dirty="0" err="1">
-                <a:solidFill>
-                  <a:schemeClr val="tx1"/>
-                </a:solidFill>
-                <a:effectLst/>
-                <a:latin typeface="+mn-lt"/>
-                <a:ea typeface="+mn-ea"/>
-                <a:cs typeface="+mn-cs"/>
-              </a:rPr>
-              <a:t>root</a:t>
-            </a:r>
-            <a:r>
-              <a:rPr lang="de-DE" sz="1200" kern="1200" dirty="0">
-                <a:solidFill>
-                  <a:schemeClr val="tx1"/>
-                </a:solidFill>
-                <a:effectLst/>
-                <a:latin typeface="+mn-lt"/>
-                <a:ea typeface="+mn-ea"/>
-                <a:cs typeface="+mn-cs"/>
-              </a:rPr>
-              <a:t>"-Shell (wie übrigens jede Shell) mit </a:t>
-            </a:r>
-            <a:r>
-              <a:rPr lang="de-DE" sz="1200" kern="1200" dirty="0" err="1">
-                <a:solidFill>
-                  <a:schemeClr val="tx1"/>
-                </a:solidFill>
-                <a:effectLst/>
-                <a:latin typeface="+mn-lt"/>
-                <a:ea typeface="+mn-ea"/>
-                <a:cs typeface="+mn-cs"/>
-              </a:rPr>
-              <a:t>exit</a:t>
-            </a:r>
-            <a:r>
-              <a:rPr lang="de-DE" sz="1200" kern="1200" dirty="0">
-                <a:solidFill>
-                  <a:schemeClr val="tx1"/>
-                </a:solidFill>
-                <a:effectLst/>
-                <a:latin typeface="+mn-lt"/>
-                <a:ea typeface="+mn-ea"/>
-                <a:cs typeface="+mn-cs"/>
-              </a:rPr>
-              <a:t>:</a:t>
-            </a:r>
-          </a:p>
-          <a:p>
-            <a:r>
-              <a:rPr lang="de-DE" sz="1200" kern="1200" dirty="0" err="1">
-                <a:solidFill>
-                  <a:schemeClr val="tx1"/>
-                </a:solidFill>
-                <a:effectLst/>
-                <a:latin typeface="+mn-lt"/>
-                <a:ea typeface="+mn-ea"/>
-                <a:cs typeface="+mn-cs"/>
-              </a:rPr>
-              <a:t>exit</a:t>
+              <a:t>dateiname</a:t>
             </a:r>
             <a:endParaRPr lang="de-DE" sz="1200" kern="1200" dirty="0">
               <a:solidFill>
@@ -10779,6 +9321,1026 @@
             </a:endParaRPr>
           </a:p>
           <a:p>
+            <a:r>
+              <a:rPr lang="de-DE" sz="1200" kern="1200" dirty="0" err="1">
+                <a:solidFill>
+                  <a:schemeClr val="tx1"/>
+                </a:solidFill>
+                <a:effectLst/>
+                <a:latin typeface="+mn-lt"/>
+                <a:ea typeface="+mn-ea"/>
+                <a:cs typeface="+mn-cs"/>
+              </a:rPr>
+              <a:t>cat</a:t>
+            </a:r>
+            <a:r>
+              <a:rPr lang="de-DE" sz="1200" kern="1200" dirty="0">
+                <a:solidFill>
+                  <a:schemeClr val="tx1"/>
+                </a:solidFill>
+                <a:effectLst/>
+                <a:latin typeface="+mn-lt"/>
+                <a:ea typeface="+mn-ea"/>
+                <a:cs typeface="+mn-cs"/>
+              </a:rPr>
+              <a:t> liest Dateien </a:t>
+            </a:r>
+            <a:r>
+              <a:rPr lang="de-DE" sz="1200" kern="1200" dirty="0" err="1">
+                <a:solidFill>
+                  <a:schemeClr val="tx1"/>
+                </a:solidFill>
+                <a:effectLst/>
+                <a:latin typeface="+mn-lt"/>
+                <a:ea typeface="+mn-ea"/>
+                <a:cs typeface="+mn-cs"/>
+              </a:rPr>
+              <a:t>bitweise</a:t>
+            </a:r>
+            <a:r>
+              <a:rPr lang="de-DE" sz="1200" kern="1200" dirty="0">
+                <a:solidFill>
+                  <a:schemeClr val="tx1"/>
+                </a:solidFill>
+                <a:effectLst/>
+                <a:latin typeface="+mn-lt"/>
+                <a:ea typeface="+mn-ea"/>
+                <a:cs typeface="+mn-cs"/>
+              </a:rPr>
+              <a:t> aus und gibt sie auf die Standardausgabe aus. Dies können wir benutzen, um das Ende langer Textdateien anzusehen:</a:t>
+            </a:r>
+          </a:p>
+          <a:p>
+            <a:r>
+              <a:rPr lang="de-DE" sz="1200" kern="1200" dirty="0" err="1">
+                <a:solidFill>
+                  <a:schemeClr val="tx1"/>
+                </a:solidFill>
+                <a:effectLst/>
+                <a:latin typeface="+mn-lt"/>
+                <a:ea typeface="+mn-ea"/>
+                <a:cs typeface="+mn-cs"/>
+              </a:rPr>
+              <a:t>cat</a:t>
+            </a:r>
+            <a:r>
+              <a:rPr lang="de-DE" sz="1200" kern="1200" dirty="0">
+                <a:solidFill>
+                  <a:schemeClr val="tx1"/>
+                </a:solidFill>
+                <a:effectLst/>
+                <a:latin typeface="+mn-lt"/>
+                <a:ea typeface="+mn-ea"/>
+                <a:cs typeface="+mn-cs"/>
+              </a:rPr>
+              <a:t> /</a:t>
+            </a:r>
+            <a:r>
+              <a:rPr lang="de-DE" sz="1200" kern="1200" dirty="0" err="1">
+                <a:solidFill>
+                  <a:schemeClr val="tx1"/>
+                </a:solidFill>
+                <a:effectLst/>
+                <a:latin typeface="+mn-lt"/>
+                <a:ea typeface="+mn-ea"/>
+                <a:cs typeface="+mn-cs"/>
+              </a:rPr>
+              <a:t>var</a:t>
+            </a:r>
+            <a:r>
+              <a:rPr lang="de-DE" sz="1200" kern="1200" dirty="0">
+                <a:solidFill>
+                  <a:schemeClr val="tx1"/>
+                </a:solidFill>
+                <a:effectLst/>
+                <a:latin typeface="+mn-lt"/>
+                <a:ea typeface="+mn-ea"/>
+                <a:cs typeface="+mn-cs"/>
+              </a:rPr>
+              <a:t>/log/kern.log</a:t>
+            </a:r>
+          </a:p>
+          <a:p>
+            <a:r>
+              <a:rPr lang="de-DE" sz="1200" kern="1200" dirty="0">
+                <a:solidFill>
+                  <a:schemeClr val="tx1"/>
+                </a:solidFill>
+                <a:effectLst/>
+                <a:latin typeface="+mn-lt"/>
+                <a:ea typeface="+mn-ea"/>
+                <a:cs typeface="+mn-cs"/>
+              </a:rPr>
+              <a:t>Bei log-Dateien interessieren uns meist vor allem die letzten Einträge und </a:t>
+            </a:r>
+            <a:r>
+              <a:rPr lang="de-DE" sz="1200" kern="1200" dirty="0" err="1">
+                <a:solidFill>
+                  <a:schemeClr val="tx1"/>
+                </a:solidFill>
+                <a:effectLst/>
+                <a:latin typeface="+mn-lt"/>
+                <a:ea typeface="+mn-ea"/>
+                <a:cs typeface="+mn-cs"/>
+              </a:rPr>
+              <a:t>cat</a:t>
+            </a:r>
+            <a:r>
+              <a:rPr lang="de-DE" sz="1200" kern="1200" dirty="0">
+                <a:solidFill>
+                  <a:schemeClr val="tx1"/>
+                </a:solidFill>
+                <a:effectLst/>
+                <a:latin typeface="+mn-lt"/>
+                <a:ea typeface="+mn-ea"/>
+                <a:cs typeface="+mn-cs"/>
+              </a:rPr>
+              <a:t> spult die Datei bis zum Ende ab. Manchmal ist aber auch das </a:t>
+            </a:r>
+            <a:r>
+              <a:rPr lang="de-DE" sz="1200" kern="1200" dirty="0" err="1">
+                <a:solidFill>
+                  <a:schemeClr val="tx1"/>
+                </a:solidFill>
+                <a:effectLst/>
+                <a:latin typeface="+mn-lt"/>
+                <a:ea typeface="+mn-ea"/>
+                <a:cs typeface="+mn-cs"/>
+              </a:rPr>
+              <a:t>zuviel</a:t>
+            </a:r>
+            <a:r>
+              <a:rPr lang="de-DE" sz="1200" kern="1200" dirty="0">
+                <a:solidFill>
+                  <a:schemeClr val="tx1"/>
+                </a:solidFill>
+                <a:effectLst/>
+                <a:latin typeface="+mn-lt"/>
+                <a:ea typeface="+mn-ea"/>
+                <a:cs typeface="+mn-cs"/>
+              </a:rPr>
+              <a:t> und ich will nur alle Einträge sehen, welche meine NVIDIA-Grafik betreffen. Da kommt mir </a:t>
+            </a:r>
+            <a:r>
+              <a:rPr lang="de-DE" sz="1200" kern="1200" dirty="0" err="1">
+                <a:solidFill>
+                  <a:schemeClr val="tx1"/>
+                </a:solidFill>
+                <a:effectLst/>
+                <a:latin typeface="+mn-lt"/>
+                <a:ea typeface="+mn-ea"/>
+                <a:cs typeface="+mn-cs"/>
+              </a:rPr>
+              <a:t>grep</a:t>
+            </a:r>
+            <a:r>
+              <a:rPr lang="de-DE" sz="1200" kern="1200" dirty="0">
+                <a:solidFill>
+                  <a:schemeClr val="tx1"/>
+                </a:solidFill>
+                <a:effectLst/>
+                <a:latin typeface="+mn-lt"/>
+                <a:ea typeface="+mn-ea"/>
+                <a:cs typeface="+mn-cs"/>
+              </a:rPr>
+              <a:t> zu Hilfe:</a:t>
+            </a:r>
+          </a:p>
+          <a:p>
+            <a:r>
+              <a:rPr lang="de-DE" sz="1200" kern="1200" dirty="0" err="1">
+                <a:solidFill>
+                  <a:schemeClr val="tx1"/>
+                </a:solidFill>
+                <a:effectLst/>
+                <a:latin typeface="+mn-lt"/>
+                <a:ea typeface="+mn-ea"/>
+                <a:cs typeface="+mn-cs"/>
+              </a:rPr>
+              <a:t>grep</a:t>
+            </a:r>
+            <a:r>
+              <a:rPr lang="de-DE" sz="1200" kern="1200" dirty="0">
+                <a:solidFill>
+                  <a:schemeClr val="tx1"/>
+                </a:solidFill>
+                <a:effectLst/>
+                <a:latin typeface="+mn-lt"/>
+                <a:ea typeface="+mn-ea"/>
+                <a:cs typeface="+mn-cs"/>
+              </a:rPr>
+              <a:t> (-optionen) </a:t>
+            </a:r>
+            <a:r>
+              <a:rPr lang="de-DE" sz="1200" kern="1200" dirty="0" err="1">
+                <a:solidFill>
+                  <a:schemeClr val="tx1"/>
+                </a:solidFill>
+                <a:effectLst/>
+                <a:latin typeface="+mn-lt"/>
+                <a:ea typeface="+mn-ea"/>
+                <a:cs typeface="+mn-cs"/>
+              </a:rPr>
+              <a:t>muster</a:t>
+            </a:r>
+            <a:r>
+              <a:rPr lang="de-DE" sz="1200" kern="1200" dirty="0">
+                <a:solidFill>
+                  <a:schemeClr val="tx1"/>
+                </a:solidFill>
+                <a:effectLst/>
+                <a:latin typeface="+mn-lt"/>
+                <a:ea typeface="+mn-ea"/>
+                <a:cs typeface="+mn-cs"/>
+              </a:rPr>
+              <a:t> </a:t>
+            </a:r>
+            <a:r>
+              <a:rPr lang="de-DE" sz="1200" kern="1200" dirty="0" err="1">
+                <a:solidFill>
+                  <a:schemeClr val="tx1"/>
+                </a:solidFill>
+                <a:effectLst/>
+                <a:latin typeface="+mn-lt"/>
+                <a:ea typeface="+mn-ea"/>
+                <a:cs typeface="+mn-cs"/>
+              </a:rPr>
+              <a:t>dateiname</a:t>
+            </a:r>
+            <a:endParaRPr lang="de-DE" sz="1200" kern="1200" dirty="0">
+              <a:solidFill>
+                <a:schemeClr val="tx1"/>
+              </a:solidFill>
+              <a:effectLst/>
+              <a:latin typeface="+mn-lt"/>
+              <a:ea typeface="+mn-ea"/>
+              <a:cs typeface="+mn-cs"/>
+            </a:endParaRPr>
+          </a:p>
+          <a:p>
+            <a:r>
+              <a:rPr lang="de-DE" sz="1200" kern="1200" dirty="0">
+                <a:solidFill>
+                  <a:schemeClr val="tx1"/>
+                </a:solidFill>
+                <a:effectLst/>
+                <a:latin typeface="+mn-lt"/>
+                <a:ea typeface="+mn-ea"/>
+                <a:cs typeface="+mn-cs"/>
+              </a:rPr>
+              <a:t>Ich kann nämlich </a:t>
+            </a:r>
+            <a:r>
+              <a:rPr lang="de-DE" sz="1200" kern="1200" dirty="0" err="1">
+                <a:solidFill>
+                  <a:schemeClr val="tx1"/>
+                </a:solidFill>
+                <a:effectLst/>
+                <a:latin typeface="+mn-lt"/>
+                <a:ea typeface="+mn-ea"/>
+                <a:cs typeface="+mn-cs"/>
+              </a:rPr>
+              <a:t>grep</a:t>
+            </a:r>
+            <a:r>
+              <a:rPr lang="de-DE" sz="1200" kern="1200" dirty="0">
+                <a:solidFill>
+                  <a:schemeClr val="tx1"/>
+                </a:solidFill>
+                <a:effectLst/>
+                <a:latin typeface="+mn-lt"/>
+                <a:ea typeface="+mn-ea"/>
+                <a:cs typeface="+mn-cs"/>
+              </a:rPr>
+              <a:t> verwenden, um mit der Standardausgabe eines anderen Befehls als Quelle, Zeilen mit einem bestimmten Muster herauszufiltern und auszugeben.</a:t>
+            </a:r>
+          </a:p>
+          <a:p>
+            <a:r>
+              <a:rPr lang="de-DE" sz="1200" kern="1200" dirty="0" err="1">
+                <a:solidFill>
+                  <a:schemeClr val="tx1"/>
+                </a:solidFill>
+                <a:effectLst/>
+                <a:latin typeface="+mn-lt"/>
+                <a:ea typeface="+mn-ea"/>
+                <a:cs typeface="+mn-cs"/>
+              </a:rPr>
+              <a:t>cat</a:t>
+            </a:r>
+            <a:r>
+              <a:rPr lang="de-DE" sz="1200" kern="1200" dirty="0">
+                <a:solidFill>
+                  <a:schemeClr val="tx1"/>
+                </a:solidFill>
+                <a:effectLst/>
+                <a:latin typeface="+mn-lt"/>
+                <a:ea typeface="+mn-ea"/>
+                <a:cs typeface="+mn-cs"/>
+              </a:rPr>
+              <a:t> /</a:t>
+            </a:r>
+            <a:r>
+              <a:rPr lang="de-DE" sz="1200" kern="1200" dirty="0" err="1">
+                <a:solidFill>
+                  <a:schemeClr val="tx1"/>
+                </a:solidFill>
+                <a:effectLst/>
+                <a:latin typeface="+mn-lt"/>
+                <a:ea typeface="+mn-ea"/>
+                <a:cs typeface="+mn-cs"/>
+              </a:rPr>
+              <a:t>var</a:t>
+            </a:r>
+            <a:r>
+              <a:rPr lang="de-DE" sz="1200" kern="1200" dirty="0">
+                <a:solidFill>
+                  <a:schemeClr val="tx1"/>
+                </a:solidFill>
+                <a:effectLst/>
+                <a:latin typeface="+mn-lt"/>
+                <a:ea typeface="+mn-ea"/>
+                <a:cs typeface="+mn-cs"/>
+              </a:rPr>
+              <a:t>/log/kern.log | </a:t>
+            </a:r>
+            <a:r>
+              <a:rPr lang="de-DE" sz="1200" kern="1200" dirty="0" err="1">
+                <a:solidFill>
+                  <a:schemeClr val="tx1"/>
+                </a:solidFill>
+                <a:effectLst/>
+                <a:latin typeface="+mn-lt"/>
+                <a:ea typeface="+mn-ea"/>
+                <a:cs typeface="+mn-cs"/>
+              </a:rPr>
+              <a:t>grep</a:t>
+            </a:r>
+            <a:r>
+              <a:rPr lang="de-DE" sz="1200" kern="1200" dirty="0">
+                <a:solidFill>
+                  <a:schemeClr val="tx1"/>
+                </a:solidFill>
+                <a:effectLst/>
+                <a:latin typeface="+mn-lt"/>
+                <a:ea typeface="+mn-ea"/>
+                <a:cs typeface="+mn-cs"/>
+              </a:rPr>
+              <a:t> </a:t>
+            </a:r>
+            <a:r>
+              <a:rPr lang="de-DE" sz="1200" kern="1200" dirty="0" err="1">
+                <a:solidFill>
+                  <a:schemeClr val="tx1"/>
+                </a:solidFill>
+                <a:effectLst/>
+                <a:latin typeface="+mn-lt"/>
+                <a:ea typeface="+mn-ea"/>
+                <a:cs typeface="+mn-cs"/>
+              </a:rPr>
+              <a:t>usb</a:t>
+            </a:r>
+            <a:endParaRPr lang="de-DE" sz="1200" kern="1200" dirty="0">
+              <a:solidFill>
+                <a:schemeClr val="tx1"/>
+              </a:solidFill>
+              <a:effectLst/>
+              <a:latin typeface="+mn-lt"/>
+              <a:ea typeface="+mn-ea"/>
+              <a:cs typeface="+mn-cs"/>
+            </a:endParaRPr>
+          </a:p>
+          <a:p>
+            <a:r>
+              <a:rPr lang="de-DE" sz="1200" kern="1200" dirty="0">
+                <a:solidFill>
+                  <a:schemeClr val="tx1"/>
+                </a:solidFill>
+                <a:effectLst/>
+                <a:latin typeface="+mn-lt"/>
+                <a:ea typeface="+mn-ea"/>
+                <a:cs typeface="+mn-cs"/>
+              </a:rPr>
+              <a:t> </a:t>
+            </a:r>
+          </a:p>
+          <a:p>
+            <a:r>
+              <a:rPr lang="de-DE" sz="1200" kern="1200" dirty="0">
+                <a:solidFill>
+                  <a:schemeClr val="tx1"/>
+                </a:solidFill>
+                <a:effectLst/>
+                <a:latin typeface="+mn-lt"/>
+                <a:ea typeface="+mn-ea"/>
+                <a:cs typeface="+mn-cs"/>
+              </a:rPr>
+              <a:t>Dieser Befehl liefert alle Zeilen, in denen "</a:t>
+            </a:r>
+            <a:r>
+              <a:rPr lang="de-DE" sz="1200" kern="1200" dirty="0" err="1">
+                <a:solidFill>
+                  <a:schemeClr val="tx1"/>
+                </a:solidFill>
+                <a:effectLst/>
+                <a:latin typeface="+mn-lt"/>
+                <a:ea typeface="+mn-ea"/>
+                <a:cs typeface="+mn-cs"/>
+              </a:rPr>
+              <a:t>usb</a:t>
+            </a:r>
+            <a:r>
+              <a:rPr lang="de-DE" sz="1200" kern="1200" dirty="0">
+                <a:solidFill>
+                  <a:schemeClr val="tx1"/>
+                </a:solidFill>
+                <a:effectLst/>
+                <a:latin typeface="+mn-lt"/>
+                <a:ea typeface="+mn-ea"/>
+                <a:cs typeface="+mn-cs"/>
+              </a:rPr>
+              <a:t>" vorkommt – allerdings nur genau so geschrieben! </a:t>
+            </a:r>
+          </a:p>
+          <a:p>
+            <a:r>
+              <a:rPr lang="de-DE" sz="1200" kern="1200" dirty="0">
+                <a:solidFill>
+                  <a:schemeClr val="tx1"/>
+                </a:solidFill>
+                <a:effectLst/>
+                <a:latin typeface="+mn-lt"/>
+                <a:ea typeface="+mn-ea"/>
+                <a:cs typeface="+mn-cs"/>
+              </a:rPr>
+              <a:t>Will ich auch Zeilen mit großgeschriebenen Buchstaben, benötige ich die Option -i.</a:t>
+            </a:r>
+          </a:p>
+          <a:p>
+            <a:r>
+              <a:rPr lang="en-US" sz="1200" kern="1200" dirty="0">
+                <a:solidFill>
+                  <a:schemeClr val="tx1"/>
+                </a:solidFill>
+                <a:effectLst/>
+                <a:latin typeface="+mn-lt"/>
+                <a:ea typeface="+mn-ea"/>
+                <a:cs typeface="+mn-cs"/>
+              </a:rPr>
+              <a:t>cat /</a:t>
+            </a:r>
+            <a:r>
+              <a:rPr lang="en-US" sz="1200" kern="1200" dirty="0" err="1">
+                <a:solidFill>
+                  <a:schemeClr val="tx1"/>
+                </a:solidFill>
+                <a:effectLst/>
+                <a:latin typeface="+mn-lt"/>
+                <a:ea typeface="+mn-ea"/>
+                <a:cs typeface="+mn-cs"/>
+              </a:rPr>
+              <a:t>var</a:t>
+            </a:r>
+            <a:r>
+              <a:rPr lang="en-US" sz="1200" kern="1200" dirty="0">
+                <a:solidFill>
+                  <a:schemeClr val="tx1"/>
+                </a:solidFill>
+                <a:effectLst/>
+                <a:latin typeface="+mn-lt"/>
+                <a:ea typeface="+mn-ea"/>
+                <a:cs typeface="+mn-cs"/>
+              </a:rPr>
+              <a:t>/log/kern.log | </a:t>
+            </a:r>
+            <a:r>
+              <a:rPr lang="en-US" sz="1200" kern="1200" dirty="0" err="1">
+                <a:solidFill>
+                  <a:schemeClr val="tx1"/>
+                </a:solidFill>
+                <a:effectLst/>
+                <a:latin typeface="+mn-lt"/>
+                <a:ea typeface="+mn-ea"/>
+                <a:cs typeface="+mn-cs"/>
+              </a:rPr>
+              <a:t>grep</a:t>
+            </a:r>
+            <a:r>
+              <a:rPr lang="en-US" sz="1200" kern="1200" dirty="0">
+                <a:solidFill>
+                  <a:schemeClr val="tx1"/>
+                </a:solidFill>
+                <a:effectLst/>
+                <a:latin typeface="+mn-lt"/>
+                <a:ea typeface="+mn-ea"/>
+                <a:cs typeface="+mn-cs"/>
+              </a:rPr>
+              <a:t> -</a:t>
+            </a:r>
+            <a:r>
+              <a:rPr lang="en-US" sz="1200" kern="1200" dirty="0" err="1">
+                <a:solidFill>
+                  <a:schemeClr val="tx1"/>
+                </a:solidFill>
+                <a:effectLst/>
+                <a:latin typeface="+mn-lt"/>
+                <a:ea typeface="+mn-ea"/>
+                <a:cs typeface="+mn-cs"/>
+              </a:rPr>
+              <a:t>i</a:t>
+            </a:r>
+            <a:r>
+              <a:rPr lang="en-US" sz="1200" kern="1200" dirty="0">
+                <a:solidFill>
+                  <a:schemeClr val="tx1"/>
+                </a:solidFill>
+                <a:effectLst/>
+                <a:latin typeface="+mn-lt"/>
+                <a:ea typeface="+mn-ea"/>
+                <a:cs typeface="+mn-cs"/>
+              </a:rPr>
+              <a:t> </a:t>
+            </a:r>
+            <a:r>
+              <a:rPr lang="en-US" sz="1200" kern="1200" dirty="0" err="1">
+                <a:solidFill>
+                  <a:schemeClr val="tx1"/>
+                </a:solidFill>
+                <a:effectLst/>
+                <a:latin typeface="+mn-lt"/>
+                <a:ea typeface="+mn-ea"/>
+                <a:cs typeface="+mn-cs"/>
+              </a:rPr>
+              <a:t>usb</a:t>
+            </a:r>
+            <a:endParaRPr lang="de-DE" sz="1200" kern="1200" dirty="0">
+              <a:solidFill>
+                <a:schemeClr val="tx1"/>
+              </a:solidFill>
+              <a:effectLst/>
+              <a:latin typeface="+mn-lt"/>
+              <a:ea typeface="+mn-ea"/>
+              <a:cs typeface="+mn-cs"/>
+            </a:endParaRPr>
+          </a:p>
+          <a:p>
+            <a:r>
+              <a:rPr lang="de-DE" sz="1200" kern="1200" dirty="0">
+                <a:solidFill>
+                  <a:schemeClr val="tx1"/>
+                </a:solidFill>
+                <a:effectLst/>
+                <a:latin typeface="+mn-lt"/>
+                <a:ea typeface="+mn-ea"/>
+                <a:cs typeface="+mn-cs"/>
+              </a:rPr>
+              <a:t>Jetzt erhalte ich auch Zeilen, in denen "USB" nur großgeschrieben steht. Meist steht am Anfang jedes Eintrags, welches Modul die Meldung veranlasst hat. Dies ist als "Muster"  üblicherweise eine gute Wahl.</a:t>
+            </a:r>
+          </a:p>
+          <a:p>
+            <a:r>
+              <a:rPr lang="de-DE" sz="1200" kern="1200" dirty="0">
+                <a:solidFill>
+                  <a:schemeClr val="tx1"/>
+                </a:solidFill>
+                <a:effectLst/>
+                <a:latin typeface="+mn-lt"/>
+                <a:ea typeface="+mn-ea"/>
+                <a:cs typeface="+mn-cs"/>
+              </a:rPr>
+              <a:t>Wenn ich alle Einträge sehen will, die NICHT "</a:t>
+            </a:r>
+            <a:r>
+              <a:rPr lang="de-DE" sz="1200" kern="1200" dirty="0" err="1">
+                <a:solidFill>
+                  <a:schemeClr val="tx1"/>
+                </a:solidFill>
+                <a:effectLst/>
+                <a:latin typeface="+mn-lt"/>
+                <a:ea typeface="+mn-ea"/>
+                <a:cs typeface="+mn-cs"/>
+              </a:rPr>
+              <a:t>usb</a:t>
+            </a:r>
+            <a:r>
+              <a:rPr lang="de-DE" sz="1200" kern="1200" dirty="0">
+                <a:solidFill>
+                  <a:schemeClr val="tx1"/>
+                </a:solidFill>
+                <a:effectLst/>
+                <a:latin typeface="+mn-lt"/>
+                <a:ea typeface="+mn-ea"/>
+                <a:cs typeface="+mn-cs"/>
+              </a:rPr>
+              <a:t>" enthalten, kann ich diese auch ausschließen:</a:t>
+            </a:r>
+          </a:p>
+          <a:p>
+            <a:r>
+              <a:rPr lang="de-DE" sz="1200" kern="1200" dirty="0" err="1">
+                <a:solidFill>
+                  <a:schemeClr val="tx1"/>
+                </a:solidFill>
+                <a:effectLst/>
+                <a:latin typeface="+mn-lt"/>
+                <a:ea typeface="+mn-ea"/>
+                <a:cs typeface="+mn-cs"/>
+              </a:rPr>
+              <a:t>cat</a:t>
+            </a:r>
+            <a:r>
+              <a:rPr lang="de-DE" sz="1200" kern="1200" dirty="0">
+                <a:solidFill>
+                  <a:schemeClr val="tx1"/>
+                </a:solidFill>
+                <a:effectLst/>
+                <a:latin typeface="+mn-lt"/>
+                <a:ea typeface="+mn-ea"/>
+                <a:cs typeface="+mn-cs"/>
+              </a:rPr>
+              <a:t> /</a:t>
+            </a:r>
+            <a:r>
+              <a:rPr lang="de-DE" sz="1200" kern="1200" dirty="0" err="1">
+                <a:solidFill>
+                  <a:schemeClr val="tx1"/>
+                </a:solidFill>
+                <a:effectLst/>
+                <a:latin typeface="+mn-lt"/>
+                <a:ea typeface="+mn-ea"/>
+                <a:cs typeface="+mn-cs"/>
+              </a:rPr>
+              <a:t>var</a:t>
+            </a:r>
+            <a:r>
+              <a:rPr lang="de-DE" sz="1200" kern="1200" dirty="0">
+                <a:solidFill>
+                  <a:schemeClr val="tx1"/>
+                </a:solidFill>
+                <a:effectLst/>
+                <a:latin typeface="+mn-lt"/>
+                <a:ea typeface="+mn-ea"/>
+                <a:cs typeface="+mn-cs"/>
+              </a:rPr>
+              <a:t>/log/kern.log | </a:t>
+            </a:r>
+            <a:r>
+              <a:rPr lang="de-DE" sz="1200" kern="1200" dirty="0" err="1">
+                <a:solidFill>
+                  <a:schemeClr val="tx1"/>
+                </a:solidFill>
+                <a:effectLst/>
+                <a:latin typeface="+mn-lt"/>
+                <a:ea typeface="+mn-ea"/>
+                <a:cs typeface="+mn-cs"/>
+              </a:rPr>
+              <a:t>grep</a:t>
+            </a:r>
+            <a:r>
+              <a:rPr lang="de-DE" sz="1200" kern="1200" dirty="0">
+                <a:solidFill>
+                  <a:schemeClr val="tx1"/>
+                </a:solidFill>
+                <a:effectLst/>
+                <a:latin typeface="+mn-lt"/>
+                <a:ea typeface="+mn-ea"/>
+                <a:cs typeface="+mn-cs"/>
+              </a:rPr>
+              <a:t> -v </a:t>
+            </a:r>
+            <a:r>
+              <a:rPr lang="de-DE" sz="1200" kern="1200" dirty="0" err="1">
+                <a:solidFill>
+                  <a:schemeClr val="tx1"/>
+                </a:solidFill>
+                <a:effectLst/>
+                <a:latin typeface="+mn-lt"/>
+                <a:ea typeface="+mn-ea"/>
+                <a:cs typeface="+mn-cs"/>
+              </a:rPr>
+              <a:t>usb</a:t>
+            </a:r>
+            <a:endParaRPr lang="de-DE" sz="1200" kern="1200" dirty="0">
+              <a:solidFill>
+                <a:schemeClr val="tx1"/>
+              </a:solidFill>
+              <a:effectLst/>
+              <a:latin typeface="+mn-lt"/>
+              <a:ea typeface="+mn-ea"/>
+              <a:cs typeface="+mn-cs"/>
+            </a:endParaRPr>
+          </a:p>
+          <a:p>
+            <a:r>
+              <a:rPr lang="de-DE" sz="1200" kern="1200" dirty="0">
+                <a:solidFill>
+                  <a:schemeClr val="tx1"/>
+                </a:solidFill>
+                <a:effectLst/>
+                <a:latin typeface="+mn-lt"/>
+                <a:ea typeface="+mn-ea"/>
+                <a:cs typeface="+mn-cs"/>
+              </a:rPr>
+              <a:t>Nun erhalte ich nur den Rest. </a:t>
+            </a:r>
+          </a:p>
+          <a:p>
+            <a:r>
+              <a:rPr lang="de-DE" sz="1200" kern="1200" dirty="0" err="1">
+                <a:solidFill>
+                  <a:schemeClr val="tx1"/>
+                </a:solidFill>
+                <a:effectLst/>
+                <a:latin typeface="+mn-lt"/>
+                <a:ea typeface="+mn-ea"/>
+                <a:cs typeface="+mn-cs"/>
+              </a:rPr>
+              <a:t>cat</a:t>
+            </a:r>
+            <a:r>
+              <a:rPr lang="de-DE" sz="1200" kern="1200" dirty="0">
+                <a:solidFill>
+                  <a:schemeClr val="tx1"/>
+                </a:solidFill>
+                <a:effectLst/>
+                <a:latin typeface="+mn-lt"/>
+                <a:ea typeface="+mn-ea"/>
+                <a:cs typeface="+mn-cs"/>
+              </a:rPr>
+              <a:t> kann aber auch mehrere Dateien auf einmal verarbeiten:</a:t>
+            </a:r>
+          </a:p>
+          <a:p>
+            <a:r>
+              <a:rPr lang="de-DE" sz="1200" kern="1200" dirty="0" err="1">
+                <a:solidFill>
+                  <a:schemeClr val="tx1"/>
+                </a:solidFill>
+                <a:effectLst/>
+                <a:latin typeface="+mn-lt"/>
+                <a:ea typeface="+mn-ea"/>
+                <a:cs typeface="+mn-cs"/>
+              </a:rPr>
+              <a:t>cat</a:t>
+            </a:r>
+            <a:r>
+              <a:rPr lang="de-DE" sz="1200" kern="1200" dirty="0">
+                <a:solidFill>
+                  <a:schemeClr val="tx1"/>
+                </a:solidFill>
+                <a:effectLst/>
+                <a:latin typeface="+mn-lt"/>
+                <a:ea typeface="+mn-ea"/>
+                <a:cs typeface="+mn-cs"/>
+              </a:rPr>
+              <a:t> </a:t>
+            </a:r>
+            <a:r>
+              <a:rPr lang="de-DE" sz="1200" kern="1200" dirty="0" err="1">
+                <a:solidFill>
+                  <a:schemeClr val="tx1"/>
+                </a:solidFill>
+                <a:effectLst/>
+                <a:latin typeface="+mn-lt"/>
+                <a:ea typeface="+mn-ea"/>
+                <a:cs typeface="+mn-cs"/>
+              </a:rPr>
+              <a:t>dateiname</a:t>
+            </a:r>
+            <a:r>
+              <a:rPr lang="de-DE" sz="1200" kern="1200" dirty="0">
+                <a:solidFill>
+                  <a:schemeClr val="tx1"/>
+                </a:solidFill>
+                <a:effectLst/>
+                <a:latin typeface="+mn-lt"/>
+                <a:ea typeface="+mn-ea"/>
+                <a:cs typeface="+mn-cs"/>
+              </a:rPr>
+              <a:t> </a:t>
+            </a:r>
+            <a:r>
+              <a:rPr lang="de-DE" sz="1200" kern="1200" dirty="0" err="1">
+                <a:solidFill>
+                  <a:schemeClr val="tx1"/>
+                </a:solidFill>
+                <a:effectLst/>
+                <a:latin typeface="+mn-lt"/>
+                <a:ea typeface="+mn-ea"/>
+                <a:cs typeface="+mn-cs"/>
+              </a:rPr>
+              <a:t>dateiname</a:t>
+            </a:r>
+            <a:r>
+              <a:rPr lang="de-DE" sz="1200" kern="1200" dirty="0">
+                <a:solidFill>
+                  <a:schemeClr val="tx1"/>
+                </a:solidFill>
+                <a:effectLst/>
+                <a:latin typeface="+mn-lt"/>
+                <a:ea typeface="+mn-ea"/>
+                <a:cs typeface="+mn-cs"/>
+              </a:rPr>
+              <a:t> ...</a:t>
+            </a:r>
+          </a:p>
+          <a:p>
+            <a:r>
+              <a:rPr lang="de-DE" sz="1200" kern="1200" dirty="0">
+                <a:solidFill>
+                  <a:schemeClr val="tx1"/>
+                </a:solidFill>
+                <a:effectLst/>
+                <a:latin typeface="+mn-lt"/>
+                <a:ea typeface="+mn-ea"/>
+                <a:cs typeface="+mn-cs"/>
+              </a:rPr>
+              <a:t>Zum Beispiel:</a:t>
+            </a:r>
+          </a:p>
+          <a:p>
+            <a:r>
+              <a:rPr lang="de-DE" sz="1200" kern="1200" dirty="0" err="1">
+                <a:solidFill>
+                  <a:schemeClr val="tx1"/>
+                </a:solidFill>
+                <a:effectLst/>
+                <a:latin typeface="+mn-lt"/>
+                <a:ea typeface="+mn-ea"/>
+                <a:cs typeface="+mn-cs"/>
+              </a:rPr>
+              <a:t>cat</a:t>
+            </a:r>
+            <a:r>
+              <a:rPr lang="de-DE" sz="1200" kern="1200" dirty="0">
+                <a:solidFill>
+                  <a:schemeClr val="tx1"/>
+                </a:solidFill>
+                <a:effectLst/>
+                <a:latin typeface="+mn-lt"/>
+                <a:ea typeface="+mn-ea"/>
+                <a:cs typeface="+mn-cs"/>
+              </a:rPr>
+              <a:t> datei1.txt datei2.txt &gt; zusammen.txt</a:t>
+            </a:r>
+          </a:p>
+          <a:p>
+            <a:r>
+              <a:rPr lang="de-DE" sz="1200" kern="1200" dirty="0">
+                <a:solidFill>
+                  <a:schemeClr val="tx1"/>
+                </a:solidFill>
+                <a:effectLst/>
+                <a:latin typeface="+mn-lt"/>
+                <a:ea typeface="+mn-ea"/>
+                <a:cs typeface="+mn-cs"/>
+              </a:rPr>
+              <a:t>Dabei kann auch eine Wildcard für beliebige Zeichen verwendet werden:</a:t>
+            </a:r>
+          </a:p>
+          <a:p>
+            <a:r>
+              <a:rPr lang="de-DE" sz="1200" kern="1200" dirty="0" err="1">
+                <a:solidFill>
+                  <a:schemeClr val="tx1"/>
+                </a:solidFill>
+                <a:effectLst/>
+                <a:latin typeface="+mn-lt"/>
+                <a:ea typeface="+mn-ea"/>
+                <a:cs typeface="+mn-cs"/>
+              </a:rPr>
+              <a:t>cat</a:t>
+            </a:r>
+            <a:r>
+              <a:rPr lang="de-DE" sz="1200" kern="1200" dirty="0">
+                <a:solidFill>
+                  <a:schemeClr val="tx1"/>
+                </a:solidFill>
+                <a:effectLst/>
+                <a:latin typeface="+mn-lt"/>
+                <a:ea typeface="+mn-ea"/>
+                <a:cs typeface="+mn-cs"/>
+              </a:rPr>
+              <a:t> *.</a:t>
+            </a:r>
+            <a:r>
+              <a:rPr lang="de-DE" sz="1200" kern="1200" dirty="0" err="1">
+                <a:solidFill>
+                  <a:schemeClr val="tx1"/>
+                </a:solidFill>
+                <a:effectLst/>
+                <a:latin typeface="+mn-lt"/>
+                <a:ea typeface="+mn-ea"/>
+                <a:cs typeface="+mn-cs"/>
+              </a:rPr>
+              <a:t>txt</a:t>
+            </a:r>
+            <a:r>
+              <a:rPr lang="de-DE" sz="1200" kern="1200" dirty="0">
+                <a:solidFill>
+                  <a:schemeClr val="tx1"/>
+                </a:solidFill>
+                <a:effectLst/>
+                <a:latin typeface="+mn-lt"/>
+                <a:ea typeface="+mn-ea"/>
+                <a:cs typeface="+mn-cs"/>
+              </a:rPr>
+              <a:t> &gt; alle_textdateien.txt</a:t>
+            </a:r>
+          </a:p>
+          <a:p>
+            <a:r>
+              <a:rPr lang="de-DE" sz="1200" kern="1200" dirty="0">
+                <a:solidFill>
+                  <a:schemeClr val="tx1"/>
+                </a:solidFill>
+                <a:effectLst/>
+                <a:latin typeface="+mn-lt"/>
+                <a:ea typeface="+mn-ea"/>
+                <a:cs typeface="+mn-cs"/>
+              </a:rPr>
+              <a:t>Und </a:t>
+            </a:r>
+            <a:r>
+              <a:rPr lang="de-DE" sz="1200" kern="1200" dirty="0" err="1">
+                <a:solidFill>
+                  <a:schemeClr val="tx1"/>
+                </a:solidFill>
+                <a:effectLst/>
+                <a:latin typeface="+mn-lt"/>
+                <a:ea typeface="+mn-ea"/>
+                <a:cs typeface="+mn-cs"/>
+              </a:rPr>
+              <a:t>cat</a:t>
+            </a:r>
+            <a:r>
+              <a:rPr lang="de-DE" sz="1200" kern="1200" dirty="0">
+                <a:solidFill>
+                  <a:schemeClr val="tx1"/>
+                </a:solidFill>
+                <a:effectLst/>
+                <a:latin typeface="+mn-lt"/>
+                <a:ea typeface="+mn-ea"/>
+                <a:cs typeface="+mn-cs"/>
+              </a:rPr>
+              <a:t> funktioniert nicht nur für Text Dateien:</a:t>
+            </a:r>
+          </a:p>
+          <a:p>
+            <a:r>
+              <a:rPr lang="de-DE" sz="1200" kern="1200" dirty="0" err="1">
+                <a:solidFill>
+                  <a:schemeClr val="tx1"/>
+                </a:solidFill>
+                <a:effectLst/>
+                <a:latin typeface="+mn-lt"/>
+                <a:ea typeface="+mn-ea"/>
+                <a:cs typeface="+mn-cs"/>
+              </a:rPr>
+              <a:t>cat</a:t>
+            </a:r>
+            <a:r>
+              <a:rPr lang="de-DE" sz="1200" kern="1200" dirty="0">
+                <a:solidFill>
+                  <a:schemeClr val="tx1"/>
+                </a:solidFill>
+                <a:effectLst/>
+                <a:latin typeface="+mn-lt"/>
+                <a:ea typeface="+mn-ea"/>
+                <a:cs typeface="+mn-cs"/>
+              </a:rPr>
+              <a:t> musik.mp3 kopie.mp3</a:t>
+            </a:r>
+          </a:p>
+          <a:p>
+            <a:r>
+              <a:rPr lang="de-DE" sz="1200" kern="1200" dirty="0">
+                <a:solidFill>
+                  <a:schemeClr val="tx1"/>
+                </a:solidFill>
+                <a:effectLst/>
+                <a:latin typeface="+mn-lt"/>
+                <a:ea typeface="+mn-ea"/>
+                <a:cs typeface="+mn-cs"/>
+              </a:rPr>
+              <a:t>wobei "musik.mp3" für eine beliebige mp3-Datei steht.</a:t>
+            </a:r>
+          </a:p>
+          <a:p>
+            <a:r>
+              <a:rPr lang="de-DE" sz="1200" kern="1200" dirty="0">
+                <a:solidFill>
+                  <a:schemeClr val="tx1"/>
+                </a:solidFill>
+                <a:effectLst/>
+                <a:latin typeface="+mn-lt"/>
+                <a:ea typeface="+mn-ea"/>
+                <a:cs typeface="+mn-cs"/>
+              </a:rPr>
+              <a:t>Allerdings dürfen Multimediadateien so normalerweise nicht miteinander verbunden werden!</a:t>
+            </a:r>
+          </a:p>
+          <a:p>
             <a:endParaRPr lang="de-DE" dirty="0"/>
           </a:p>
         </p:txBody>
@@ -10810,7 +10372,7 @@
     </p:spTree>
     <p:extLst>
       <p:ext uri="{BB962C8B-B14F-4D97-AF65-F5344CB8AC3E}">
-        <p14:creationId xmlns:p14="http://schemas.microsoft.com/office/powerpoint/2010/main" val="2297448144"/>
+        <p14:creationId xmlns:p14="http://schemas.microsoft.com/office/powerpoint/2010/main" val="4105319845"/>
       </p:ext>
     </p:extLst>
   </p:cSld>
@@ -11358,21 +10920,548 @@
           <a:lstStyle/>
           <a:p>
             <a:r>
-              <a:rPr lang="de-DE" dirty="0"/>
-              <a:t>Help ist nur für wenige Befehle verfügbar. Die Liste der Befehle kann mit „</a:t>
-            </a:r>
-            <a:r>
-              <a:rPr lang="de-DE" dirty="0" err="1"/>
-              <a:t>help</a:t>
-            </a:r>
-            <a:r>
-              <a:rPr lang="de-DE" dirty="0"/>
-              <a:t>“ (ohne Parameter)</a:t>
-            </a:r>
-            <a:r>
-              <a:rPr lang="de-DE" baseline="0" dirty="0"/>
-              <a:t> angezeigt werden.</a:t>
-            </a:r>
+              <a:rPr lang="de-DE" sz="1200" kern="1200" dirty="0">
+                <a:solidFill>
+                  <a:schemeClr val="tx1"/>
+                </a:solidFill>
+                <a:effectLst/>
+                <a:latin typeface="+mn-lt"/>
+                <a:ea typeface="+mn-ea"/>
+                <a:cs typeface="+mn-cs"/>
+              </a:rPr>
+              <a:t>Der Administrator heißt auf UNIX-Systemen eigentlich "</a:t>
+            </a:r>
+            <a:r>
+              <a:rPr lang="de-DE" sz="1200" kern="1200" dirty="0" err="1">
+                <a:solidFill>
+                  <a:schemeClr val="tx1"/>
+                </a:solidFill>
+                <a:effectLst/>
+                <a:latin typeface="+mn-lt"/>
+                <a:ea typeface="+mn-ea"/>
+                <a:cs typeface="+mn-cs"/>
+              </a:rPr>
+              <a:t>root</a:t>
+            </a:r>
+            <a:r>
+              <a:rPr lang="de-DE" sz="1200" kern="1200" dirty="0">
+                <a:solidFill>
+                  <a:schemeClr val="tx1"/>
+                </a:solidFill>
+                <a:effectLst/>
+                <a:latin typeface="+mn-lt"/>
+                <a:ea typeface="+mn-ea"/>
+                <a:cs typeface="+mn-cs"/>
+              </a:rPr>
+              <a:t>" (engl. Wurzel), wird aber von Programmen oft auch als Superuser bezeichnet. Wir könnten uns beim Login gleich als "</a:t>
+            </a:r>
+            <a:r>
+              <a:rPr lang="de-DE" sz="1200" kern="1200" dirty="0" err="1">
+                <a:solidFill>
+                  <a:schemeClr val="tx1"/>
+                </a:solidFill>
+                <a:effectLst/>
+                <a:latin typeface="+mn-lt"/>
+                <a:ea typeface="+mn-ea"/>
+                <a:cs typeface="+mn-cs"/>
+              </a:rPr>
+              <a:t>root</a:t>
+            </a:r>
+            <a:r>
+              <a:rPr lang="de-DE" sz="1200" kern="1200" dirty="0">
+                <a:solidFill>
+                  <a:schemeClr val="tx1"/>
+                </a:solidFill>
+                <a:effectLst/>
+                <a:latin typeface="+mn-lt"/>
+                <a:ea typeface="+mn-ea"/>
+                <a:cs typeface="+mn-cs"/>
+              </a:rPr>
+              <a:t>" anmelden. Das wird aber nicht empfohlen, denn der Superuser ist sehr mächtig und ganz leicht kann ein kleiner Fehler zur Zerstörung des gesamten Systems führen. Deshalb melden wir uns immer als einfacher Benutzer an und werden nur im Bedarfsfall zum User "</a:t>
+            </a:r>
+            <a:r>
+              <a:rPr lang="de-DE" sz="1200" kern="1200" dirty="0" err="1">
+                <a:solidFill>
+                  <a:schemeClr val="tx1"/>
+                </a:solidFill>
+                <a:effectLst/>
+                <a:latin typeface="+mn-lt"/>
+                <a:ea typeface="+mn-ea"/>
+                <a:cs typeface="+mn-cs"/>
+              </a:rPr>
+              <a:t>root</a:t>
+            </a:r>
+            <a:r>
+              <a:rPr lang="de-DE" sz="1200" kern="1200" dirty="0">
+                <a:solidFill>
+                  <a:schemeClr val="tx1"/>
+                </a:solidFill>
+                <a:effectLst/>
+                <a:latin typeface="+mn-lt"/>
+                <a:ea typeface="+mn-ea"/>
+                <a:cs typeface="+mn-cs"/>
+              </a:rPr>
+              <a:t>". Das Programm </a:t>
+            </a:r>
+            <a:r>
+              <a:rPr lang="de-DE" sz="1200" kern="1200" dirty="0" err="1">
+                <a:solidFill>
+                  <a:schemeClr val="tx1"/>
+                </a:solidFill>
+                <a:effectLst/>
+                <a:latin typeface="+mn-lt"/>
+                <a:ea typeface="+mn-ea"/>
+                <a:cs typeface="+mn-cs"/>
+              </a:rPr>
+              <a:t>su</a:t>
+            </a:r>
+            <a:r>
+              <a:rPr lang="de-DE" sz="1200" kern="1200" dirty="0">
+                <a:solidFill>
+                  <a:schemeClr val="tx1"/>
+                </a:solidFill>
+                <a:effectLst/>
+                <a:latin typeface="+mn-lt"/>
+                <a:ea typeface="+mn-ea"/>
+                <a:cs typeface="+mn-cs"/>
+              </a:rPr>
+              <a:t> (</a:t>
+            </a:r>
+            <a:r>
+              <a:rPr lang="de-DE" sz="1200" kern="1200" dirty="0" err="1">
+                <a:solidFill>
+                  <a:schemeClr val="tx1"/>
+                </a:solidFill>
+                <a:effectLst/>
+                <a:latin typeface="+mn-lt"/>
+                <a:ea typeface="+mn-ea"/>
+                <a:cs typeface="+mn-cs"/>
+              </a:rPr>
+              <a:t>switch</a:t>
+            </a:r>
+            <a:r>
+              <a:rPr lang="de-DE" sz="1200" kern="1200" dirty="0">
+                <a:solidFill>
+                  <a:schemeClr val="tx1"/>
+                </a:solidFill>
+                <a:effectLst/>
+                <a:latin typeface="+mn-lt"/>
+                <a:ea typeface="+mn-ea"/>
+                <a:cs typeface="+mn-cs"/>
+              </a:rPr>
+              <a:t> </a:t>
+            </a:r>
+            <a:r>
+              <a:rPr lang="de-DE" sz="1200" kern="1200" dirty="0" err="1">
+                <a:solidFill>
+                  <a:schemeClr val="tx1"/>
+                </a:solidFill>
+                <a:effectLst/>
+                <a:latin typeface="+mn-lt"/>
+                <a:ea typeface="+mn-ea"/>
+                <a:cs typeface="+mn-cs"/>
+              </a:rPr>
+              <a:t>user</a:t>
+            </a:r>
+            <a:r>
+              <a:rPr lang="de-DE" sz="1200" kern="1200" dirty="0">
+                <a:solidFill>
+                  <a:schemeClr val="tx1"/>
+                </a:solidFill>
+                <a:effectLst/>
+                <a:latin typeface="+mn-lt"/>
+                <a:ea typeface="+mn-ea"/>
+                <a:cs typeface="+mn-cs"/>
+              </a:rPr>
+              <a:t>) erlaubt uns, die Identität zu wechseln:</a:t>
+            </a:r>
+          </a:p>
+          <a:p>
+            <a:r>
+              <a:rPr lang="de-DE" sz="1200" kern="1200" dirty="0">
+                <a:solidFill>
+                  <a:schemeClr val="tx1"/>
+                </a:solidFill>
+                <a:effectLst/>
+                <a:latin typeface="+mn-lt"/>
+                <a:ea typeface="+mn-ea"/>
+                <a:cs typeface="+mn-cs"/>
+              </a:rPr>
+              <a:t> </a:t>
+            </a:r>
+          </a:p>
+          <a:p>
+            <a:r>
+              <a:rPr lang="de-DE" sz="1200" kern="1200" dirty="0" err="1">
+                <a:solidFill>
+                  <a:schemeClr val="tx1"/>
+                </a:solidFill>
+                <a:effectLst/>
+                <a:latin typeface="+mn-lt"/>
+                <a:ea typeface="+mn-ea"/>
+                <a:cs typeface="+mn-cs"/>
+              </a:rPr>
+              <a:t>su</a:t>
+            </a:r>
+            <a:r>
+              <a:rPr lang="de-DE" sz="1200" kern="1200" dirty="0">
+                <a:solidFill>
+                  <a:schemeClr val="tx1"/>
+                </a:solidFill>
+                <a:effectLst/>
+                <a:latin typeface="+mn-lt"/>
+                <a:ea typeface="+mn-ea"/>
+                <a:cs typeface="+mn-cs"/>
+              </a:rPr>
+              <a:t> (-) (</a:t>
+            </a:r>
+            <a:r>
+              <a:rPr lang="de-DE" sz="1200" kern="1200" dirty="0" err="1">
+                <a:solidFill>
+                  <a:schemeClr val="tx1"/>
+                </a:solidFill>
+                <a:effectLst/>
+                <a:latin typeface="+mn-lt"/>
+                <a:ea typeface="+mn-ea"/>
+                <a:cs typeface="+mn-cs"/>
+              </a:rPr>
+              <a:t>benutzername</a:t>
+            </a:r>
+            <a:r>
+              <a:rPr lang="de-DE" sz="1200" kern="1200" dirty="0">
+                <a:solidFill>
+                  <a:schemeClr val="tx1"/>
+                </a:solidFill>
+                <a:effectLst/>
+                <a:latin typeface="+mn-lt"/>
+                <a:ea typeface="+mn-ea"/>
+                <a:cs typeface="+mn-cs"/>
+              </a:rPr>
+              <a:t>)</a:t>
+            </a:r>
+          </a:p>
+          <a:p>
+            <a:r>
+              <a:rPr lang="de-DE" sz="1200" kern="1200" dirty="0">
+                <a:solidFill>
+                  <a:schemeClr val="tx1"/>
+                </a:solidFill>
+                <a:effectLst/>
+                <a:latin typeface="+mn-lt"/>
+                <a:ea typeface="+mn-ea"/>
+                <a:cs typeface="+mn-cs"/>
+              </a:rPr>
+              <a:t> </a:t>
+            </a:r>
+          </a:p>
+          <a:p>
+            <a:r>
+              <a:rPr lang="de-DE" sz="1200" kern="1200" dirty="0">
+                <a:solidFill>
+                  <a:schemeClr val="tx1"/>
+                </a:solidFill>
+                <a:effectLst/>
+                <a:latin typeface="+mn-lt"/>
+                <a:ea typeface="+mn-ea"/>
+                <a:cs typeface="+mn-cs"/>
+              </a:rPr>
+              <a:t>Ohne Benutzerangabe wird zu "</a:t>
+            </a:r>
+            <a:r>
+              <a:rPr lang="de-DE" sz="1200" kern="1200" dirty="0" err="1">
+                <a:solidFill>
+                  <a:schemeClr val="tx1"/>
+                </a:solidFill>
+                <a:effectLst/>
+                <a:latin typeface="+mn-lt"/>
+                <a:ea typeface="+mn-ea"/>
+                <a:cs typeface="+mn-cs"/>
+              </a:rPr>
+              <a:t>root</a:t>
+            </a:r>
+            <a:r>
+              <a:rPr lang="de-DE" sz="1200" kern="1200" dirty="0">
+                <a:solidFill>
+                  <a:schemeClr val="tx1"/>
+                </a:solidFill>
+                <a:effectLst/>
+                <a:latin typeface="+mn-lt"/>
+                <a:ea typeface="+mn-ea"/>
+                <a:cs typeface="+mn-cs"/>
+              </a:rPr>
+              <a:t>" gewechselt, was wahrscheinlich auch der häufigste Fall ist. Nach Absetzen des Befehls wird man zur Passworteingabe aufgefordert. Wir müssen das Administratorpasswort, welches wir bei der Installation vergeben haben, eingeben. Bei Ubuntu wird zunächst gar kein Passwort für "</a:t>
+            </a:r>
+            <a:r>
+              <a:rPr lang="de-DE" sz="1200" kern="1200" dirty="0" err="1">
+                <a:solidFill>
+                  <a:schemeClr val="tx1"/>
+                </a:solidFill>
+                <a:effectLst/>
+                <a:latin typeface="+mn-lt"/>
+                <a:ea typeface="+mn-ea"/>
+                <a:cs typeface="+mn-cs"/>
+              </a:rPr>
+              <a:t>root</a:t>
+            </a:r>
+            <a:r>
+              <a:rPr lang="de-DE" sz="1200" kern="1200" dirty="0">
+                <a:solidFill>
+                  <a:schemeClr val="tx1"/>
+                </a:solidFill>
+                <a:effectLst/>
+                <a:latin typeface="+mn-lt"/>
+                <a:ea typeface="+mn-ea"/>
+                <a:cs typeface="+mn-cs"/>
+              </a:rPr>
+              <a:t>" vergeben und das ist auch nicht vorgesehen. Ubuntu-User können diesen Absatz überspringen und bei </a:t>
+            </a:r>
+            <a:r>
+              <a:rPr lang="de-DE" sz="1200" kern="1200" dirty="0" err="1">
+                <a:solidFill>
+                  <a:schemeClr val="tx1"/>
+                </a:solidFill>
+                <a:effectLst/>
+                <a:latin typeface="+mn-lt"/>
+                <a:ea typeface="+mn-ea"/>
+                <a:cs typeface="+mn-cs"/>
+              </a:rPr>
+              <a:t>sudo</a:t>
+            </a:r>
+            <a:r>
+              <a:rPr lang="de-DE" sz="1200" kern="1200" dirty="0">
+                <a:solidFill>
+                  <a:schemeClr val="tx1"/>
+                </a:solidFill>
+                <a:effectLst/>
+                <a:latin typeface="+mn-lt"/>
+                <a:ea typeface="+mn-ea"/>
+                <a:cs typeface="+mn-cs"/>
+              </a:rPr>
+              <a:t> fortfahren:</a:t>
+            </a:r>
+          </a:p>
+          <a:p>
+            <a:r>
+              <a:rPr lang="de-DE" sz="1200" kern="1200" dirty="0" err="1">
+                <a:solidFill>
+                  <a:schemeClr val="tx1"/>
+                </a:solidFill>
+                <a:effectLst/>
+                <a:latin typeface="+mn-lt"/>
+                <a:ea typeface="+mn-ea"/>
+                <a:cs typeface="+mn-cs"/>
+              </a:rPr>
+              <a:t>su</a:t>
+            </a:r>
+            <a:r>
+              <a:rPr lang="de-DE" sz="1200" kern="1200" dirty="0">
+                <a:solidFill>
+                  <a:schemeClr val="tx1"/>
+                </a:solidFill>
+                <a:effectLst/>
+                <a:latin typeface="+mn-lt"/>
+                <a:ea typeface="+mn-ea"/>
+                <a:cs typeface="+mn-cs"/>
+              </a:rPr>
+              <a:t> -</a:t>
+            </a:r>
+          </a:p>
+          <a:p>
+            <a:r>
+              <a:rPr lang="de-DE" sz="1200" kern="1200" dirty="0">
+                <a:solidFill>
+                  <a:schemeClr val="tx1"/>
+                </a:solidFill>
+                <a:effectLst/>
+                <a:latin typeface="+mn-lt"/>
+                <a:ea typeface="+mn-ea"/>
+                <a:cs typeface="+mn-cs"/>
+              </a:rPr>
+              <a:t>Das - sorgt dafür, dass wir eine Login-Shell öffnen, während wir andernfalls nur an Ort und Stelle als "</a:t>
+            </a:r>
+            <a:r>
+              <a:rPr lang="de-DE" sz="1200" kern="1200" dirty="0" err="1">
+                <a:solidFill>
+                  <a:schemeClr val="tx1"/>
+                </a:solidFill>
+                <a:effectLst/>
+                <a:latin typeface="+mn-lt"/>
+                <a:ea typeface="+mn-ea"/>
+                <a:cs typeface="+mn-cs"/>
+              </a:rPr>
+              <a:t>root</a:t>
+            </a:r>
+            <a:r>
+              <a:rPr lang="de-DE" sz="1200" kern="1200" dirty="0">
+                <a:solidFill>
+                  <a:schemeClr val="tx1"/>
+                </a:solidFill>
+                <a:effectLst/>
+                <a:latin typeface="+mn-lt"/>
+                <a:ea typeface="+mn-ea"/>
+                <a:cs typeface="+mn-cs"/>
+              </a:rPr>
+              <a:t>" weiter arbeiten. Wir erkennen den Unterschied daran, dass wir uns mit </a:t>
+            </a:r>
+            <a:r>
+              <a:rPr lang="de-DE" sz="1200" kern="1200" dirty="0" err="1">
+                <a:solidFill>
+                  <a:schemeClr val="tx1"/>
+                </a:solidFill>
+                <a:effectLst/>
+                <a:latin typeface="+mn-lt"/>
+                <a:ea typeface="+mn-ea"/>
+                <a:cs typeface="+mn-cs"/>
+              </a:rPr>
+              <a:t>su</a:t>
+            </a:r>
+            <a:r>
+              <a:rPr lang="de-DE" sz="1200" kern="1200" dirty="0">
+                <a:solidFill>
+                  <a:schemeClr val="tx1"/>
+                </a:solidFill>
+                <a:effectLst/>
+                <a:latin typeface="+mn-lt"/>
+                <a:ea typeface="+mn-ea"/>
+                <a:cs typeface="+mn-cs"/>
+              </a:rPr>
+              <a:t> - im Home-Verzeichnis des "</a:t>
+            </a:r>
+            <a:r>
+              <a:rPr lang="de-DE" sz="1200" kern="1200" dirty="0" err="1">
+                <a:solidFill>
+                  <a:schemeClr val="tx1"/>
+                </a:solidFill>
+                <a:effectLst/>
+                <a:latin typeface="+mn-lt"/>
+                <a:ea typeface="+mn-ea"/>
+                <a:cs typeface="+mn-cs"/>
+              </a:rPr>
+              <a:t>root</a:t>
+            </a:r>
+            <a:r>
+              <a:rPr lang="de-DE" sz="1200" kern="1200" dirty="0">
+                <a:solidFill>
+                  <a:schemeClr val="tx1"/>
+                </a:solidFill>
+                <a:effectLst/>
+                <a:latin typeface="+mn-lt"/>
+                <a:ea typeface="+mn-ea"/>
+                <a:cs typeface="+mn-cs"/>
+              </a:rPr>
+              <a:t>"-Users, also /</a:t>
+            </a:r>
+            <a:r>
+              <a:rPr lang="de-DE" sz="1200" kern="1200" dirty="0" err="1">
+                <a:solidFill>
+                  <a:schemeClr val="tx1"/>
+                </a:solidFill>
+                <a:effectLst/>
+                <a:latin typeface="+mn-lt"/>
+                <a:ea typeface="+mn-ea"/>
+                <a:cs typeface="+mn-cs"/>
+              </a:rPr>
+              <a:t>root</a:t>
+            </a:r>
+            <a:r>
+              <a:rPr lang="de-DE" sz="1200" kern="1200" dirty="0">
+                <a:solidFill>
+                  <a:schemeClr val="tx1"/>
+                </a:solidFill>
+                <a:effectLst/>
+                <a:latin typeface="+mn-lt"/>
+                <a:ea typeface="+mn-ea"/>
+                <a:cs typeface="+mn-cs"/>
+              </a:rPr>
+              <a:t> und nicht mehr im zuletzt aktiven Verzeichnis wiederfinden. </a:t>
+            </a:r>
+          </a:p>
+          <a:p>
+            <a:r>
+              <a:rPr lang="de-DE" sz="1200" kern="1200" dirty="0">
+                <a:solidFill>
+                  <a:schemeClr val="tx1"/>
+                </a:solidFill>
+                <a:effectLst/>
+                <a:latin typeface="+mn-lt"/>
+                <a:ea typeface="+mn-ea"/>
+                <a:cs typeface="+mn-cs"/>
+              </a:rPr>
+              <a:t>Wollen wir die Administratorrolle wieder ablegen, beenden wir die "</a:t>
+            </a:r>
+            <a:r>
+              <a:rPr lang="de-DE" sz="1200" kern="1200" dirty="0" err="1">
+                <a:solidFill>
+                  <a:schemeClr val="tx1"/>
+                </a:solidFill>
+                <a:effectLst/>
+                <a:latin typeface="+mn-lt"/>
+                <a:ea typeface="+mn-ea"/>
+                <a:cs typeface="+mn-cs"/>
+              </a:rPr>
+              <a:t>root</a:t>
+            </a:r>
+            <a:r>
+              <a:rPr lang="de-DE" sz="1200" kern="1200" dirty="0">
+                <a:solidFill>
+                  <a:schemeClr val="tx1"/>
+                </a:solidFill>
+                <a:effectLst/>
+                <a:latin typeface="+mn-lt"/>
+                <a:ea typeface="+mn-ea"/>
+                <a:cs typeface="+mn-cs"/>
+              </a:rPr>
+              <a:t>"-Shell (wie übrigens jede Shell) mit </a:t>
+            </a:r>
+            <a:r>
+              <a:rPr lang="de-DE" sz="1200" kern="1200" dirty="0" err="1">
+                <a:solidFill>
+                  <a:schemeClr val="tx1"/>
+                </a:solidFill>
+                <a:effectLst/>
+                <a:latin typeface="+mn-lt"/>
+                <a:ea typeface="+mn-ea"/>
+                <a:cs typeface="+mn-cs"/>
+              </a:rPr>
+              <a:t>exit</a:t>
+            </a:r>
+            <a:r>
+              <a:rPr lang="de-DE" sz="1200" kern="1200" dirty="0">
+                <a:solidFill>
+                  <a:schemeClr val="tx1"/>
+                </a:solidFill>
+                <a:effectLst/>
+                <a:latin typeface="+mn-lt"/>
+                <a:ea typeface="+mn-ea"/>
+                <a:cs typeface="+mn-cs"/>
+              </a:rPr>
+              <a:t>:</a:t>
+            </a:r>
+          </a:p>
+          <a:p>
+            <a:r>
+              <a:rPr lang="de-DE" sz="1200" kern="1200" dirty="0" err="1">
+                <a:solidFill>
+                  <a:schemeClr val="tx1"/>
+                </a:solidFill>
+                <a:effectLst/>
+                <a:latin typeface="+mn-lt"/>
+                <a:ea typeface="+mn-ea"/>
+                <a:cs typeface="+mn-cs"/>
+              </a:rPr>
+              <a:t>exit</a:t>
+            </a:r>
+            <a:endParaRPr lang="de-DE" sz="1200" kern="1200" dirty="0">
+              <a:solidFill>
+                <a:schemeClr val="tx1"/>
+              </a:solidFill>
+              <a:effectLst/>
+              <a:latin typeface="+mn-lt"/>
+              <a:ea typeface="+mn-ea"/>
+              <a:cs typeface="+mn-cs"/>
+            </a:endParaRPr>
+          </a:p>
+          <a:p>
             <a:endParaRPr lang="de-DE" dirty="0"/>
           </a:p>
         </p:txBody>
@@ -11396,6 +11485,112 @@
               <a:rPr lang="de-DE" smtClean="0"/>
               <a:pPr/>
               <a:t>31</a:t>
+            </a:fld>
+            <a:endParaRPr lang="de-DE"/>
+          </a:p>
+        </p:txBody>
+      </p:sp>
+    </p:spTree>
+    <p:extLst>
+      <p:ext uri="{BB962C8B-B14F-4D97-AF65-F5344CB8AC3E}">
+        <p14:creationId xmlns:p14="http://schemas.microsoft.com/office/powerpoint/2010/main" val="2297448144"/>
+      </p:ext>
+    </p:extLst>
+  </p:cSld>
+  <p:clrMapOvr>
+    <a:masterClrMapping/>
+  </p:clrMapOvr>
+</p:notes>
+</file>
+
+<file path=ppt/notesSlides/notesSlide26.xml><?xml version="1.0" encoding="utf-8"?>
+<p:notes xmlns:a="http://schemas.openxmlformats.org/drawingml/2006/main" xmlns:r="http://schemas.openxmlformats.org/officeDocument/2006/relationships" xmlns:p="http://schemas.openxmlformats.org/presentationml/2006/main">
+  <p:cSld>
+    <p:spTree>
+      <p:nvGrpSpPr>
+        <p:cNvPr id="1" name=""/>
+        <p:cNvGrpSpPr/>
+        <p:nvPr/>
+      </p:nvGrpSpPr>
+      <p:grpSpPr>
+        <a:xfrm>
+          <a:off x="0" y="0"/>
+          <a:ext cx="0" cy="0"/>
+          <a:chOff x="0" y="0"/>
+          <a:chExt cx="0" cy="0"/>
+        </a:xfrm>
+      </p:grpSpPr>
+      <p:sp>
+        <p:nvSpPr>
+          <p:cNvPr id="2" name="Folienbildplatzhalter 1"/>
+          <p:cNvSpPr>
+            <a:spLocks noGrp="1" noRot="1" noChangeAspect="1"/>
+          </p:cNvSpPr>
+          <p:nvPr>
+            <p:ph type="sldImg"/>
+          </p:nvPr>
+        </p:nvSpPr>
+        <p:spPr>
+          <a:xfrm>
+            <a:off x="685800" y="1143000"/>
+            <a:ext cx="4270375" cy="2401888"/>
+          </a:xfrm>
+        </p:spPr>
+      </p:sp>
+      <p:sp>
+        <p:nvSpPr>
+          <p:cNvPr id="3" name="Notizenplatzhalter 2"/>
+          <p:cNvSpPr>
+            <a:spLocks noGrp="1"/>
+          </p:cNvSpPr>
+          <p:nvPr>
+            <p:ph type="body" idx="1"/>
+          </p:nvPr>
+        </p:nvSpPr>
+        <p:spPr/>
+        <p:txBody>
+          <a:bodyPr/>
+          <a:lstStyle/>
+          <a:p>
+            <a:r>
+              <a:rPr lang="de-DE" dirty="0"/>
+              <a:t>Help ist nur für wenige Befehle verfügbar. Die Liste der Befehle kann mit „</a:t>
+            </a:r>
+            <a:r>
+              <a:rPr lang="de-DE" dirty="0" err="1"/>
+              <a:t>help</a:t>
+            </a:r>
+            <a:r>
+              <a:rPr lang="de-DE" dirty="0"/>
+              <a:t>“ (ohne Parameter)</a:t>
+            </a:r>
+            <a:r>
+              <a:rPr lang="de-DE" baseline="0" dirty="0"/>
+              <a:t> angezeigt werden.</a:t>
+            </a:r>
+            <a:endParaRPr lang="de-DE" dirty="0"/>
+          </a:p>
+        </p:txBody>
+      </p:sp>
+      <p:sp>
+        <p:nvSpPr>
+          <p:cNvPr id="4" name="Foliennummernplatzhalter 3"/>
+          <p:cNvSpPr>
+            <a:spLocks noGrp="1"/>
+          </p:cNvSpPr>
+          <p:nvPr>
+            <p:ph type="sldNum" sz="quarter" idx="10"/>
+          </p:nvPr>
+        </p:nvSpPr>
+        <p:spPr/>
+        <p:txBody>
+          <a:bodyPr/>
+          <a:lstStyle/>
+          <a:p>
+            <a:fld id="{927DBD90-B360-417B-B4B3-F05A4AFC1996}" type="slidenum">
+              <a:rPr lang="de-DE" smtClean="0"/>
+              <a:pPr/>
+              <a:t>32</a:t>
             </a:fld>
             <a:endParaRPr lang="de-DE"/>
           </a:p>
@@ -11414,7 +11609,7 @@
 </p:notes>
 </file>
 
-<file path=ppt/notesSlides/notesSlide26.xml><?xml version="1.0" encoding="utf-8"?>
+<file path=ppt/notesSlides/notesSlide27.xml><?xml version="1.0" encoding="utf-8"?>
 <p:notes xmlns:a="http://schemas.openxmlformats.org/drawingml/2006/main" xmlns:r="http://schemas.openxmlformats.org/officeDocument/2006/relationships" xmlns:p="http://schemas.openxmlformats.org/presentationml/2006/main">
   <p:cSld>
     <p:spTree>
@@ -14927,7 +15122,7 @@
           <a:p>
             <a:fld id="{366C6F3F-2459-4D70-9926-FB42BF728FA6}" type="datetime1">
               <a:rPr lang="de-DE" smtClean="0"/>
-              <a:t>19.02.2020</a:t>
+              <a:t>20.02.2020</a:t>
             </a:fld>
             <a:endParaRPr lang="de-DE"/>
           </a:p>
@@ -15051,7 +15246,7 @@
           <a:p>
             <a:fld id="{8EB94C85-1664-4A48-98AC-8DF753D25A29}" type="datetime1">
               <a:rPr lang="de-DE" smtClean="0"/>
-              <a:t>19.02.2020</a:t>
+              <a:t>20.02.2020</a:t>
             </a:fld>
             <a:endParaRPr lang="de-DE"/>
           </a:p>
@@ -15184,7 +15379,7 @@
           <a:p>
             <a:fld id="{691FC979-3F94-4691-BC89-32D13FC7EBCE}" type="datetime1">
               <a:rPr lang="de-DE" smtClean="0"/>
-              <a:t>19.02.2020</a:t>
+              <a:t>20.02.2020</a:t>
             </a:fld>
             <a:endParaRPr lang="de-DE"/>
           </a:p>
@@ -15552,7 +15747,7 @@
           <a:p>
             <a:fld id="{CBC55DA8-7BFB-46FD-BBA5-A6DF63369D11}" type="datetime1">
               <a:rPr lang="de-DE" smtClean="0"/>
-              <a:t>19.02.2020</a:t>
+              <a:t>20.02.2020</a:t>
             </a:fld>
             <a:endParaRPr lang="de-DE"/>
           </a:p>
@@ -15733,7 +15928,7 @@
           <a:p>
             <a:fld id="{08AC7274-303B-40A0-A9B4-04FCC19861B5}" type="datetime1">
               <a:rPr lang="de-DE" smtClean="0"/>
-              <a:t>19.02.2020</a:t>
+              <a:t>20.02.2020</a:t>
             </a:fld>
             <a:endParaRPr lang="de-DE"/>
           </a:p>
@@ -15853,7 +16048,7 @@
           <a:p>
             <a:fld id="{04273802-5659-48BC-9FAF-5DEA6D19D2B7}" type="datetime1">
               <a:rPr lang="de-DE" smtClean="0"/>
-              <a:t>19.02.2020</a:t>
+              <a:t>20.02.2020</a:t>
             </a:fld>
             <a:endParaRPr lang="de-DE"/>
           </a:p>
@@ -15951,7 +16146,7 @@
           <a:p>
             <a:fld id="{A879DCBB-93B0-44A3-BD1F-0C3535CA8699}" type="datetime1">
               <a:rPr lang="de-DE" smtClean="0"/>
-              <a:t>19.02.2020</a:t>
+              <a:t>20.02.2020</a:t>
             </a:fld>
             <a:endParaRPr lang="de-DE"/>
           </a:p>
@@ -16075,7 +16270,7 @@
           <a:p>
             <a:fld id="{D6ACE559-FDBB-41B1-8D4B-DC9AA86538CE}" type="datetime1">
               <a:rPr lang="de-DE" smtClean="0"/>
-              <a:t>19.02.2020</a:t>
+              <a:t>20.02.2020</a:t>
             </a:fld>
             <a:endParaRPr lang="de-DE"/>
           </a:p>
@@ -16223,7 +16418,7 @@
           <a:p>
             <a:fld id="{A17D5A13-5CB3-48F6-94E4-1D24B0CCAADA}" type="datetime1">
               <a:rPr lang="de-DE" smtClean="0"/>
-              <a:t>19.02.2020</a:t>
+              <a:t>20.02.2020</a:t>
             </a:fld>
             <a:endParaRPr lang="de-DE"/>
           </a:p>
@@ -16422,7 +16617,7 @@
           <a:p>
             <a:fld id="{7FDE578D-883C-4F1A-917B-4C2253C6F4AE}" type="datetime1">
               <a:rPr lang="de-DE" smtClean="0"/>
-              <a:t>19.02.2020</a:t>
+              <a:t>20.02.2020</a:t>
             </a:fld>
             <a:endParaRPr lang="de-DE"/>
           </a:p>
@@ -16621,7 +16816,7 @@
           <a:p>
             <a:fld id="{37592AC1-A45D-4C86-A646-7D7AA3CA8F0F}" type="datetime1">
               <a:rPr lang="de-DE" smtClean="0"/>
-              <a:t>19.02.2020</a:t>
+              <a:t>20.02.2020</a:t>
             </a:fld>
             <a:endParaRPr lang="de-DE"/>
           </a:p>
@@ -17036,7 +17231,7 @@
           <a:p>
             <a:fld id="{6EF8A41A-F013-46F9-A1B7-9C788DB16844}" type="datetime1">
               <a:rPr lang="de-DE" smtClean="0"/>
-              <a:t>19.02.2020</a:t>
+              <a:t>20.02.2020</a:t>
             </a:fld>
             <a:endParaRPr lang="de-DE" dirty="0"/>
           </a:p>
@@ -17611,7 +17806,7 @@
           <a:p>
             <a:fld id="{F6A23D30-8385-4740-BFA9-93717CB1115D}" type="datetime1">
               <a:rPr lang="de-DE" smtClean="0"/>
-              <a:t>19.02.2020</a:t>
+              <a:t>20.02.2020</a:t>
             </a:fld>
             <a:endParaRPr lang="de-DE" dirty="0"/>
           </a:p>
@@ -18247,7 +18442,7 @@
           <a:p>
             <a:fld id="{DEAE0D00-77B9-479C-AA25-1CC77788EEA5}" type="datetime1">
               <a:rPr lang="de-DE" smtClean="0"/>
-              <a:t>19.02.2020</a:t>
+              <a:t>20.02.2020</a:t>
             </a:fld>
             <a:endParaRPr lang="de-DE"/>
           </a:p>
@@ -18345,7 +18540,7 @@
           <a:p>
             <a:fld id="{691FC979-3F94-4691-BC89-32D13FC7EBCE}" type="datetime1">
               <a:rPr lang="de-DE" smtClean="0"/>
-              <a:t>19.02.2020</a:t>
+              <a:t>20.02.2020</a:t>
             </a:fld>
             <a:endParaRPr lang="de-DE"/>
           </a:p>
@@ -18572,7 +18767,7 @@
           <a:p>
             <a:fld id="{691FC979-3F94-4691-BC89-32D13FC7EBCE}" type="datetime1">
               <a:rPr lang="de-DE" smtClean="0"/>
-              <a:t>19.02.2020</a:t>
+              <a:t>20.02.2020</a:t>
             </a:fld>
             <a:endParaRPr lang="de-DE"/>
           </a:p>
@@ -18762,7 +18957,7 @@
           <a:p>
             <a:fld id="{691FC979-3F94-4691-BC89-32D13FC7EBCE}" type="datetime1">
               <a:rPr lang="de-DE" smtClean="0"/>
-              <a:t>19.02.2020</a:t>
+              <a:t>20.02.2020</a:t>
             </a:fld>
             <a:endParaRPr lang="de-DE"/>
           </a:p>
@@ -18950,7 +19145,7 @@
           <a:p>
             <a:fld id="{691FC979-3F94-4691-BC89-32D13FC7EBCE}" type="datetime1">
               <a:rPr lang="de-DE" smtClean="0"/>
-              <a:t>19.02.2020</a:t>
+              <a:t>20.02.2020</a:t>
             </a:fld>
             <a:endParaRPr lang="de-DE"/>
           </a:p>
@@ -19292,7 +19487,7 @@
           <a:p>
             <a:fld id="{691FC979-3F94-4691-BC89-32D13FC7EBCE}" type="datetime1">
               <a:rPr lang="de-DE" smtClean="0"/>
-              <a:t>19.02.2020</a:t>
+              <a:t>20.02.2020</a:t>
             </a:fld>
             <a:endParaRPr lang="de-DE"/>
           </a:p>
@@ -19570,7 +19765,7 @@
           <a:p>
             <a:fld id="{691FC979-3F94-4691-BC89-32D13FC7EBCE}" type="datetime1">
               <a:rPr lang="de-DE" smtClean="0"/>
-              <a:t>19.02.2020</a:t>
+              <a:t>20.02.2020</a:t>
             </a:fld>
             <a:endParaRPr lang="de-DE"/>
           </a:p>
@@ -19687,7 +19882,7 @@
         <p:spPr/>
         <p:txBody>
           <a:bodyPr>
-            <a:normAutofit lnSpcReduction="10000"/>
+            <a:normAutofit fontScale="92500" lnSpcReduction="20000"/>
           </a:bodyPr>
           <a:lstStyle/>
           <a:p>
@@ -19720,7 +19915,7 @@
                 </a:solidFill>
                 <a:latin typeface="Consolas" panose="020B0609020204030204" pitchFamily="49" charset="0"/>
               </a:rPr>
-              <a:t>&lt;Rechte&gt; &lt;Name&gt;</a:t>
+              <a:t>&lt;Rechte&gt; &lt;Dateiname&gt;</a:t>
             </a:r>
           </a:p>
           <a:p>
@@ -19803,6 +19998,10 @@
           </a:p>
           <a:p>
             <a:pPr lvl="1"/>
+            <a:endParaRPr lang="de-DE" dirty="0"/>
+          </a:p>
+          <a:p>
+            <a:pPr lvl="1"/>
             <a:r>
               <a:rPr lang="de-DE" dirty="0">
                 <a:solidFill>
@@ -19835,6 +20034,15 @@
           </a:p>
           <a:p>
             <a:pPr lvl="1"/>
+            <a:endParaRPr lang="de-DE" dirty="0">
+              <a:solidFill>
+                <a:srgbClr val="00B050"/>
+              </a:solidFill>
+              <a:latin typeface="Consolas" panose="020B0609020204030204" pitchFamily="49" charset="0"/>
+            </a:endParaRPr>
+          </a:p>
+          <a:p>
+            <a:pPr lvl="1"/>
             <a:r>
               <a:rPr lang="de-DE" dirty="0">
                 <a:solidFill>
@@ -19900,7 +20108,7 @@
           <a:p>
             <a:fld id="{CBC55DA8-7BFB-46FD-BBA5-A6DF63369D11}" type="datetime1">
               <a:rPr lang="de-DE" smtClean="0"/>
-              <a:t>19.02.2020</a:t>
+              <a:t>20.02.2020</a:t>
             </a:fld>
             <a:endParaRPr lang="de-DE"/>
           </a:p>
@@ -20049,7 +20257,7 @@
                 </a:solidFill>
                 <a:latin typeface="Consolas" panose="020B0609020204030204" pitchFamily="49" charset="0"/>
               </a:rPr>
-              <a:t>&lt;Rechte&gt; &lt;Name&gt;</a:t>
+              <a:t>&lt;Rechte&gt; &lt;Dateiname&gt;</a:t>
             </a:r>
           </a:p>
           <a:p>
@@ -20217,7 +20425,7 @@
           <a:p>
             <a:fld id="{CBC55DA8-7BFB-46FD-BBA5-A6DF63369D11}" type="datetime1">
               <a:rPr lang="de-DE" smtClean="0"/>
-              <a:t>19.02.2020</a:t>
+              <a:t>20.02.2020</a:t>
             </a:fld>
             <a:endParaRPr lang="de-DE"/>
           </a:p>
@@ -20315,7 +20523,7 @@
           <a:p>
             <a:fld id="{CBC55DA8-7BFB-46FD-BBA5-A6DF63369D11}" type="datetime1">
               <a:rPr lang="de-DE" smtClean="0"/>
-              <a:t>19.02.2020</a:t>
+              <a:t>20.02.2020</a:t>
             </a:fld>
             <a:endParaRPr lang="de-DE"/>
           </a:p>
@@ -20793,7 +21001,7 @@
           <a:p>
             <a:r>
               <a:rPr lang="de-DE" dirty="0"/>
-              <a:t>Benutzer auflisten: </a:t>
+              <a:t>Angemeldete Benutzer auflisten: </a:t>
             </a:r>
             <a:r>
               <a:rPr lang="de-DE" sz="2400" dirty="0" err="1">
@@ -21065,7 +21273,7 @@
           <a:p>
             <a:fld id="{691FC979-3F94-4691-BC89-32D13FC7EBCE}" type="datetime1">
               <a:rPr lang="de-DE" smtClean="0"/>
-              <a:t>19.02.2020</a:t>
+              <a:t>20.02.2020</a:t>
             </a:fld>
             <a:endParaRPr lang="de-DE"/>
           </a:p>
@@ -21252,7 +21460,7 @@
           <a:p>
             <a:fld id="{7CAB622F-8E15-4AA7-B23D-2D3C823960FD}" type="datetime1">
               <a:rPr lang="de-DE" smtClean="0"/>
-              <a:t>19.02.2020</a:t>
+              <a:t>20.02.2020</a:t>
             </a:fld>
             <a:endParaRPr lang="de-DE"/>
           </a:p>
@@ -21350,7 +21558,7 @@
           <a:p>
             <a:fld id="{08AC7274-303B-40A0-A9B4-04FCC19861B5}" type="datetime1">
               <a:rPr lang="de-DE" smtClean="0"/>
-              <a:t>19.02.2020</a:t>
+              <a:t>20.02.2020</a:t>
             </a:fld>
             <a:endParaRPr lang="de-DE"/>
           </a:p>
@@ -21678,7 +21886,7 @@
 </file>
 
 <file path=ppt/slides/slide21.xml><?xml version="1.0" encoding="utf-8"?>
-<p:sld xmlns:a="http://schemas.openxmlformats.org/drawingml/2006/main" xmlns:r="http://schemas.openxmlformats.org/officeDocument/2006/relationships" xmlns:p="http://schemas.openxmlformats.org/presentationml/2006/main">
+<p:sld xmlns:a="http://schemas.openxmlformats.org/drawingml/2006/main" xmlns:r="http://schemas.openxmlformats.org/officeDocument/2006/relationships" xmlns:p="http://schemas.openxmlformats.org/presentationml/2006/main" show="0">
   <p:cSld>
     <p:spTree>
       <p:nvGrpSpPr>
@@ -21711,7 +21919,7 @@
           <a:p>
             <a:fld id="{691FC979-3F94-4691-BC89-32D13FC7EBCE}" type="datetime1">
               <a:rPr lang="de-DE" smtClean="0"/>
-              <a:t>19.02.2020</a:t>
+              <a:t>20.02.2020</a:t>
             </a:fld>
             <a:endParaRPr lang="de-DE"/>
           </a:p>
@@ -21983,7 +22191,7 @@
 </file>
 
 <file path=ppt/slides/slide22.xml><?xml version="1.0" encoding="utf-8"?>
-<p:sld xmlns:a="http://schemas.openxmlformats.org/drawingml/2006/main" xmlns:r="http://schemas.openxmlformats.org/officeDocument/2006/relationships" xmlns:p="http://schemas.openxmlformats.org/presentationml/2006/main">
+<p:sld xmlns:a="http://schemas.openxmlformats.org/drawingml/2006/main" xmlns:r="http://schemas.openxmlformats.org/officeDocument/2006/relationships" xmlns:p="http://schemas.openxmlformats.org/presentationml/2006/main" show="0">
   <p:cSld>
     <p:spTree>
       <p:nvGrpSpPr>
@@ -22152,7 +22360,7 @@
           <a:p>
             <a:fld id="{691FC979-3F94-4691-BC89-32D13FC7EBCE}" type="datetime1">
               <a:rPr lang="de-DE" smtClean="0"/>
-              <a:t>19.02.2020</a:t>
+              <a:t>20.02.2020</a:t>
             </a:fld>
             <a:endParaRPr lang="de-DE"/>
           </a:p>
@@ -22276,7 +22484,7 @@
 </file>
 
 <file path=ppt/slides/slide23.xml><?xml version="1.0" encoding="utf-8"?>
-<p:sld xmlns:a="http://schemas.openxmlformats.org/drawingml/2006/main" xmlns:r="http://schemas.openxmlformats.org/officeDocument/2006/relationships" xmlns:p="http://schemas.openxmlformats.org/presentationml/2006/main">
+<p:sld xmlns:a="http://schemas.openxmlformats.org/drawingml/2006/main" xmlns:r="http://schemas.openxmlformats.org/officeDocument/2006/relationships" xmlns:p="http://schemas.openxmlformats.org/presentationml/2006/main" show="0">
   <p:cSld>
     <p:spTree>
       <p:nvGrpSpPr>
@@ -22309,7 +22517,7 @@
           <a:p>
             <a:fld id="{08AC7274-303B-40A0-A9B4-04FCC19861B5}" type="datetime1">
               <a:rPr lang="de-DE" smtClean="0"/>
-              <a:t>19.02.2020</a:t>
+              <a:t>20.02.2020</a:t>
             </a:fld>
             <a:endParaRPr lang="de-DE"/>
           </a:p>
@@ -22556,7 +22764,7 @@
 </file>
 
 <file path=ppt/slides/slide24.xml><?xml version="1.0" encoding="utf-8"?>
-<p:sld xmlns:a="http://schemas.openxmlformats.org/drawingml/2006/main" xmlns:r="http://schemas.openxmlformats.org/officeDocument/2006/relationships" xmlns:p="http://schemas.openxmlformats.org/presentationml/2006/main">
+<p:sld xmlns:a="http://schemas.openxmlformats.org/drawingml/2006/main" xmlns:r="http://schemas.openxmlformats.org/officeDocument/2006/relationships" xmlns:p="http://schemas.openxmlformats.org/presentationml/2006/main" show="0">
   <p:cSld>
     <p:spTree>
       <p:nvGrpSpPr>
@@ -22589,7 +22797,7 @@
           <a:p>
             <a:fld id="{691FC979-3F94-4691-BC89-32D13FC7EBCE}" type="datetime1">
               <a:rPr lang="de-DE" smtClean="0"/>
-              <a:t>19.02.2020</a:t>
+              <a:t>20.02.2020</a:t>
             </a:fld>
             <a:endParaRPr lang="de-DE"/>
           </a:p>
@@ -22923,7 +23131,7 @@
 </file>
 
 <file path=ppt/slides/slide25.xml><?xml version="1.0" encoding="utf-8"?>
-<p:sld xmlns:a="http://schemas.openxmlformats.org/drawingml/2006/main" xmlns:r="http://schemas.openxmlformats.org/officeDocument/2006/relationships" xmlns:p="http://schemas.openxmlformats.org/presentationml/2006/main">
+<p:sld xmlns:a="http://schemas.openxmlformats.org/drawingml/2006/main" xmlns:r="http://schemas.openxmlformats.org/officeDocument/2006/relationships" xmlns:p="http://schemas.openxmlformats.org/presentationml/2006/main" show="0">
   <p:cSld>
     <p:spTree>
       <p:nvGrpSpPr>
@@ -22956,7 +23164,7 @@
           <a:p>
             <a:fld id="{691FC979-3F94-4691-BC89-32D13FC7EBCE}" type="datetime1">
               <a:rPr lang="de-DE" smtClean="0"/>
-              <a:t>19.02.2020</a:t>
+              <a:t>20.02.2020</a:t>
             </a:fld>
             <a:endParaRPr lang="de-DE"/>
           </a:p>
@@ -23025,6 +23233,22 @@
           <a:p>
             <a:r>
               <a:rPr lang="de-DE" dirty="0"/>
+              <a:t>Alle ausgeben: </a:t>
+            </a:r>
+            <a:r>
+              <a:rPr lang="de-DE" sz="2400" dirty="0" err="1">
+                <a:solidFill>
+                  <a:srgbClr val="00B050"/>
+                </a:solidFill>
+                <a:latin typeface="Consolas" panose="020B0609020204030204" pitchFamily="49" charset="0"/>
+              </a:rPr>
+              <a:t>printenv</a:t>
+            </a:r>
+            <a:endParaRPr lang="de-DE" dirty="0"/>
+          </a:p>
+          <a:p>
+            <a:r>
+              <a:rPr lang="de-DE" dirty="0"/>
               <a:t>Vordefinierte Variablen</a:t>
             </a:r>
           </a:p>
@@ -23087,27 +23311,6 @@
               </a:rPr>
               <a:t>$RANDOM</a:t>
             </a:r>
-          </a:p>
-          <a:p>
-            <a:r>
-              <a:rPr lang="de-DE" dirty="0"/>
-              <a:t>Alle ausgeben: </a:t>
-            </a:r>
-            <a:r>
-              <a:rPr lang="de-DE" sz="2400" dirty="0" err="1">
-                <a:solidFill>
-                  <a:srgbClr val="00B050"/>
-                </a:solidFill>
-                <a:latin typeface="Consolas" panose="020B0609020204030204" pitchFamily="49" charset="0"/>
-              </a:rPr>
-              <a:t>printenv</a:t>
-            </a:r>
-            <a:endParaRPr lang="de-DE" sz="2400" dirty="0">
-              <a:solidFill>
-                <a:srgbClr val="00B050"/>
-              </a:solidFill>
-              <a:latin typeface="Consolas" panose="020B0609020204030204" pitchFamily="49" charset="0"/>
-            </a:endParaRPr>
           </a:p>
         </p:txBody>
       </p:sp>
@@ -23180,7 +23383,7 @@
           <a:p>
             <a:fld id="{691FC979-3F94-4691-BC89-32D13FC7EBCE}" type="datetime1">
               <a:rPr lang="de-DE" smtClean="0"/>
-              <a:t>19.02.2020</a:t>
+              <a:t>20.02.2020</a:t>
             </a:fld>
             <a:endParaRPr lang="de-DE"/>
           </a:p>
@@ -23281,6 +23484,23 @@
               </a:rPr>
               <a:t>&lt;Datei&gt;</a:t>
             </a:r>
+            <a:br>
+              <a:rPr lang="de-DE" sz="2400" dirty="0">
+                <a:solidFill>
+                  <a:schemeClr val="accent6"/>
+                </a:solidFill>
+                <a:latin typeface="Consolas" panose="020B0609020204030204" pitchFamily="49" charset="0"/>
+              </a:rPr>
+            </a:br>
+            <a:r>
+              <a:rPr lang="de-DE" sz="2400" dirty="0">
+                <a:solidFill>
+                  <a:srgbClr val="00B050"/>
+                </a:solidFill>
+                <a:latin typeface="Consolas" panose="020B0609020204030204" pitchFamily="49" charset="0"/>
+              </a:rPr>
+              <a:t>echo Hallo &gt; test.txt</a:t>
+            </a:r>
           </a:p>
           <a:p>
             <a:r>
@@ -23317,78 +23537,29 @@
               </a:rPr>
               <a:t>&lt;Datei&gt;</a:t>
             </a:r>
-          </a:p>
-          <a:p>
-            <a:r>
-              <a:rPr lang="de-DE" dirty="0"/>
-              <a:t>Fehler in Datei speichern:</a:t>
-            </a:r>
             <a:br>
-              <a:rPr lang="de-DE" dirty="0"/>
+              <a:rPr lang="de-DE" sz="2400" dirty="0">
+                <a:solidFill>
+                  <a:schemeClr val="accent6"/>
+                </a:solidFill>
+                <a:latin typeface="Consolas" panose="020B0609020204030204" pitchFamily="49" charset="0"/>
+              </a:rPr>
             </a:br>
             <a:r>
               <a:rPr lang="de-DE" sz="2400" dirty="0">
                 <a:solidFill>
-                  <a:schemeClr val="accent6"/>
-                </a:solidFill>
-                <a:latin typeface="Consolas" panose="020B0609020204030204" pitchFamily="49" charset="0"/>
-              </a:rPr>
-              <a:t>&lt;Programm&gt;</a:t>
-            </a:r>
-            <a:r>
-              <a:rPr lang="de-DE" sz="2400" dirty="0">
-                <a:solidFill>
                   <a:srgbClr val="00B050"/>
                 </a:solidFill>
                 <a:latin typeface="Consolas" panose="020B0609020204030204" pitchFamily="49" charset="0"/>
               </a:rPr>
-              <a:t> 2&gt; </a:t>
-            </a:r>
-            <a:r>
-              <a:rPr lang="de-DE" sz="2400" dirty="0">
-                <a:solidFill>
-                  <a:schemeClr val="accent6"/>
-                </a:solidFill>
-                <a:latin typeface="Consolas" panose="020B0609020204030204" pitchFamily="49" charset="0"/>
-              </a:rPr>
-              <a:t>&lt;Datei&gt;</a:t>
-            </a:r>
-          </a:p>
-          <a:p>
-            <a:r>
-              <a:rPr lang="de-DE" dirty="0"/>
-              <a:t>Fehler an Datei anhängen:</a:t>
-            </a:r>
-            <a:br>
-              <a:rPr lang="de-DE" dirty="0"/>
-            </a:br>
-            <a:r>
-              <a:rPr lang="de-DE" sz="2400" dirty="0">
-                <a:solidFill>
-                  <a:schemeClr val="accent6"/>
-                </a:solidFill>
-                <a:latin typeface="Consolas" panose="020B0609020204030204" pitchFamily="49" charset="0"/>
-              </a:rPr>
-              <a:t>&lt;Programm&gt;</a:t>
-            </a:r>
-            <a:r>
-              <a:rPr lang="de-DE" sz="2400" dirty="0">
-                <a:solidFill>
-                  <a:srgbClr val="00B050"/>
-                </a:solidFill>
-                <a:latin typeface="Consolas" panose="020B0609020204030204" pitchFamily="49" charset="0"/>
-              </a:rPr>
-              <a:t> 2&gt;&gt; </a:t>
-            </a:r>
-            <a:r>
-              <a:rPr lang="de-DE" sz="2400" dirty="0">
-                <a:solidFill>
-                  <a:schemeClr val="accent6"/>
-                </a:solidFill>
-                <a:latin typeface="Consolas" panose="020B0609020204030204" pitchFamily="49" charset="0"/>
-              </a:rPr>
-              <a:t>&lt;Datei&gt;</a:t>
-            </a:r>
+              <a:t>echo Welt &gt;&gt; test.txt</a:t>
+            </a:r>
+            <a:endParaRPr lang="de-DE" sz="2400" dirty="0">
+              <a:solidFill>
+                <a:schemeClr val="accent6"/>
+              </a:solidFill>
+              <a:latin typeface="Consolas" panose="020B0609020204030204" pitchFamily="49" charset="0"/>
+            </a:endParaRPr>
           </a:p>
         </p:txBody>
       </p:sp>
@@ -23428,7 +23599,7 @@
 </file>
 
 <file path=ppt/slides/slide27.xml><?xml version="1.0" encoding="utf-8"?>
-<p:sld xmlns:a="http://schemas.openxmlformats.org/drawingml/2006/main" xmlns:r="http://schemas.openxmlformats.org/officeDocument/2006/relationships" xmlns:p="http://schemas.openxmlformats.org/presentationml/2006/main">
+<p:sld xmlns:a="http://schemas.openxmlformats.org/drawingml/2006/main" xmlns:r="http://schemas.openxmlformats.org/officeDocument/2006/relationships" xmlns:p="http://schemas.openxmlformats.org/presentationml/2006/main" show="0">
   <p:cSld>
     <p:spTree>
       <p:nvGrpSpPr>
@@ -23461,7 +23632,7 @@
           <a:p>
             <a:fld id="{691FC979-3F94-4691-BC89-32D13FC7EBCE}" type="datetime1">
               <a:rPr lang="de-DE" smtClean="0"/>
-              <a:t>19.02.2020</a:t>
+              <a:t>20.02.2020</a:t>
             </a:fld>
             <a:endParaRPr lang="de-DE"/>
           </a:p>
@@ -23515,7 +23686,7 @@
       </p:sp>
       <p:sp>
         <p:nvSpPr>
-          <p:cNvPr id="5" name="Inhaltsplatzhalter 4"/>
+          <p:cNvPr id="8" name="Inhaltsplatzhalter 7"/>
           <p:cNvSpPr>
             <a:spLocks noGrp="1"/>
           </p:cNvSpPr>
@@ -23530,7 +23701,7 @@
           <a:p>
             <a:r>
               <a:rPr lang="de-DE" dirty="0"/>
-              <a:t>Datei als Eingabe:</a:t>
+              <a:t>Fehler in Datei speichern:</a:t>
             </a:r>
             <a:br>
               <a:rPr lang="de-DE" dirty="0"/>
@@ -23551,7 +23722,7 @@
                 </a:solidFill>
                 <a:latin typeface="Consolas" panose="020B0609020204030204" pitchFamily="49" charset="0"/>
               </a:rPr>
-              <a:t> &lt; </a:t>
+              <a:t> 2&gt; </a:t>
             </a:r>
             <a:r>
               <a:rPr lang="de-DE" sz="2400" dirty="0">
@@ -23566,7 +23737,7 @@
           <a:p>
             <a:r>
               <a:rPr lang="de-DE" dirty="0"/>
-              <a:t>Ausgabe von 1 als Eingabe für 2 (Piping):</a:t>
+              <a:t>Fehler an Datei anhängen:</a:t>
             </a:r>
             <a:br>
               <a:rPr lang="de-DE" dirty="0"/>
@@ -23578,7 +23749,7 @@
                 </a:solidFill>
                 <a:latin typeface="Consolas" panose="020B0609020204030204" pitchFamily="49" charset="0"/>
               </a:rPr>
-              <a:t>&lt;Programm1&gt;</a:t>
+              <a:t>&lt;Programm&gt;</a:t>
             </a:r>
             <a:r>
               <a:rPr lang="de-DE" sz="2400" dirty="0">
@@ -23587,7 +23758,7 @@
                 </a:solidFill>
                 <a:latin typeface="Consolas" panose="020B0609020204030204" pitchFamily="49" charset="0"/>
               </a:rPr>
-              <a:t> | </a:t>
+              <a:t> 2&gt;&gt; </a:t>
             </a:r>
             <a:r>
               <a:rPr lang="de-DE" sz="2400" dirty="0">
@@ -23596,14 +23767,14 @@
                 </a:solidFill>
                 <a:latin typeface="Consolas" panose="020B0609020204030204" pitchFamily="49" charset="0"/>
               </a:rPr>
-              <a:t>&lt;Programm2&gt;</a:t>
-            </a:r>
-          </a:p>
-        </p:txBody>
-      </p:sp>
-      <p:sp>
-        <p:nvSpPr>
-          <p:cNvPr id="6" name="Titel 5"/>
+              <a:t>&lt;Datei&gt;</a:t>
+            </a:r>
+          </a:p>
+        </p:txBody>
+      </p:sp>
+      <p:sp>
+        <p:nvSpPr>
+          <p:cNvPr id="7" name="Titel 6"/>
           <p:cNvSpPr>
             <a:spLocks noGrp="1"/>
           </p:cNvSpPr>
@@ -23626,7 +23797,7 @@
     </p:spTree>
     <p:extLst>
       <p:ext uri="{BB962C8B-B14F-4D97-AF65-F5344CB8AC3E}">
-        <p14:creationId xmlns:p14="http://schemas.microsoft.com/office/powerpoint/2010/main" val="1335301251"/>
+        <p14:creationId xmlns:p14="http://schemas.microsoft.com/office/powerpoint/2010/main" val="1795232388"/>
       </p:ext>
     </p:extLst>
   </p:cSld>
@@ -23670,7 +23841,7 @@
           <a:p>
             <a:fld id="{691FC979-3F94-4691-BC89-32D13FC7EBCE}" type="datetime1">
               <a:rPr lang="de-DE" smtClean="0"/>
-              <a:t>19.02.2020</a:t>
+              <a:t>20.02.2020</a:t>
             </a:fld>
             <a:endParaRPr lang="de-DE"/>
           </a:p>
@@ -23724,7 +23895,7 @@
       </p:sp>
       <p:sp>
         <p:nvSpPr>
-          <p:cNvPr id="8" name="Inhaltsplatzhalter 7"/>
+          <p:cNvPr id="5" name="Inhaltsplatzhalter 4"/>
           <p:cNvSpPr>
             <a:spLocks noGrp="1"/>
           </p:cNvSpPr>
@@ -23739,8 +23910,46 @@
           <a:p>
             <a:r>
               <a:rPr lang="de-DE" dirty="0"/>
-              <a:t>Datei lesen und ausgeben: </a:t>
-            </a:r>
+              <a:t>Ausgabe von 1 als Eingabe für 2 (Piping):</a:t>
+            </a:r>
+            <a:br>
+              <a:rPr lang="de-DE" dirty="0"/>
+            </a:br>
+            <a:r>
+              <a:rPr lang="de-DE" sz="2400" dirty="0">
+                <a:solidFill>
+                  <a:schemeClr val="accent6"/>
+                </a:solidFill>
+                <a:latin typeface="Consolas" panose="020B0609020204030204" pitchFamily="49" charset="0"/>
+              </a:rPr>
+              <a:t>&lt;Programm1&gt;</a:t>
+            </a:r>
+            <a:r>
+              <a:rPr lang="de-DE" sz="2400" dirty="0">
+                <a:solidFill>
+                  <a:srgbClr val="00B050"/>
+                </a:solidFill>
+                <a:latin typeface="Consolas" panose="020B0609020204030204" pitchFamily="49" charset="0"/>
+              </a:rPr>
+              <a:t> | </a:t>
+            </a:r>
+            <a:r>
+              <a:rPr lang="de-DE" sz="2400" dirty="0">
+                <a:solidFill>
+                  <a:schemeClr val="accent6"/>
+                </a:solidFill>
+                <a:latin typeface="Consolas" panose="020B0609020204030204" pitchFamily="49" charset="0"/>
+              </a:rPr>
+              <a:t>&lt;Programm2&gt;</a:t>
+            </a:r>
+            <a:br>
+              <a:rPr lang="de-DE" sz="2400" dirty="0">
+                <a:solidFill>
+                  <a:schemeClr val="accent6"/>
+                </a:solidFill>
+                <a:latin typeface="Consolas" panose="020B0609020204030204" pitchFamily="49" charset="0"/>
+              </a:rPr>
+            </a:br>
             <a:r>
               <a:rPr lang="de-DE" sz="2400" dirty="0" err="1">
                 <a:solidFill>
@@ -23748,7 +23957,7 @@
                 </a:solidFill>
                 <a:latin typeface="Consolas" panose="020B0609020204030204" pitchFamily="49" charset="0"/>
               </a:rPr>
-              <a:t>cat</a:t>
+              <a:t>ls</a:t>
             </a:r>
             <a:r>
               <a:rPr lang="de-DE" sz="2400" dirty="0">
@@ -23757,158 +23966,83 @@
                 </a:solidFill>
                 <a:latin typeface="Consolas" panose="020B0609020204030204" pitchFamily="49" charset="0"/>
               </a:rPr>
+              <a:t> -l | </a:t>
+            </a:r>
+            <a:r>
+              <a:rPr lang="de-DE" sz="2400" dirty="0" err="1">
+                <a:solidFill>
+                  <a:srgbClr val="00B050"/>
+                </a:solidFill>
+                <a:latin typeface="Consolas" panose="020B0609020204030204" pitchFamily="49" charset="0"/>
+              </a:rPr>
+              <a:t>grep</a:t>
+            </a:r>
+            <a:r>
+              <a:rPr lang="de-DE" sz="2400" dirty="0">
+                <a:solidFill>
+                  <a:srgbClr val="00B050"/>
+                </a:solidFill>
+                <a:latin typeface="Consolas" panose="020B0609020204030204" pitchFamily="49" charset="0"/>
+              </a:rPr>
               <a:t> </a:t>
             </a:r>
             <a:r>
+              <a:rPr lang="de-DE" sz="2400" dirty="0" err="1">
+                <a:solidFill>
+                  <a:srgbClr val="00B050"/>
+                </a:solidFill>
+                <a:latin typeface="Consolas" panose="020B0609020204030204" pitchFamily="49" charset="0"/>
+              </a:rPr>
+              <a:t>test</a:t>
+            </a:r>
+            <a:endParaRPr lang="de-DE" sz="2400" dirty="0">
+              <a:solidFill>
+                <a:srgbClr val="00B050"/>
+              </a:solidFill>
+              <a:latin typeface="Consolas" panose="020B0609020204030204" pitchFamily="49" charset="0"/>
+            </a:endParaRPr>
+          </a:p>
+          <a:p>
+            <a:r>
+              <a:rPr lang="de-DE" sz="2400" dirty="0"/>
+              <a:t>Datei als Eingabe (anstatt Tastatureingabe):</a:t>
+            </a:r>
+            <a:br>
+              <a:rPr lang="de-DE" sz="2400" dirty="0"/>
+            </a:br>
+            <a:r>
               <a:rPr lang="de-DE" sz="2400" dirty="0">
                 <a:solidFill>
                   <a:schemeClr val="accent6"/>
                 </a:solidFill>
                 <a:latin typeface="Consolas" panose="020B0609020204030204" pitchFamily="49" charset="0"/>
               </a:rPr>
+              <a:t>&lt;Programm&gt;</a:t>
+            </a:r>
+            <a:r>
+              <a:rPr lang="de-DE" sz="2400" dirty="0">
+                <a:solidFill>
+                  <a:srgbClr val="00B050"/>
+                </a:solidFill>
+                <a:latin typeface="Consolas" panose="020B0609020204030204" pitchFamily="49" charset="0"/>
+              </a:rPr>
+              <a:t> &lt; </a:t>
+            </a:r>
+            <a:r>
+              <a:rPr lang="de-DE" sz="2400" dirty="0">
+                <a:solidFill>
+                  <a:schemeClr val="accent6"/>
+                </a:solidFill>
+                <a:latin typeface="Consolas" panose="020B0609020204030204" pitchFamily="49" charset="0"/>
+              </a:rPr>
               <a:t>&lt;Datei&gt;</a:t>
             </a:r>
-            <a:r>
-              <a:rPr lang="de-DE" sz="2400" dirty="0">
-                <a:solidFill>
-                  <a:srgbClr val="00B050"/>
-                </a:solidFill>
-                <a:latin typeface="Consolas" panose="020B0609020204030204" pitchFamily="49" charset="0"/>
-              </a:rPr>
-              <a:t> </a:t>
-            </a:r>
-            <a:r>
-              <a:rPr lang="de-DE" sz="2400" dirty="0">
-                <a:latin typeface="Consolas" panose="020B0609020204030204" pitchFamily="49" charset="0"/>
-              </a:rPr>
-              <a:t>[</a:t>
-            </a:r>
-            <a:r>
-              <a:rPr lang="de-DE" sz="2400" dirty="0">
-                <a:solidFill>
-                  <a:schemeClr val="accent6"/>
-                </a:solidFill>
-                <a:latin typeface="Consolas" panose="020B0609020204030204" pitchFamily="49" charset="0"/>
-              </a:rPr>
-              <a:t>&lt;Datei2&gt;</a:t>
-            </a:r>
-            <a:r>
-              <a:rPr lang="de-DE" sz="2400" dirty="0">
-                <a:latin typeface="Consolas" panose="020B0609020204030204" pitchFamily="49" charset="0"/>
-              </a:rPr>
-              <a:t>]</a:t>
-            </a:r>
-          </a:p>
-          <a:p>
-            <a:r>
-              <a:rPr lang="de-DE" dirty="0"/>
-              <a:t>Filtern: </a:t>
-            </a:r>
-            <a:r>
-              <a:rPr lang="de-DE" sz="2400" dirty="0" err="1">
-                <a:solidFill>
-                  <a:srgbClr val="00B050"/>
-                </a:solidFill>
-                <a:latin typeface="Consolas" panose="020B0609020204030204" pitchFamily="49" charset="0"/>
-              </a:rPr>
-              <a:t>grep</a:t>
-            </a:r>
-            <a:r>
-              <a:rPr lang="de-DE" sz="2400" dirty="0">
-                <a:solidFill>
-                  <a:srgbClr val="00B050"/>
-                </a:solidFill>
-                <a:latin typeface="Consolas" panose="020B0609020204030204" pitchFamily="49" charset="0"/>
-              </a:rPr>
-              <a:t> </a:t>
-            </a:r>
-            <a:r>
-              <a:rPr lang="de-DE" sz="2400" dirty="0">
-                <a:solidFill>
-                  <a:schemeClr val="accent6"/>
-                </a:solidFill>
-                <a:latin typeface="Consolas" panose="020B0609020204030204" pitchFamily="49" charset="0"/>
-              </a:rPr>
-              <a:t>&lt;Suchbegriff&gt;</a:t>
-            </a:r>
-          </a:p>
-          <a:p>
-            <a:r>
-              <a:rPr lang="de-DE" dirty="0"/>
-              <a:t>Verbunden: </a:t>
-            </a:r>
-            <a:r>
-              <a:rPr lang="de-DE" sz="2400" dirty="0" err="1">
-                <a:solidFill>
-                  <a:srgbClr val="00B050"/>
-                </a:solidFill>
-                <a:latin typeface="Consolas" panose="020B0609020204030204" pitchFamily="49" charset="0"/>
-              </a:rPr>
-              <a:t>cat</a:t>
-            </a:r>
-            <a:r>
-              <a:rPr lang="de-DE" sz="2400" dirty="0">
-                <a:solidFill>
-                  <a:srgbClr val="00B050"/>
-                </a:solidFill>
-                <a:latin typeface="Consolas" panose="020B0609020204030204" pitchFamily="49" charset="0"/>
-              </a:rPr>
-              <a:t> </a:t>
-            </a:r>
-            <a:r>
-              <a:rPr lang="de-DE" sz="2400" dirty="0">
-                <a:solidFill>
-                  <a:schemeClr val="accent6"/>
-                </a:solidFill>
-                <a:latin typeface="Consolas" panose="020B0609020204030204" pitchFamily="49" charset="0"/>
-              </a:rPr>
-              <a:t>&lt;Datei&gt;</a:t>
-            </a:r>
-            <a:r>
-              <a:rPr lang="de-DE" sz="2400" dirty="0">
-                <a:solidFill>
-                  <a:srgbClr val="00B050"/>
-                </a:solidFill>
-                <a:latin typeface="Consolas" panose="020B0609020204030204" pitchFamily="49" charset="0"/>
-              </a:rPr>
-              <a:t> | </a:t>
-            </a:r>
-            <a:r>
-              <a:rPr lang="de-DE" sz="2400" dirty="0" err="1">
-                <a:solidFill>
-                  <a:srgbClr val="00B050"/>
-                </a:solidFill>
-                <a:latin typeface="Consolas" panose="020B0609020204030204" pitchFamily="49" charset="0"/>
-              </a:rPr>
-              <a:t>grep</a:t>
-            </a:r>
-            <a:r>
-              <a:rPr lang="de-DE" sz="2400" dirty="0">
-                <a:solidFill>
-                  <a:srgbClr val="00B050"/>
-                </a:solidFill>
-                <a:latin typeface="Consolas" panose="020B0609020204030204" pitchFamily="49" charset="0"/>
-              </a:rPr>
-              <a:t> </a:t>
-            </a:r>
-            <a:r>
-              <a:rPr lang="de-DE" sz="2400" dirty="0">
-                <a:solidFill>
-                  <a:schemeClr val="accent6"/>
-                </a:solidFill>
-                <a:latin typeface="Consolas" panose="020B0609020204030204" pitchFamily="49" charset="0"/>
-              </a:rPr>
-              <a:t>&lt;Suchbegriff&gt;</a:t>
-            </a:r>
-          </a:p>
-          <a:p>
-            <a:endParaRPr lang="de-DE" dirty="0"/>
-          </a:p>
-        </p:txBody>
-      </p:sp>
-      <p:sp>
-        <p:nvSpPr>
-          <p:cNvPr id="7" name="Titel 6"/>
+          </a:p>
+        </p:txBody>
+      </p:sp>
+      <p:sp>
+        <p:nvSpPr>
+          <p:cNvPr id="6" name="Titel 5"/>
           <p:cNvSpPr>
             <a:spLocks noGrp="1"/>
           </p:cNvSpPr>
@@ -23923,7 +24057,7 @@
           <a:p>
             <a:r>
               <a:rPr lang="de-DE" dirty="0"/>
-              <a:t>Auslesen und Filtern</a:t>
+              <a:t>Umleitungen</a:t>
             </a:r>
           </a:p>
         </p:txBody>
@@ -23931,7 +24065,7 @@
     </p:spTree>
     <p:extLst>
       <p:ext uri="{BB962C8B-B14F-4D97-AF65-F5344CB8AC3E}">
-        <p14:creationId xmlns:p14="http://schemas.microsoft.com/office/powerpoint/2010/main" val="3493213195"/>
+        <p14:creationId xmlns:p14="http://schemas.microsoft.com/office/powerpoint/2010/main" val="1335301251"/>
       </p:ext>
     </p:extLst>
   </p:cSld>
@@ -23975,7 +24109,7 @@
           <a:p>
             <a:fld id="{691FC979-3F94-4691-BC89-32D13FC7EBCE}" type="datetime1">
               <a:rPr lang="de-DE" smtClean="0"/>
-              <a:t>19.02.2020</a:t>
+              <a:t>20.02.2020</a:t>
             </a:fld>
             <a:endParaRPr lang="de-DE"/>
           </a:p>
@@ -24029,7 +24163,7 @@
       </p:sp>
       <p:sp>
         <p:nvSpPr>
-          <p:cNvPr id="5" name="Inhaltsplatzhalter 4"/>
+          <p:cNvPr id="8" name="Inhaltsplatzhalter 7"/>
           <p:cNvSpPr>
             <a:spLocks noGrp="1"/>
           </p:cNvSpPr>
@@ -24044,7 +24178,7 @@
           <a:p>
             <a:r>
               <a:rPr lang="de-DE" dirty="0"/>
-              <a:t>Als Admin arbeiten: </a:t>
+              <a:t>Datei lesen und ausgeben: </a:t>
             </a:r>
             <a:r>
               <a:rPr lang="de-DE" sz="2400" dirty="0" err="1">
@@ -24053,7 +24187,7 @@
                 </a:solidFill>
                 <a:latin typeface="Consolas" panose="020B0609020204030204" pitchFamily="49" charset="0"/>
               </a:rPr>
-              <a:t>sudo</a:t>
+              <a:t>cat</a:t>
             </a:r>
             <a:r>
               <a:rPr lang="de-DE" sz="2400" dirty="0">
@@ -24065,25 +24199,82 @@
               <a:t> </a:t>
             </a:r>
             <a:r>
+              <a:rPr lang="de-DE" sz="2400" dirty="0">
+                <a:solidFill>
+                  <a:schemeClr val="accent6"/>
+                </a:solidFill>
+                <a:latin typeface="Consolas" panose="020B0609020204030204" pitchFamily="49" charset="0"/>
+              </a:rPr>
+              <a:t>&lt;Datei&gt;</a:t>
+            </a:r>
+            <a:r>
+              <a:rPr lang="de-DE" sz="2400" dirty="0">
+                <a:solidFill>
+                  <a:srgbClr val="00B050"/>
+                </a:solidFill>
+                <a:latin typeface="Consolas" panose="020B0609020204030204" pitchFamily="49" charset="0"/>
+              </a:rPr>
+              <a:t> </a:t>
+            </a:r>
+            <a:r>
+              <a:rPr lang="de-DE" sz="2400" dirty="0">
+                <a:latin typeface="Consolas" panose="020B0609020204030204" pitchFamily="49" charset="0"/>
+              </a:rPr>
+              <a:t>[</a:t>
+            </a:r>
+            <a:r>
+              <a:rPr lang="de-DE" sz="2400" dirty="0">
+                <a:solidFill>
+                  <a:schemeClr val="accent6"/>
+                </a:solidFill>
+                <a:latin typeface="Consolas" panose="020B0609020204030204" pitchFamily="49" charset="0"/>
+              </a:rPr>
+              <a:t>&lt;Datei2&gt;</a:t>
+            </a:r>
+            <a:r>
+              <a:rPr lang="de-DE" sz="2400" dirty="0">
+                <a:latin typeface="Consolas" panose="020B0609020204030204" pitchFamily="49" charset="0"/>
+              </a:rPr>
+              <a:t>]</a:t>
+            </a:r>
+          </a:p>
+          <a:p>
+            <a:r>
+              <a:rPr lang="de-DE" dirty="0"/>
+              <a:t>Filtern: </a:t>
+            </a:r>
+            <a:r>
               <a:rPr lang="de-DE" sz="2400" dirty="0" err="1">
                 <a:solidFill>
                   <a:srgbClr val="00B050"/>
                 </a:solidFill>
                 <a:latin typeface="Consolas" panose="020B0609020204030204" pitchFamily="49" charset="0"/>
               </a:rPr>
-              <a:t>su</a:t>
-            </a:r>
-            <a:endParaRPr lang="de-DE" sz="2400" dirty="0">
-              <a:solidFill>
-                <a:srgbClr val="00B050"/>
-              </a:solidFill>
-              <a:latin typeface="Consolas" panose="020B0609020204030204" pitchFamily="49" charset="0"/>
-            </a:endParaRPr>
+              <a:t>grep</a:t>
+            </a:r>
+            <a:r>
+              <a:rPr lang="de-DE" sz="2400" dirty="0">
+                <a:solidFill>
+                  <a:srgbClr val="00B050"/>
+                </a:solidFill>
+                <a:latin typeface="Consolas" panose="020B0609020204030204" pitchFamily="49" charset="0"/>
+              </a:rPr>
+              <a:t> </a:t>
+            </a:r>
+            <a:r>
+              <a:rPr lang="de-DE" sz="2400" dirty="0">
+                <a:solidFill>
+                  <a:schemeClr val="accent6"/>
+                </a:solidFill>
+                <a:latin typeface="Consolas" panose="020B0609020204030204" pitchFamily="49" charset="0"/>
+              </a:rPr>
+              <a:t>&lt;Suchbegriff&gt;</a:t>
+            </a:r>
           </a:p>
           <a:p>
             <a:r>
               <a:rPr lang="de-DE" dirty="0"/>
-              <a:t>Als Admin im Home-Verzeichnis arbeiten: </a:t>
+              <a:t>Verbunden: </a:t>
             </a:r>
             <a:r>
               <a:rPr lang="de-DE" sz="2400" dirty="0" err="1">
@@ -24092,7 +24283,7 @@
                 </a:solidFill>
                 <a:latin typeface="Consolas" panose="020B0609020204030204" pitchFamily="49" charset="0"/>
               </a:rPr>
-              <a:t>sudo</a:t>
+              <a:t>cat</a:t>
             </a:r>
             <a:r>
               <a:rPr lang="de-DE" sz="2400" dirty="0">
@@ -24104,13 +24295,31 @@
               <a:t> </a:t>
             </a:r>
             <a:r>
+              <a:rPr lang="de-DE" sz="2400" dirty="0">
+                <a:solidFill>
+                  <a:schemeClr val="accent6"/>
+                </a:solidFill>
+                <a:latin typeface="Consolas" panose="020B0609020204030204" pitchFamily="49" charset="0"/>
+              </a:rPr>
+              <a:t>&lt;Datei&gt;</a:t>
+            </a:r>
+            <a:r>
+              <a:rPr lang="de-DE" sz="2400" dirty="0">
+                <a:solidFill>
+                  <a:srgbClr val="00B050"/>
+                </a:solidFill>
+                <a:latin typeface="Consolas" panose="020B0609020204030204" pitchFamily="49" charset="0"/>
+              </a:rPr>
+              <a:t> | </a:t>
+            </a:r>
+            <a:r>
               <a:rPr lang="de-DE" sz="2400" dirty="0" err="1">
                 <a:solidFill>
                   <a:srgbClr val="00B050"/>
                 </a:solidFill>
                 <a:latin typeface="Consolas" panose="020B0609020204030204" pitchFamily="49" charset="0"/>
               </a:rPr>
-              <a:t>su</a:t>
+              <a:t>grep</a:t>
             </a:r>
             <a:r>
               <a:rPr lang="de-DE" sz="2400" dirty="0">
@@ -24119,86 +24328,26 @@
                 </a:solidFill>
                 <a:latin typeface="Consolas" panose="020B0609020204030204" pitchFamily="49" charset="0"/>
               </a:rPr>
-              <a:t> -</a:t>
-            </a:r>
-          </a:p>
-          <a:p>
-            <a:r>
-              <a:rPr lang="de-DE" dirty="0"/>
-              <a:t>Als anderer User arbeiten: </a:t>
-            </a:r>
-            <a:r>
-              <a:rPr lang="de-DE" sz="2400" dirty="0" err="1">
-                <a:solidFill>
-                  <a:srgbClr val="00B050"/>
-                </a:solidFill>
-                <a:latin typeface="Consolas" panose="020B0609020204030204" pitchFamily="49" charset="0"/>
-              </a:rPr>
-              <a:t>sudo</a:t>
+              <a:t> </a:t>
             </a:r>
             <a:r>
               <a:rPr lang="de-DE" sz="2400" dirty="0">
                 <a:solidFill>
-                  <a:srgbClr val="00B050"/>
-                </a:solidFill>
-                <a:latin typeface="Consolas" panose="020B0609020204030204" pitchFamily="49" charset="0"/>
-              </a:rPr>
-              <a:t> </a:t>
-            </a:r>
-            <a:r>
-              <a:rPr lang="de-DE" sz="2400" dirty="0" err="1">
-                <a:solidFill>
-                  <a:srgbClr val="00B050"/>
-                </a:solidFill>
-                <a:latin typeface="Consolas" panose="020B0609020204030204" pitchFamily="49" charset="0"/>
-              </a:rPr>
-              <a:t>su</a:t>
-            </a:r>
-            <a:r>
-              <a:rPr lang="de-DE" sz="2400" dirty="0">
-                <a:solidFill>
-                  <a:srgbClr val="00B050"/>
-                </a:solidFill>
-                <a:latin typeface="Consolas" panose="020B0609020204030204" pitchFamily="49" charset="0"/>
-              </a:rPr>
-              <a:t> </a:t>
-            </a:r>
-            <a:r>
-              <a:rPr lang="de-DE" sz="2400" dirty="0">
-                <a:solidFill>
                   <a:schemeClr val="accent6"/>
                 </a:solidFill>
                 <a:latin typeface="Consolas" panose="020B0609020204030204" pitchFamily="49" charset="0"/>
               </a:rPr>
-              <a:t>&lt;Benutzername&gt;</a:t>
-            </a:r>
-          </a:p>
-          <a:p>
-            <a:r>
-              <a:rPr lang="de-DE" dirty="0"/>
-              <a:t>Zurückkehren: </a:t>
-            </a:r>
-            <a:r>
-              <a:rPr lang="de-DE" dirty="0" err="1">
-                <a:solidFill>
-                  <a:srgbClr val="00B050"/>
-                </a:solidFill>
-                <a:latin typeface="Consolas" panose="020B0609020204030204" pitchFamily="49" charset="0"/>
-              </a:rPr>
-              <a:t>exit</a:t>
-            </a:r>
-            <a:endParaRPr lang="de-DE" dirty="0">
-              <a:solidFill>
-                <a:srgbClr val="00B050"/>
-              </a:solidFill>
-              <a:latin typeface="Consolas" panose="020B0609020204030204" pitchFamily="49" charset="0"/>
-            </a:endParaRPr>
-          </a:p>
-        </p:txBody>
-      </p:sp>
-      <p:sp>
-        <p:nvSpPr>
-          <p:cNvPr id="6" name="Titel 5"/>
+              <a:t>&lt;Suchbegriff&gt;</a:t>
+            </a:r>
+          </a:p>
+          <a:p>
+            <a:endParaRPr lang="de-DE" dirty="0"/>
+          </a:p>
+        </p:txBody>
+      </p:sp>
+      <p:sp>
+        <p:nvSpPr>
+          <p:cNvPr id="7" name="Titel 6"/>
           <p:cNvSpPr>
             <a:spLocks noGrp="1"/>
           </p:cNvSpPr>
@@ -24213,7 +24362,7 @@
           <a:p>
             <a:r>
               <a:rPr lang="de-DE" dirty="0"/>
-              <a:t>Systemadministration</a:t>
+              <a:t>Auslesen und Filtern</a:t>
             </a:r>
           </a:p>
         </p:txBody>
@@ -24221,7 +24370,7 @@
     </p:spTree>
     <p:extLst>
       <p:ext uri="{BB962C8B-B14F-4D97-AF65-F5344CB8AC3E}">
-        <p14:creationId xmlns:p14="http://schemas.microsoft.com/office/powerpoint/2010/main" val="612966829"/>
+        <p14:creationId xmlns:p14="http://schemas.microsoft.com/office/powerpoint/2010/main" val="3493213195"/>
       </p:ext>
     </p:extLst>
   </p:cSld>
@@ -24286,13 +24435,25 @@
           <a:lstStyle/>
           <a:p>
             <a:r>
-              <a:rPr lang="de-DE" dirty="0"/>
+              <a:rPr lang="de-DE" dirty="0">
+                <a:solidFill>
+                  <a:schemeClr val="bg1">
+                    <a:lumMod val="65000"/>
+                  </a:schemeClr>
+                </a:solidFill>
+              </a:rPr>
               <a:t>Konfiguration</a:t>
             </a:r>
           </a:p>
           <a:p>
             <a:r>
-              <a:rPr lang="de-DE" dirty="0"/>
+              <a:rPr lang="de-DE" dirty="0">
+                <a:solidFill>
+                  <a:schemeClr val="bg1">
+                    <a:lumMod val="65000"/>
+                  </a:schemeClr>
+                </a:solidFill>
+              </a:rPr>
               <a:t>Variablen</a:t>
             </a:r>
           </a:p>
@@ -24339,7 +24500,7 @@
           <a:p>
             <a:fld id="{7CAB622F-8E15-4AA7-B23D-2D3C823960FD}" type="datetime1">
               <a:rPr lang="de-DE" smtClean="0"/>
-              <a:t>19.02.2020</a:t>
+              <a:t>20.02.2020</a:t>
             </a:fld>
             <a:endParaRPr lang="de-DE"/>
           </a:p>
@@ -24387,6 +24548,47 @@
               <a:t>3</a:t>
             </a:fld>
             <a:endParaRPr lang="de-DE"/>
+          </a:p>
+        </p:txBody>
+      </p:sp>
+      <p:sp>
+        <p:nvSpPr>
+          <p:cNvPr id="2" name="Textfeld 1">
+            <a:extLst>
+              <a:ext uri="{FF2B5EF4-FFF2-40B4-BE49-F238E27FC236}">
+                <a16:creationId xmlns:a16="http://schemas.microsoft.com/office/drawing/2014/main" id="{B157771F-B695-4037-ADF4-B98B10E1CFCF}"/>
+              </a:ext>
+            </a:extLst>
+          </p:cNvPr>
+          <p:cNvSpPr txBox="1"/>
+          <p:nvPr/>
+        </p:nvSpPr>
+        <p:spPr>
+          <a:xfrm>
+            <a:off x="3691558" y="2259496"/>
+            <a:ext cx="2916183" cy="369332"/>
+          </a:xfrm>
+          <a:prstGeom prst="rect">
+            <a:avLst/>
+          </a:prstGeom>
+          <a:noFill/>
+        </p:spPr>
+        <p:txBody>
+          <a:bodyPr wrap="none" rtlCol="0">
+            <a:spAutoFit/>
+          </a:bodyPr>
+          <a:lstStyle/>
+          <a:p>
+            <a:r>
+              <a:rPr lang="de-DE" dirty="0">
+                <a:solidFill>
+                  <a:schemeClr val="bg1">
+                    <a:lumMod val="65000"/>
+                  </a:schemeClr>
+                </a:solidFill>
+              </a:rPr>
+              <a:t>(in ausgeblendeten Folien)</a:t>
+            </a:r>
           </a:p>
         </p:txBody>
       </p:sp>
@@ -24437,7 +24639,7 @@
           <a:p>
             <a:fld id="{691FC979-3F94-4691-BC89-32D13FC7EBCE}" type="datetime1">
               <a:rPr lang="de-DE" smtClean="0"/>
-              <a:t>19.02.2020</a:t>
+              <a:t>20.02.2020</a:t>
             </a:fld>
             <a:endParaRPr lang="de-DE"/>
           </a:p>
@@ -24574,7 +24776,7 @@
 </file>
 
 <file path=ppt/slides/slide31.xml><?xml version="1.0" encoding="utf-8"?>
-<p:sld xmlns:a="http://schemas.openxmlformats.org/drawingml/2006/main" xmlns:r="http://schemas.openxmlformats.org/officeDocument/2006/relationships" xmlns:p="http://schemas.openxmlformats.org/presentationml/2006/main">
+<p:sld xmlns:a="http://schemas.openxmlformats.org/drawingml/2006/main" xmlns:r="http://schemas.openxmlformats.org/officeDocument/2006/relationships" xmlns:p="http://schemas.openxmlformats.org/presentationml/2006/main" show="0">
   <p:cSld>
     <p:spTree>
       <p:nvGrpSpPr>
@@ -24607,7 +24809,7 @@
           <a:p>
             <a:fld id="{691FC979-3F94-4691-BC89-32D13FC7EBCE}" type="datetime1">
               <a:rPr lang="de-DE" smtClean="0"/>
-              <a:t>19.02.2020</a:t>
+              <a:t>20.02.2020</a:t>
             </a:fld>
             <a:endParaRPr lang="de-DE"/>
           </a:p>
@@ -24676,7 +24878,16 @@
           <a:p>
             <a:r>
               <a:rPr lang="de-DE" dirty="0"/>
-              <a:t>Ausführlich: </a:t>
+              <a:t>Als Admin arbeiten: </a:t>
+            </a:r>
+            <a:r>
+              <a:rPr lang="de-DE" sz="2400" dirty="0" err="1">
+                <a:solidFill>
+                  <a:srgbClr val="00B050"/>
+                </a:solidFill>
+                <a:latin typeface="Consolas" panose="020B0609020204030204" pitchFamily="49" charset="0"/>
+              </a:rPr>
+              <a:t>sudo</a:t>
             </a:r>
             <a:r>
               <a:rPr lang="de-DE" sz="2400" dirty="0">
@@ -24685,83 +24896,137 @@
                 </a:solidFill>
                 <a:latin typeface="Consolas" panose="020B0609020204030204" pitchFamily="49" charset="0"/>
               </a:rPr>
-              <a:t>man </a:t>
+              <a:t> </a:t>
+            </a:r>
+            <a:r>
+              <a:rPr lang="de-DE" sz="2400" dirty="0" err="1">
+                <a:solidFill>
+                  <a:srgbClr val="00B050"/>
+                </a:solidFill>
+                <a:latin typeface="Consolas" panose="020B0609020204030204" pitchFamily="49" charset="0"/>
+              </a:rPr>
+              <a:t>su</a:t>
+            </a:r>
+            <a:endParaRPr lang="de-DE" sz="2400" dirty="0">
+              <a:solidFill>
+                <a:srgbClr val="00B050"/>
+              </a:solidFill>
+              <a:latin typeface="Consolas" panose="020B0609020204030204" pitchFamily="49" charset="0"/>
+            </a:endParaRPr>
+          </a:p>
+          <a:p>
+            <a:r>
+              <a:rPr lang="de-DE" dirty="0"/>
+              <a:t>Als Admin im Home-Verzeichnis arbeiten: </a:t>
+            </a:r>
+            <a:r>
+              <a:rPr lang="de-DE" sz="2400" dirty="0" err="1">
+                <a:solidFill>
+                  <a:srgbClr val="00B050"/>
+                </a:solidFill>
+                <a:latin typeface="Consolas" panose="020B0609020204030204" pitchFamily="49" charset="0"/>
+              </a:rPr>
+              <a:t>sudo</a:t>
             </a:r>
             <a:r>
               <a:rPr lang="de-DE" sz="2400" dirty="0">
                 <a:solidFill>
+                  <a:srgbClr val="00B050"/>
+                </a:solidFill>
+                <a:latin typeface="Consolas" panose="020B0609020204030204" pitchFamily="49" charset="0"/>
+              </a:rPr>
+              <a:t> </a:t>
+            </a:r>
+            <a:r>
+              <a:rPr lang="de-DE" sz="2400" dirty="0" err="1">
+                <a:solidFill>
+                  <a:srgbClr val="00B050"/>
+                </a:solidFill>
+                <a:latin typeface="Consolas" panose="020B0609020204030204" pitchFamily="49" charset="0"/>
+              </a:rPr>
+              <a:t>su</a:t>
+            </a:r>
+            <a:r>
+              <a:rPr lang="de-DE" sz="2400" dirty="0">
+                <a:solidFill>
+                  <a:srgbClr val="00B050"/>
+                </a:solidFill>
+                <a:latin typeface="Consolas" panose="020B0609020204030204" pitchFamily="49" charset="0"/>
+              </a:rPr>
+              <a:t> -</a:t>
+            </a:r>
+          </a:p>
+          <a:p>
+            <a:r>
+              <a:rPr lang="de-DE" dirty="0"/>
+              <a:t>Als anderer User arbeiten: </a:t>
+            </a:r>
+            <a:r>
+              <a:rPr lang="de-DE" sz="2400" dirty="0" err="1">
+                <a:solidFill>
+                  <a:srgbClr val="00B050"/>
+                </a:solidFill>
+                <a:latin typeface="Consolas" panose="020B0609020204030204" pitchFamily="49" charset="0"/>
+              </a:rPr>
+              <a:t>sudo</a:t>
+            </a:r>
+            <a:r>
+              <a:rPr lang="de-DE" sz="2400" dirty="0">
+                <a:solidFill>
+                  <a:srgbClr val="00B050"/>
+                </a:solidFill>
+                <a:latin typeface="Consolas" panose="020B0609020204030204" pitchFamily="49" charset="0"/>
+              </a:rPr>
+              <a:t> </a:t>
+            </a:r>
+            <a:r>
+              <a:rPr lang="de-DE" sz="2400" dirty="0" err="1">
+                <a:solidFill>
+                  <a:srgbClr val="00B050"/>
+                </a:solidFill>
+                <a:latin typeface="Consolas" panose="020B0609020204030204" pitchFamily="49" charset="0"/>
+              </a:rPr>
+              <a:t>su</a:t>
+            </a:r>
+            <a:r>
+              <a:rPr lang="de-DE" sz="2400" dirty="0">
+                <a:solidFill>
+                  <a:srgbClr val="00B050"/>
+                </a:solidFill>
+                <a:latin typeface="Consolas" panose="020B0609020204030204" pitchFamily="49" charset="0"/>
+              </a:rPr>
+              <a:t> </a:t>
+            </a:r>
+            <a:r>
+              <a:rPr lang="de-DE" sz="2400" dirty="0">
+                <a:solidFill>
                   <a:schemeClr val="accent6"/>
                 </a:solidFill>
                 <a:latin typeface="Consolas" panose="020B0609020204030204" pitchFamily="49" charset="0"/>
               </a:rPr>
-              <a:t>&lt;Befehl&gt;</a:t>
+              <a:t>&lt;Benutzername&gt;</a:t>
             </a:r>
           </a:p>
           <a:p>
             <a:r>
               <a:rPr lang="de-DE" dirty="0"/>
-              <a:t>Interaktiv: </a:t>
-            </a:r>
-            <a:r>
-              <a:rPr lang="de-DE" sz="2400" dirty="0" err="1">
+              <a:t>Zurückkehren: </a:t>
+            </a:r>
+            <a:r>
+              <a:rPr lang="de-DE" dirty="0" err="1">
                 <a:solidFill>
                   <a:srgbClr val="00B050"/>
                 </a:solidFill>
                 <a:latin typeface="Consolas" panose="020B0609020204030204" pitchFamily="49" charset="0"/>
               </a:rPr>
-              <a:t>info</a:t>
-            </a:r>
-            <a:r>
-              <a:rPr lang="de-DE" sz="2400" dirty="0">
-                <a:solidFill>
-                  <a:srgbClr val="00B050"/>
-                </a:solidFill>
-                <a:latin typeface="Consolas" panose="020B0609020204030204" pitchFamily="49" charset="0"/>
-              </a:rPr>
-              <a:t> </a:t>
-            </a:r>
-            <a:r>
-              <a:rPr lang="de-DE" sz="2400" dirty="0">
-                <a:solidFill>
-                  <a:schemeClr val="accent6"/>
-                </a:solidFill>
-                <a:latin typeface="Consolas" panose="020B0609020204030204" pitchFamily="49" charset="0"/>
-              </a:rPr>
-              <a:t>&lt;Befehl&gt;</a:t>
-            </a:r>
-          </a:p>
-          <a:p>
-            <a:r>
-              <a:rPr lang="de-DE" dirty="0"/>
-              <a:t>Knapp: </a:t>
-            </a:r>
-            <a:r>
-              <a:rPr lang="de-DE" sz="2400" dirty="0" err="1">
-                <a:solidFill>
-                  <a:srgbClr val="00B050"/>
-                </a:solidFill>
-                <a:latin typeface="Consolas" panose="020B0609020204030204" pitchFamily="49" charset="0"/>
-              </a:rPr>
-              <a:t>help</a:t>
-            </a:r>
-            <a:r>
-              <a:rPr lang="de-DE" sz="2400" dirty="0">
-                <a:solidFill>
-                  <a:srgbClr val="00B050"/>
-                </a:solidFill>
-                <a:latin typeface="Consolas" panose="020B0609020204030204" pitchFamily="49" charset="0"/>
-              </a:rPr>
-              <a:t> </a:t>
-            </a:r>
-            <a:r>
-              <a:rPr lang="de-DE" sz="2400" dirty="0">
-                <a:solidFill>
-                  <a:schemeClr val="accent6"/>
-                </a:solidFill>
-                <a:latin typeface="Consolas" panose="020B0609020204030204" pitchFamily="49" charset="0"/>
-              </a:rPr>
-              <a:t>&lt;Befehl&gt;</a:t>
-            </a:r>
+              <a:t>exit</a:t>
+            </a:r>
+            <a:endParaRPr lang="de-DE" dirty="0">
+              <a:solidFill>
+                <a:srgbClr val="00B050"/>
+              </a:solidFill>
+              <a:latin typeface="Consolas" panose="020B0609020204030204" pitchFamily="49" charset="0"/>
+            </a:endParaRPr>
           </a:p>
         </p:txBody>
       </p:sp>
@@ -24782,7 +25047,7 @@
           <a:p>
             <a:r>
               <a:rPr lang="de-DE" dirty="0"/>
-              <a:t>Hilfe</a:t>
+              <a:t>Systemadministration</a:t>
             </a:r>
           </a:p>
         </p:txBody>
@@ -24790,7 +25055,7 @@
     </p:spTree>
     <p:extLst>
       <p:ext uri="{BB962C8B-B14F-4D97-AF65-F5344CB8AC3E}">
-        <p14:creationId xmlns:p14="http://schemas.microsoft.com/office/powerpoint/2010/main" val="1453469691"/>
+        <p14:creationId xmlns:p14="http://schemas.microsoft.com/office/powerpoint/2010/main" val="612966829"/>
       </p:ext>
     </p:extLst>
   </p:cSld>
@@ -24819,12 +25084,12 @@
       </p:grpSpPr>
       <p:sp>
         <p:nvSpPr>
-          <p:cNvPr id="4" name="Titel 3"/>
-          <p:cNvSpPr>
-            <a:spLocks noGrp="1"/>
-          </p:cNvSpPr>
-          <p:nvPr>
-            <p:ph type="title"/>
+          <p:cNvPr id="2" name="Datumsplatzhalter 1"/>
+          <p:cNvSpPr>
+            <a:spLocks noGrp="1"/>
+          </p:cNvSpPr>
+          <p:nvPr>
+            <p:ph type="dt" sz="half" idx="10"/>
           </p:nvPr>
         </p:nvSpPr>
         <p:spPr/>
@@ -24832,222 +25097,22 @@
           <a:bodyPr/>
           <a:lstStyle/>
           <a:p>
-            <a:r>
-              <a:rPr lang="de-DE" dirty="0"/>
-              <a:t>Zusammenfassung</a:t>
-            </a:r>
-          </a:p>
-        </p:txBody>
-      </p:sp>
-      <p:sp>
-        <p:nvSpPr>
-          <p:cNvPr id="7" name="Inhaltsplatzhalter 6"/>
-          <p:cNvSpPr>
-            <a:spLocks noGrp="1"/>
-          </p:cNvSpPr>
-          <p:nvPr>
-            <p:ph idx="1"/>
-          </p:nvPr>
-        </p:nvSpPr>
-        <p:spPr/>
-        <p:txBody>
-          <a:bodyPr>
-            <a:normAutofit lnSpcReduction="10000"/>
-          </a:bodyPr>
-          <a:lstStyle/>
-          <a:p>
-            <a:r>
-              <a:rPr lang="de-DE" dirty="0"/>
-              <a:t>Begriff</a:t>
-            </a:r>
-          </a:p>
-          <a:p>
-            <a:pPr lvl="1"/>
-            <a:r>
-              <a:rPr lang="de-DE" dirty="0" err="1"/>
-              <a:t>Bash</a:t>
-            </a:r>
-            <a:r>
-              <a:rPr lang="de-DE" dirty="0"/>
-              <a:t> = </a:t>
-            </a:r>
-            <a:r>
-              <a:rPr lang="de-DE" dirty="0" err="1"/>
-              <a:t>Bourne</a:t>
-            </a:r>
-            <a:r>
-              <a:rPr lang="de-DE" dirty="0"/>
-              <a:t> </a:t>
-            </a:r>
-            <a:r>
-              <a:rPr lang="de-DE" dirty="0" err="1"/>
-              <a:t>Again</a:t>
-            </a:r>
-            <a:r>
-              <a:rPr lang="de-DE" dirty="0"/>
-              <a:t> Shell</a:t>
-            </a:r>
-          </a:p>
-          <a:p>
-            <a:r>
-              <a:rPr lang="de-DE" dirty="0"/>
-              <a:t>Wozu </a:t>
-            </a:r>
-            <a:r>
-              <a:rPr lang="de-DE" dirty="0" err="1"/>
-              <a:t>Bash</a:t>
-            </a:r>
-            <a:r>
-              <a:rPr lang="de-DE" dirty="0"/>
-              <a:t>?</a:t>
-            </a:r>
-          </a:p>
-          <a:p>
-            <a:pPr lvl="1"/>
-            <a:r>
-              <a:rPr lang="de-DE" dirty="0"/>
-              <a:t>Administration (für Server)</a:t>
-            </a:r>
-          </a:p>
-          <a:p>
-            <a:r>
-              <a:rPr lang="de-DE" dirty="0"/>
-              <a:t>Tippen</a:t>
-            </a:r>
-          </a:p>
-          <a:p>
-            <a:pPr lvl="1"/>
-            <a:r>
-              <a:rPr lang="de-DE" dirty="0" err="1"/>
-              <a:t>Copy</a:t>
-            </a:r>
-            <a:r>
-              <a:rPr lang="de-DE" dirty="0"/>
-              <a:t>/Paste</a:t>
-            </a:r>
-          </a:p>
-          <a:p>
-            <a:pPr lvl="1"/>
-            <a:r>
-              <a:rPr lang="de-DE" sz="2600" dirty="0" err="1">
-                <a:solidFill>
-                  <a:srgbClr val="00B050"/>
-                </a:solidFill>
-                <a:latin typeface="Consolas" panose="020B0609020204030204" pitchFamily="49" charset="0"/>
-              </a:rPr>
-              <a:t>history</a:t>
-            </a:r>
-            <a:endParaRPr lang="de-DE" sz="2600" dirty="0">
-              <a:solidFill>
-                <a:srgbClr val="00B050"/>
-              </a:solidFill>
-              <a:latin typeface="Consolas" panose="020B0609020204030204" pitchFamily="49" charset="0"/>
-            </a:endParaRPr>
-          </a:p>
-          <a:p>
-            <a:r>
-              <a:rPr lang="de-DE" dirty="0"/>
-              <a:t>Navigieren und Suchen</a:t>
-            </a:r>
-          </a:p>
-          <a:p>
-            <a:pPr lvl="1"/>
-            <a:r>
-              <a:rPr lang="de-DE" sz="2600" dirty="0" err="1">
-                <a:solidFill>
-                  <a:srgbClr val="00B050"/>
-                </a:solidFill>
-                <a:latin typeface="Consolas" panose="020B0609020204030204" pitchFamily="49" charset="0"/>
-              </a:rPr>
-              <a:t>pwd</a:t>
-            </a:r>
-            <a:r>
-              <a:rPr lang="de-DE" dirty="0"/>
-              <a:t>, </a:t>
-            </a:r>
-            <a:r>
-              <a:rPr lang="de-DE" sz="2600" dirty="0">
-                <a:solidFill>
-                  <a:srgbClr val="00B050"/>
-                </a:solidFill>
-                <a:latin typeface="Consolas" panose="020B0609020204030204" pitchFamily="49" charset="0"/>
-              </a:rPr>
-              <a:t>cd</a:t>
-            </a:r>
-            <a:r>
-              <a:rPr lang="de-DE" dirty="0"/>
-              <a:t>, </a:t>
-            </a:r>
-            <a:r>
-              <a:rPr lang="de-DE" sz="2600" dirty="0" err="1">
-                <a:solidFill>
-                  <a:srgbClr val="00B050"/>
-                </a:solidFill>
-                <a:latin typeface="Consolas" panose="020B0609020204030204" pitchFamily="49" charset="0"/>
-              </a:rPr>
-              <a:t>ls</a:t>
-            </a:r>
-            <a:endParaRPr lang="de-DE" sz="2600" dirty="0">
-              <a:solidFill>
-                <a:srgbClr val="00B050"/>
-              </a:solidFill>
-              <a:latin typeface="Consolas" panose="020B0609020204030204" pitchFamily="49" charset="0"/>
-            </a:endParaRPr>
-          </a:p>
-          <a:p>
-            <a:pPr lvl="1"/>
-            <a:r>
-              <a:rPr lang="de-DE" sz="2600" dirty="0">
-                <a:solidFill>
-                  <a:srgbClr val="00B050"/>
-                </a:solidFill>
-                <a:latin typeface="Consolas" panose="020B0609020204030204" pitchFamily="49" charset="0"/>
-              </a:rPr>
-              <a:t>find</a:t>
-            </a:r>
-            <a:r>
-              <a:rPr lang="de-DE" dirty="0"/>
-              <a:t>, </a:t>
-            </a:r>
-            <a:r>
-              <a:rPr lang="de-DE" sz="2600" dirty="0" err="1">
-                <a:solidFill>
-                  <a:srgbClr val="00B050"/>
-                </a:solidFill>
-                <a:latin typeface="Consolas" panose="020B0609020204030204" pitchFamily="49" charset="0"/>
-              </a:rPr>
-              <a:t>locate</a:t>
-            </a:r>
-            <a:r>
-              <a:rPr lang="de-DE" dirty="0"/>
-              <a:t>, </a:t>
-            </a:r>
-            <a:r>
-              <a:rPr lang="de-DE" sz="2600" dirty="0" err="1">
-                <a:solidFill>
-                  <a:srgbClr val="00B050"/>
-                </a:solidFill>
-                <a:latin typeface="Consolas" panose="020B0609020204030204" pitchFamily="49" charset="0"/>
-              </a:rPr>
-              <a:t>which</a:t>
-            </a:r>
-            <a:endParaRPr lang="de-DE" sz="2600" dirty="0">
-              <a:solidFill>
-                <a:srgbClr val="00B050"/>
-              </a:solidFill>
-              <a:latin typeface="Consolas" panose="020B0609020204030204" pitchFamily="49" charset="0"/>
-            </a:endParaRPr>
-          </a:p>
-        </p:txBody>
-      </p:sp>
-      <p:sp>
-        <p:nvSpPr>
-          <p:cNvPr id="2" name="Datumsplatzhalter 1"/>
-          <p:cNvSpPr>
-            <a:spLocks noGrp="1"/>
-          </p:cNvSpPr>
-          <p:nvPr>
-            <p:ph type="dt" sz="half" idx="10"/>
+            <a:fld id="{691FC979-3F94-4691-BC89-32D13FC7EBCE}" type="datetime1">
+              <a:rPr lang="de-DE" smtClean="0"/>
+              <a:t>20.02.2020</a:t>
+            </a:fld>
+            <a:endParaRPr lang="de-DE"/>
+          </a:p>
+        </p:txBody>
+      </p:sp>
+      <p:sp>
+        <p:nvSpPr>
+          <p:cNvPr id="3" name="Fußzeilenplatzhalter 2"/>
+          <p:cNvSpPr>
+            <a:spLocks noGrp="1"/>
+          </p:cNvSpPr>
+          <p:nvPr>
+            <p:ph type="ftr" sz="quarter" idx="11"/>
           </p:nvPr>
         </p:nvSpPr>
         <p:spPr/>
@@ -25055,22 +25120,21 @@
           <a:bodyPr/>
           <a:lstStyle/>
           <a:p>
-            <a:fld id="{81CAA568-E4AD-43EC-8F2A-0AD1F2EE9220}" type="datetime1">
-              <a:rPr lang="de-DE" smtClean="0"/>
-              <a:t>19.02.2020</a:t>
-            </a:fld>
-            <a:endParaRPr lang="de-DE"/>
-          </a:p>
-        </p:txBody>
-      </p:sp>
-      <p:sp>
-        <p:nvSpPr>
-          <p:cNvPr id="3" name="Fußzeilenplatzhalter 2"/>
-          <p:cNvSpPr>
-            <a:spLocks noGrp="1"/>
-          </p:cNvSpPr>
-          <p:nvPr>
-            <p:ph type="ftr" sz="quarter" idx="11"/>
+            <a:r>
+              <a:rPr lang="de-DE"/>
+              <a:t>Processes and Threads</a:t>
+            </a:r>
+          </a:p>
+        </p:txBody>
+      </p:sp>
+      <p:sp>
+        <p:nvSpPr>
+          <p:cNvPr id="4" name="Foliennummernplatzhalter 3"/>
+          <p:cNvSpPr>
+            <a:spLocks noGrp="1"/>
+          </p:cNvSpPr>
+          <p:nvPr>
+            <p:ph type="sldNum" sz="quarter" idx="12"/>
           </p:nvPr>
         </p:nvSpPr>
         <p:spPr/>
@@ -25078,40 +25142,147 @@
           <a:bodyPr/>
           <a:lstStyle/>
           <a:p>
-            <a:r>
-              <a:rPr lang="de-DE"/>
-              <a:t>Bash - Eine Einführung</a:t>
-            </a:r>
-          </a:p>
-        </p:txBody>
-      </p:sp>
-      <p:sp>
-        <p:nvSpPr>
-          <p:cNvPr id="6" name="Foliennummernplatzhalter 5"/>
-          <p:cNvSpPr>
-            <a:spLocks noGrp="1"/>
-          </p:cNvSpPr>
-          <p:nvPr>
-            <p:ph type="sldNum" sz="quarter" idx="12"/>
-          </p:nvPr>
-        </p:nvSpPr>
-        <p:spPr/>
-        <p:txBody>
-          <a:bodyPr/>
-          <a:lstStyle/>
-          <a:p>
-            <a:fld id="{3A1F27E2-D58A-4028-9FF2-B12D897F257E}" type="slidenum">
+            <a:fld id="{A3C00014-5D7B-4564-8966-BF51E00B8C0B}" type="slidenum">
               <a:rPr lang="de-DE" smtClean="0"/>
+              <a:pPr/>
               <a:t>32</a:t>
             </a:fld>
             <a:endParaRPr lang="de-DE"/>
           </a:p>
         </p:txBody>
       </p:sp>
+      <p:sp>
+        <p:nvSpPr>
+          <p:cNvPr id="5" name="Inhaltsplatzhalter 4"/>
+          <p:cNvSpPr>
+            <a:spLocks noGrp="1"/>
+          </p:cNvSpPr>
+          <p:nvPr>
+            <p:ph idx="1"/>
+          </p:nvPr>
+        </p:nvSpPr>
+        <p:spPr/>
+        <p:txBody>
+          <a:bodyPr/>
+          <a:lstStyle/>
+          <a:p>
+            <a:r>
+              <a:rPr lang="de-DE" dirty="0"/>
+              <a:t>Ausführlich: </a:t>
+            </a:r>
+            <a:r>
+              <a:rPr lang="de-DE" sz="2400" dirty="0">
+                <a:solidFill>
+                  <a:srgbClr val="00B050"/>
+                </a:solidFill>
+                <a:latin typeface="Consolas" panose="020B0609020204030204" pitchFamily="49" charset="0"/>
+              </a:rPr>
+              <a:t>man </a:t>
+            </a:r>
+            <a:r>
+              <a:rPr lang="de-DE" sz="2400" dirty="0">
+                <a:solidFill>
+                  <a:schemeClr val="accent6"/>
+                </a:solidFill>
+                <a:latin typeface="Consolas" panose="020B0609020204030204" pitchFamily="49" charset="0"/>
+              </a:rPr>
+              <a:t>&lt;Befehl&gt;</a:t>
+            </a:r>
+          </a:p>
+          <a:p>
+            <a:r>
+              <a:rPr lang="de-DE" dirty="0"/>
+              <a:t>Interaktiv: </a:t>
+            </a:r>
+            <a:r>
+              <a:rPr lang="de-DE" sz="2400" dirty="0" err="1">
+                <a:solidFill>
+                  <a:srgbClr val="00B050"/>
+                </a:solidFill>
+                <a:latin typeface="Consolas" panose="020B0609020204030204" pitchFamily="49" charset="0"/>
+              </a:rPr>
+              <a:t>info</a:t>
+            </a:r>
+            <a:r>
+              <a:rPr lang="de-DE" sz="2400" dirty="0">
+                <a:solidFill>
+                  <a:srgbClr val="00B050"/>
+                </a:solidFill>
+                <a:latin typeface="Consolas" panose="020B0609020204030204" pitchFamily="49" charset="0"/>
+              </a:rPr>
+              <a:t> </a:t>
+            </a:r>
+            <a:r>
+              <a:rPr lang="de-DE" sz="2400" dirty="0">
+                <a:solidFill>
+                  <a:schemeClr val="accent6"/>
+                </a:solidFill>
+                <a:latin typeface="Consolas" panose="020B0609020204030204" pitchFamily="49" charset="0"/>
+              </a:rPr>
+              <a:t>&lt;Befehl&gt;</a:t>
+            </a:r>
+          </a:p>
+          <a:p>
+            <a:r>
+              <a:rPr lang="de-DE" dirty="0"/>
+              <a:t>Knapp: </a:t>
+            </a:r>
+            <a:r>
+              <a:rPr lang="de-DE" sz="2400" dirty="0" err="1">
+                <a:solidFill>
+                  <a:srgbClr val="00B050"/>
+                </a:solidFill>
+                <a:latin typeface="Consolas" panose="020B0609020204030204" pitchFamily="49" charset="0"/>
+              </a:rPr>
+              <a:t>help</a:t>
+            </a:r>
+            <a:r>
+              <a:rPr lang="de-DE" sz="2400" dirty="0">
+                <a:solidFill>
+                  <a:srgbClr val="00B050"/>
+                </a:solidFill>
+                <a:latin typeface="Consolas" panose="020B0609020204030204" pitchFamily="49" charset="0"/>
+              </a:rPr>
+              <a:t> </a:t>
+            </a:r>
+            <a:r>
+              <a:rPr lang="de-DE" sz="2400" dirty="0">
+                <a:solidFill>
+                  <a:schemeClr val="accent6"/>
+                </a:solidFill>
+                <a:latin typeface="Consolas" panose="020B0609020204030204" pitchFamily="49" charset="0"/>
+              </a:rPr>
+              <a:t>&lt;Befehl&gt;</a:t>
+            </a:r>
+          </a:p>
+        </p:txBody>
+      </p:sp>
+      <p:sp>
+        <p:nvSpPr>
+          <p:cNvPr id="6" name="Titel 5"/>
+          <p:cNvSpPr>
+            <a:spLocks noGrp="1"/>
+          </p:cNvSpPr>
+          <p:nvPr>
+            <p:ph type="title"/>
+          </p:nvPr>
+        </p:nvSpPr>
+        <p:spPr/>
+        <p:txBody>
+          <a:bodyPr/>
+          <a:lstStyle/>
+          <a:p>
+            <a:r>
+              <a:rPr lang="de-DE" dirty="0"/>
+              <a:t>Hilfe</a:t>
+            </a:r>
+          </a:p>
+        </p:txBody>
+      </p:sp>
     </p:spTree>
     <p:extLst>
       <p:ext uri="{BB962C8B-B14F-4D97-AF65-F5344CB8AC3E}">
-        <p14:creationId xmlns:p14="http://schemas.microsoft.com/office/powerpoint/2010/main" val="2637983416"/>
+        <p14:creationId xmlns:p14="http://schemas.microsoft.com/office/powerpoint/2010/main" val="1453469691"/>
       </p:ext>
     </p:extLst>
   </p:cSld>
@@ -25173,53 +25344,90 @@
         <p:spPr/>
         <p:txBody>
           <a:bodyPr>
-            <a:normAutofit fontScale="92500" lnSpcReduction="10000"/>
+            <a:normAutofit lnSpcReduction="10000"/>
           </a:bodyPr>
           <a:lstStyle/>
           <a:p>
             <a:r>
               <a:rPr lang="de-DE" dirty="0"/>
-              <a:t>Dateien lesen</a:t>
+              <a:t>Begriff</a:t>
             </a:r>
           </a:p>
           <a:p>
             <a:pPr lvl="1"/>
             <a:r>
+              <a:rPr lang="de-DE" dirty="0" err="1"/>
+              <a:t>Bash</a:t>
+            </a:r>
+            <a:r>
+              <a:rPr lang="de-DE" dirty="0"/>
+              <a:t> = </a:t>
+            </a:r>
+            <a:r>
+              <a:rPr lang="de-DE" dirty="0" err="1"/>
+              <a:t>Bourne</a:t>
+            </a:r>
+            <a:r>
+              <a:rPr lang="de-DE" dirty="0"/>
+              <a:t> </a:t>
+            </a:r>
+            <a:r>
+              <a:rPr lang="de-DE" dirty="0" err="1"/>
+              <a:t>Again</a:t>
+            </a:r>
+            <a:r>
+              <a:rPr lang="de-DE" dirty="0"/>
+              <a:t> Shell</a:t>
+            </a:r>
+          </a:p>
+          <a:p>
+            <a:r>
+              <a:rPr lang="de-DE" dirty="0"/>
+              <a:t>Wozu </a:t>
+            </a:r>
+            <a:r>
+              <a:rPr lang="de-DE" dirty="0" err="1"/>
+              <a:t>Bash</a:t>
+            </a:r>
+            <a:r>
+              <a:rPr lang="de-DE" dirty="0"/>
+              <a:t>?</a:t>
+            </a:r>
+          </a:p>
+          <a:p>
+            <a:pPr lvl="1"/>
+            <a:r>
+              <a:rPr lang="de-DE" dirty="0"/>
+              <a:t>Administration (für Server)</a:t>
+            </a:r>
+          </a:p>
+          <a:p>
+            <a:r>
+              <a:rPr lang="de-DE" dirty="0"/>
+              <a:t>Tippen</a:t>
+            </a:r>
+          </a:p>
+          <a:p>
+            <a:pPr lvl="1"/>
+            <a:r>
+              <a:rPr lang="de-DE" dirty="0" err="1"/>
+              <a:t>Copy</a:t>
+            </a:r>
+            <a:r>
+              <a:rPr lang="de-DE" dirty="0"/>
+              <a:t>/Paste</a:t>
+            </a:r>
+          </a:p>
+          <a:p>
+            <a:pPr lvl="1"/>
+            <a:r>
               <a:rPr lang="de-DE" sz="2600" dirty="0" err="1">
                 <a:solidFill>
                   <a:srgbClr val="00B050"/>
                 </a:solidFill>
                 <a:latin typeface="Consolas" panose="020B0609020204030204" pitchFamily="49" charset="0"/>
               </a:rPr>
-              <a:t>less</a:t>
-            </a:r>
-            <a:r>
-              <a:rPr lang="de-DE" dirty="0"/>
-              <a:t>, </a:t>
-            </a:r>
-            <a:r>
-              <a:rPr lang="de-DE" sz="2600" dirty="0" err="1">
-                <a:solidFill>
-                  <a:srgbClr val="00B050"/>
-                </a:solidFill>
-                <a:latin typeface="Consolas" panose="020B0609020204030204" pitchFamily="49" charset="0"/>
-              </a:rPr>
-              <a:t>tail</a:t>
-            </a:r>
-            <a:r>
-              <a:rPr lang="de-DE" sz="2600" dirty="0">
-                <a:latin typeface="+mn-lt"/>
-              </a:rPr>
-              <a:t>, </a:t>
-            </a:r>
-            <a:r>
-              <a:rPr lang="de-DE" sz="2600" dirty="0" err="1">
-                <a:solidFill>
-                  <a:srgbClr val="00B050"/>
-                </a:solidFill>
-                <a:latin typeface="Consolas" panose="020B0609020204030204" pitchFamily="49" charset="0"/>
-              </a:rPr>
-              <a:t>cat</a:t>
+              <a:t>history</a:t>
             </a:r>
             <a:endParaRPr lang="de-DE" sz="2600" dirty="0">
               <a:solidFill>
@@ -25231,7 +25439,7 @@
           <a:p>
             <a:r>
               <a:rPr lang="de-DE" dirty="0"/>
-              <a:t>Dateien ändern</a:t>
+              <a:t>Navigieren und Suchen</a:t>
             </a:r>
           </a:p>
           <a:p>
@@ -25243,20 +25451,33 @@
                 </a:solidFill>
                 <a:latin typeface="Consolas" panose="020B0609020204030204" pitchFamily="49" charset="0"/>
               </a:rPr>
-              <a:t>touch</a:t>
+              <a:t>pwd</a:t>
             </a:r>
             <a:r>
               <a:rPr lang="de-DE" dirty="0"/>
               <a:t>, </a:t>
             </a:r>
             <a:r>
+              <a:rPr lang="de-DE" sz="2600" dirty="0">
+                <a:solidFill>
+                  <a:srgbClr val="00B050"/>
+                </a:solidFill>
+                <a:latin typeface="Consolas" panose="020B0609020204030204" pitchFamily="49" charset="0"/>
+              </a:rPr>
+              <a:t>cd</a:t>
+            </a:r>
+            <a:r>
+              <a:rPr lang="de-DE" dirty="0"/>
+              <a:t>, </a:t>
+            </a:r>
+            <a:r>
               <a:rPr lang="de-DE" sz="2600" dirty="0" err="1">
                 <a:solidFill>
                   <a:srgbClr val="00B050"/>
                 </a:solidFill>
                 <a:latin typeface="Consolas" panose="020B0609020204030204" pitchFamily="49" charset="0"/>
               </a:rPr>
-              <a:t>mkdir</a:t>
+              <a:t>ls</a:t>
             </a:r>
             <a:endParaRPr lang="de-DE" sz="2600" dirty="0">
               <a:solidFill>
@@ -25268,38 +25489,26 @@
           <a:p>
             <a:pPr lvl="1"/>
             <a:r>
-              <a:rPr lang="de-DE" sz="2600" dirty="0" err="1">
+              <a:rPr lang="de-DE" sz="2600" dirty="0">
                 <a:solidFill>
                   <a:srgbClr val="00B050"/>
                 </a:solidFill>
                 <a:latin typeface="Consolas" panose="020B0609020204030204" pitchFamily="49" charset="0"/>
               </a:rPr>
-              <a:t>cp</a:t>
+              <a:t>find</a:t>
             </a:r>
             <a:r>
               <a:rPr lang="de-DE" dirty="0"/>
               <a:t>, </a:t>
             </a:r>
             <a:r>
-              <a:rPr lang="de-DE" sz="2600" dirty="0">
+              <a:rPr lang="de-DE" sz="2600" dirty="0" err="1">
                 <a:solidFill>
                   <a:srgbClr val="00B050"/>
                 </a:solidFill>
                 <a:latin typeface="Consolas" panose="020B0609020204030204" pitchFamily="49" charset="0"/>
               </a:rPr>
-              <a:t>mv</a:t>
-            </a:r>
-          </a:p>
-          <a:p>
-            <a:pPr lvl="1"/>
-            <a:r>
-              <a:rPr lang="de-DE" sz="2600" dirty="0" err="1">
-                <a:solidFill>
-                  <a:srgbClr val="00B050"/>
-                </a:solidFill>
-                <a:latin typeface="Consolas" panose="020B0609020204030204" pitchFamily="49" charset="0"/>
-              </a:rPr>
-              <a:t>rm</a:t>
+              <a:t>locate</a:t>
             </a:r>
             <a:r>
               <a:rPr lang="de-DE" dirty="0"/>
@@ -25312,7 +25521,7 @@
                 </a:solidFill>
                 <a:latin typeface="Consolas" panose="020B0609020204030204" pitchFamily="49" charset="0"/>
               </a:rPr>
-              <a:t>rmdir</a:t>
+              <a:t>which</a:t>
             </a:r>
             <a:endParaRPr lang="de-DE" sz="2600" dirty="0">
               <a:solidFill>
@@ -25321,113 +25530,6 @@
               <a:latin typeface="Consolas" panose="020B0609020204030204" pitchFamily="49" charset="0"/>
             </a:endParaRPr>
           </a:p>
-          <a:p>
-            <a:r>
-              <a:rPr lang="de-DE" dirty="0"/>
-              <a:t>Dateirechte</a:t>
-            </a:r>
-          </a:p>
-          <a:p>
-            <a:pPr lvl="1"/>
-            <a:r>
-              <a:rPr lang="de-DE" dirty="0"/>
-              <a:t>777, </a:t>
-            </a:r>
-            <a:r>
-              <a:rPr lang="de-DE" dirty="0" err="1"/>
-              <a:t>rwx</a:t>
-            </a:r>
-            <a:endParaRPr lang="de-DE" dirty="0"/>
-          </a:p>
-          <a:p>
-            <a:pPr lvl="1"/>
-            <a:r>
-              <a:rPr lang="de-DE" sz="2600" dirty="0" err="1">
-                <a:solidFill>
-                  <a:srgbClr val="00B050"/>
-                </a:solidFill>
-                <a:latin typeface="Consolas" panose="020B0609020204030204" pitchFamily="49" charset="0"/>
-              </a:rPr>
-              <a:t>chmod</a:t>
-            </a:r>
-            <a:endParaRPr lang="de-DE" sz="2600" dirty="0">
-              <a:solidFill>
-                <a:srgbClr val="00B050"/>
-              </a:solidFill>
-              <a:latin typeface="Consolas" panose="020B0609020204030204" pitchFamily="49" charset="0"/>
-            </a:endParaRPr>
-          </a:p>
-          <a:p>
-            <a:pPr lvl="1"/>
-            <a:r>
-              <a:rPr lang="de-DE" sz="2600" dirty="0" err="1">
-                <a:solidFill>
-                  <a:srgbClr val="00B050"/>
-                </a:solidFill>
-                <a:latin typeface="Consolas" panose="020B0609020204030204" pitchFamily="49" charset="0"/>
-              </a:rPr>
-              <a:t>chown</a:t>
-            </a:r>
-            <a:r>
-              <a:rPr lang="de-DE" dirty="0"/>
-              <a:t>, </a:t>
-            </a:r>
-            <a:r>
-              <a:rPr lang="de-DE" sz="2600" dirty="0" err="1">
-                <a:solidFill>
-                  <a:srgbClr val="00B050"/>
-                </a:solidFill>
-                <a:latin typeface="Consolas" panose="020B0609020204030204" pitchFamily="49" charset="0"/>
-              </a:rPr>
-              <a:t>chgrp</a:t>
-            </a:r>
-            <a:endParaRPr lang="de-DE" sz="2600" dirty="0">
-              <a:solidFill>
-                <a:srgbClr val="00B050"/>
-              </a:solidFill>
-              <a:latin typeface="Consolas" panose="020B0609020204030204" pitchFamily="49" charset="0"/>
-            </a:endParaRPr>
-          </a:p>
-          <a:p>
-            <a:pPr lvl="1"/>
-            <a:r>
-              <a:rPr lang="de-DE" sz="2600" dirty="0" err="1">
-                <a:solidFill>
-                  <a:srgbClr val="00B050"/>
-                </a:solidFill>
-                <a:latin typeface="Consolas" panose="020B0609020204030204" pitchFamily="49" charset="0"/>
-              </a:rPr>
-              <a:t>users</a:t>
-            </a:r>
-            <a:r>
-              <a:rPr lang="de-DE" sz="2800" dirty="0"/>
-              <a:t> ,</a:t>
-            </a:r>
-            <a:r>
-              <a:rPr lang="de-DE" sz="2600" dirty="0">
-                <a:solidFill>
-                  <a:srgbClr val="00B050"/>
-                </a:solidFill>
-                <a:latin typeface="Consolas" panose="020B0609020204030204" pitchFamily="49" charset="0"/>
-              </a:rPr>
-              <a:t> </a:t>
-            </a:r>
-            <a:r>
-              <a:rPr lang="de-DE" sz="2600" dirty="0" err="1">
-                <a:solidFill>
-                  <a:srgbClr val="00B050"/>
-                </a:solidFill>
-                <a:latin typeface="Consolas" panose="020B0609020204030204" pitchFamily="49" charset="0"/>
-              </a:rPr>
-              <a:t>groups</a:t>
-            </a:r>
-            <a:endParaRPr lang="de-DE" sz="2600" dirty="0">
-              <a:solidFill>
-                <a:srgbClr val="00B050"/>
-              </a:solidFill>
-              <a:latin typeface="Consolas" panose="020B0609020204030204" pitchFamily="49" charset="0"/>
-            </a:endParaRPr>
-          </a:p>
         </p:txBody>
       </p:sp>
       <p:sp>
@@ -25447,7 +25549,7 @@
           <a:p>
             <a:fld id="{81CAA568-E4AD-43EC-8F2A-0AD1F2EE9220}" type="datetime1">
               <a:rPr lang="de-DE" smtClean="0"/>
-              <a:t>19.02.2020</a:t>
+              <a:t>20.02.2020</a:t>
             </a:fld>
             <a:endParaRPr lang="de-DE"/>
           </a:p>
@@ -25501,7 +25603,7 @@
     </p:spTree>
     <p:extLst>
       <p:ext uri="{BB962C8B-B14F-4D97-AF65-F5344CB8AC3E}">
-        <p14:creationId xmlns:p14="http://schemas.microsoft.com/office/powerpoint/2010/main" val="632779976"/>
+        <p14:creationId xmlns:p14="http://schemas.microsoft.com/office/powerpoint/2010/main" val="2637983416"/>
       </p:ext>
     </p:extLst>
   </p:cSld>
@@ -25563,39 +25665,55 @@
         <p:spPr/>
         <p:txBody>
           <a:bodyPr>
-            <a:normAutofit/>
+            <a:normAutofit fontScale="92500" lnSpcReduction="10000"/>
           </a:bodyPr>
           <a:lstStyle/>
           <a:p>
             <a:r>
               <a:rPr lang="de-DE" dirty="0"/>
-              <a:t>Konfiguration</a:t>
+              <a:t>Dateien lesen</a:t>
             </a:r>
           </a:p>
           <a:p>
             <a:pPr lvl="1"/>
             <a:r>
-              <a:rPr lang="de-DE" dirty="0">
+              <a:rPr lang="de-DE" sz="2600" dirty="0" err="1">
                 <a:solidFill>
                   <a:srgbClr val="00B050"/>
                 </a:solidFill>
                 <a:latin typeface="Consolas" panose="020B0609020204030204" pitchFamily="49" charset="0"/>
               </a:rPr>
-              <a:t>alias</a:t>
-            </a:r>
-          </a:p>
-          <a:p>
-            <a:pPr lvl="1"/>
-            <a:r>
-              <a:rPr lang="de-DE" dirty="0" err="1">
+              <a:t>less</a:t>
+            </a:r>
+            <a:r>
+              <a:rPr lang="de-DE" dirty="0"/>
+              <a:t>, </a:t>
+            </a:r>
+            <a:r>
+              <a:rPr lang="de-DE" sz="2600" dirty="0" err="1">
                 <a:solidFill>
                   <a:srgbClr val="00B050"/>
                 </a:solidFill>
                 <a:latin typeface="Consolas" panose="020B0609020204030204" pitchFamily="49" charset="0"/>
               </a:rPr>
-              <a:t>nano</a:t>
-            </a:r>
-            <a:endParaRPr lang="de-DE" dirty="0">
+              <a:t>tail</a:t>
+            </a:r>
+            <a:r>
+              <a:rPr lang="de-DE" sz="2600" dirty="0">
+                <a:latin typeface="+mn-lt"/>
+              </a:rPr>
+              <a:t>, </a:t>
+            </a:r>
+            <a:r>
+              <a:rPr lang="de-DE" sz="2600" dirty="0" err="1">
+                <a:solidFill>
+                  <a:srgbClr val="00B050"/>
+                </a:solidFill>
+                <a:latin typeface="Consolas" panose="020B0609020204030204" pitchFamily="49" charset="0"/>
+              </a:rPr>
+              <a:t>cat</a:t>
+            </a:r>
+            <a:endParaRPr lang="de-DE" sz="2600" dirty="0">
               <a:solidFill>
                 <a:srgbClr val="00B050"/>
               </a:solidFill>
@@ -25605,33 +25723,198 @@
           <a:p>
             <a:r>
               <a:rPr lang="de-DE" dirty="0"/>
-              <a:t>Variablen</a:t>
+              <a:t>Dateien ändern</a:t>
             </a:r>
           </a:p>
           <a:p>
             <a:pPr lvl="1"/>
             <a:r>
-              <a:rPr lang="de-DE" dirty="0" err="1">
+              <a:rPr lang="de-DE" sz="2600" dirty="0" err="1">
                 <a:solidFill>
                   <a:srgbClr val="00B050"/>
                 </a:solidFill>
                 <a:latin typeface="Consolas" panose="020B0609020204030204" pitchFamily="49" charset="0"/>
               </a:rPr>
-              <a:t>let</a:t>
+              <a:t>touch</a:t>
             </a:r>
             <a:r>
               <a:rPr lang="de-DE" dirty="0"/>
               <a:t>, </a:t>
             </a:r>
             <a:r>
-              <a:rPr lang="de-DE" dirty="0">
+              <a:rPr lang="de-DE" sz="2600" dirty="0" err="1">
                 <a:solidFill>
                   <a:srgbClr val="00B050"/>
                 </a:solidFill>
                 <a:latin typeface="Consolas" panose="020B0609020204030204" pitchFamily="49" charset="0"/>
               </a:rPr>
-              <a:t>$x</a:t>
-            </a:r>
+              <a:t>mkdir</a:t>
+            </a:r>
+            <a:endParaRPr lang="de-DE" sz="2600" dirty="0">
+              <a:solidFill>
+                <a:srgbClr val="00B050"/>
+              </a:solidFill>
+              <a:latin typeface="Consolas" panose="020B0609020204030204" pitchFamily="49" charset="0"/>
+            </a:endParaRPr>
+          </a:p>
+          <a:p>
+            <a:pPr lvl="1"/>
+            <a:r>
+              <a:rPr lang="de-DE" sz="2600" dirty="0" err="1">
+                <a:solidFill>
+                  <a:srgbClr val="00B050"/>
+                </a:solidFill>
+                <a:latin typeface="Consolas" panose="020B0609020204030204" pitchFamily="49" charset="0"/>
+              </a:rPr>
+              <a:t>cp</a:t>
+            </a:r>
+            <a:r>
+              <a:rPr lang="de-DE" dirty="0"/>
+              <a:t>, </a:t>
+            </a:r>
+            <a:r>
+              <a:rPr lang="de-DE" sz="2600" dirty="0">
+                <a:solidFill>
+                  <a:srgbClr val="00B050"/>
+                </a:solidFill>
+                <a:latin typeface="Consolas" panose="020B0609020204030204" pitchFamily="49" charset="0"/>
+              </a:rPr>
+              <a:t>mv</a:t>
+            </a:r>
+            <a:r>
+              <a:rPr lang="de-DE" sz="2800" dirty="0"/>
+              <a:t>, </a:t>
+            </a:r>
+            <a:r>
+              <a:rPr lang="de-DE" sz="2600" dirty="0" err="1">
+                <a:solidFill>
+                  <a:srgbClr val="00B050"/>
+                </a:solidFill>
+                <a:latin typeface="Consolas" panose="020B0609020204030204" pitchFamily="49" charset="0"/>
+              </a:rPr>
+              <a:t>rm</a:t>
+            </a:r>
+            <a:r>
+              <a:rPr lang="de-DE" dirty="0"/>
+              <a:t>, </a:t>
+            </a:r>
+            <a:r>
+              <a:rPr lang="de-DE" sz="2600" dirty="0" err="1">
+                <a:solidFill>
+                  <a:srgbClr val="00B050"/>
+                </a:solidFill>
+                <a:latin typeface="Consolas" panose="020B0609020204030204" pitchFamily="49" charset="0"/>
+              </a:rPr>
+              <a:t>rmdir</a:t>
+            </a:r>
+            <a:endParaRPr lang="de-DE" sz="2600" dirty="0">
+              <a:solidFill>
+                <a:srgbClr val="00B050"/>
+              </a:solidFill>
+              <a:latin typeface="Consolas" panose="020B0609020204030204" pitchFamily="49" charset="0"/>
+            </a:endParaRPr>
+          </a:p>
+          <a:p>
+            <a:r>
+              <a:rPr lang="de-DE" dirty="0"/>
+              <a:t>Dateirechte</a:t>
+            </a:r>
+          </a:p>
+          <a:p>
+            <a:pPr lvl="1"/>
+            <a:r>
+              <a:rPr lang="de-DE" dirty="0"/>
+              <a:t>777, </a:t>
+            </a:r>
+            <a:r>
+              <a:rPr lang="de-DE" dirty="0" err="1"/>
+              <a:t>rwx</a:t>
+            </a:r>
+            <a:endParaRPr lang="de-DE" dirty="0"/>
+          </a:p>
+          <a:p>
+            <a:pPr lvl="1"/>
+            <a:r>
+              <a:rPr lang="de-DE" sz="2600" dirty="0" err="1">
+                <a:solidFill>
+                  <a:srgbClr val="00B050"/>
+                </a:solidFill>
+                <a:latin typeface="Consolas" panose="020B0609020204030204" pitchFamily="49" charset="0"/>
+              </a:rPr>
+              <a:t>chmod</a:t>
+            </a:r>
+            <a:r>
+              <a:rPr lang="de-DE" dirty="0"/>
+              <a:t>, </a:t>
+            </a:r>
+            <a:r>
+              <a:rPr lang="de-DE" sz="2600" dirty="0" err="1">
+                <a:solidFill>
+                  <a:srgbClr val="00B050"/>
+                </a:solidFill>
+                <a:latin typeface="Consolas" panose="020B0609020204030204" pitchFamily="49" charset="0"/>
+              </a:rPr>
+              <a:t>chown</a:t>
+            </a:r>
+            <a:r>
+              <a:rPr lang="de-DE" dirty="0"/>
+              <a:t>, </a:t>
+            </a:r>
+            <a:r>
+              <a:rPr lang="de-DE" sz="2600" dirty="0" err="1">
+                <a:solidFill>
+                  <a:srgbClr val="00B050"/>
+                </a:solidFill>
+                <a:latin typeface="Consolas" panose="020B0609020204030204" pitchFamily="49" charset="0"/>
+              </a:rPr>
+              <a:t>chgrp</a:t>
+            </a:r>
+            <a:endParaRPr lang="de-DE" sz="2600" dirty="0">
+              <a:solidFill>
+                <a:srgbClr val="00B050"/>
+              </a:solidFill>
+              <a:latin typeface="Consolas" panose="020B0609020204030204" pitchFamily="49" charset="0"/>
+            </a:endParaRPr>
+          </a:p>
+          <a:p>
+            <a:pPr lvl="1"/>
+            <a:r>
+              <a:rPr lang="de-DE" sz="2600" dirty="0" err="1">
+                <a:solidFill>
+                  <a:srgbClr val="00B050"/>
+                </a:solidFill>
+                <a:latin typeface="Consolas" panose="020B0609020204030204" pitchFamily="49" charset="0"/>
+              </a:rPr>
+              <a:t>users</a:t>
+            </a:r>
+            <a:r>
+              <a:rPr lang="de-DE" sz="2800" dirty="0"/>
+              <a:t> ,</a:t>
+            </a:r>
+            <a:r>
+              <a:rPr lang="de-DE" sz="2600" dirty="0">
+                <a:solidFill>
+                  <a:srgbClr val="00B050"/>
+                </a:solidFill>
+                <a:latin typeface="Consolas" panose="020B0609020204030204" pitchFamily="49" charset="0"/>
+              </a:rPr>
+              <a:t> </a:t>
+            </a:r>
+            <a:r>
+              <a:rPr lang="de-DE" sz="2600" dirty="0" err="1">
+                <a:solidFill>
+                  <a:srgbClr val="00B050"/>
+                </a:solidFill>
+                <a:latin typeface="Consolas" panose="020B0609020204030204" pitchFamily="49" charset="0"/>
+              </a:rPr>
+              <a:t>groups</a:t>
+            </a:r>
+            <a:endParaRPr lang="de-DE" sz="2600" dirty="0">
+              <a:solidFill>
+                <a:srgbClr val="00B050"/>
+              </a:solidFill>
+              <a:latin typeface="Consolas" panose="020B0609020204030204" pitchFamily="49" charset="0"/>
+            </a:endParaRPr>
           </a:p>
           <a:p>
             <a:r>
@@ -25674,23 +25957,12 @@
                 </a:solidFill>
                 <a:latin typeface="Consolas" panose="020B0609020204030204" pitchFamily="49" charset="0"/>
               </a:rPr>
-              <a:t>2&gt;</a:t>
-            </a:r>
-          </a:p>
-          <a:p>
-            <a:pPr lvl="1"/>
-            <a:r>
-              <a:rPr lang="de-DE" dirty="0">
-                <a:solidFill>
-                  <a:srgbClr val="00B050"/>
-                </a:solidFill>
-                <a:latin typeface="Consolas" panose="020B0609020204030204" pitchFamily="49" charset="0"/>
-              </a:rPr>
               <a:t>&lt;</a:t>
             </a:r>
-          </a:p>
-          <a:p>
-            <a:pPr lvl="1"/>
+            <a:r>
+              <a:rPr lang="de-DE" dirty="0"/>
+              <a:t>, </a:t>
+            </a:r>
             <a:r>
               <a:rPr lang="de-DE" dirty="0">
                 <a:solidFill>
@@ -25720,7 +25992,7 @@
           <a:p>
             <a:fld id="{81CAA568-E4AD-43EC-8F2A-0AD1F2EE9220}" type="datetime1">
               <a:rPr lang="de-DE" smtClean="0"/>
-              <a:t>19.02.2020</a:t>
+              <a:t>20.02.2020</a:t>
             </a:fld>
             <a:endParaRPr lang="de-DE"/>
           </a:p>
@@ -25774,7 +26046,7 @@
     </p:spTree>
     <p:extLst>
       <p:ext uri="{BB962C8B-B14F-4D97-AF65-F5344CB8AC3E}">
-        <p14:creationId xmlns:p14="http://schemas.microsoft.com/office/powerpoint/2010/main" val="2881072707"/>
+        <p14:creationId xmlns:p14="http://schemas.microsoft.com/office/powerpoint/2010/main" val="632779976"/>
       </p:ext>
     </p:extLst>
   </p:cSld>
@@ -25896,7 +26168,7 @@
                 </a:solidFill>
                 <a:latin typeface="Consolas" panose="020B0609020204030204" pitchFamily="49" charset="0"/>
               </a:rPr>
-              <a:t>su</a:t>
+              <a:t>sudo</a:t>
             </a:r>
             <a:endParaRPr lang="de-DE" dirty="0">
               <a:solidFill>
@@ -25906,15 +26178,33 @@
             </a:endParaRPr>
           </a:p>
           <a:p>
+            <a:r>
+              <a:rPr lang="de-DE" dirty="0"/>
+              <a:t>Hilfe</a:t>
+            </a:r>
+          </a:p>
+          <a:p>
             <a:pPr lvl="1"/>
             <a:r>
+              <a:rPr lang="de-DE" dirty="0">
+                <a:solidFill>
+                  <a:srgbClr val="00B050"/>
+                </a:solidFill>
+                <a:latin typeface="Consolas" panose="020B0609020204030204" pitchFamily="49" charset="0"/>
+              </a:rPr>
+              <a:t>man</a:t>
+            </a:r>
+          </a:p>
+          <a:p>
+            <a:pPr lvl="1"/>
+            <a:r>
               <a:rPr lang="de-DE" dirty="0" err="1">
                 <a:solidFill>
                   <a:srgbClr val="00B050"/>
                 </a:solidFill>
                 <a:latin typeface="Consolas" panose="020B0609020204030204" pitchFamily="49" charset="0"/>
               </a:rPr>
-              <a:t>sudo</a:t>
+              <a:t>info</a:t>
             </a:r>
             <a:endParaRPr lang="de-DE" dirty="0">
               <a:solidFill>
@@ -25924,33 +26214,15 @@
             </a:endParaRPr>
           </a:p>
           <a:p>
-            <a:r>
-              <a:rPr lang="de-DE" dirty="0"/>
-              <a:t>Hilfe</a:t>
-            </a:r>
-          </a:p>
-          <a:p>
             <a:pPr lvl="1"/>
             <a:r>
-              <a:rPr lang="de-DE" dirty="0">
+              <a:rPr lang="de-DE" dirty="0" err="1">
                 <a:solidFill>
                   <a:srgbClr val="00B050"/>
                 </a:solidFill>
                 <a:latin typeface="Consolas" panose="020B0609020204030204" pitchFamily="49" charset="0"/>
               </a:rPr>
-              <a:t>man</a:t>
-            </a:r>
-          </a:p>
-          <a:p>
-            <a:pPr lvl="1"/>
-            <a:r>
-              <a:rPr lang="de-DE" dirty="0" err="1">
-                <a:solidFill>
-                  <a:srgbClr val="00B050"/>
-                </a:solidFill>
-                <a:latin typeface="Consolas" panose="020B0609020204030204" pitchFamily="49" charset="0"/>
-              </a:rPr>
-              <a:t>info</a:t>
+              <a:t>help</a:t>
             </a:r>
             <a:endParaRPr lang="de-DE" dirty="0">
               <a:solidFill>
@@ -25959,24 +26231,6 @@
               <a:latin typeface="Consolas" panose="020B0609020204030204" pitchFamily="49" charset="0"/>
             </a:endParaRPr>
           </a:p>
-          <a:p>
-            <a:pPr lvl="1"/>
-            <a:r>
-              <a:rPr lang="de-DE" dirty="0" err="1">
-                <a:solidFill>
-                  <a:srgbClr val="00B050"/>
-                </a:solidFill>
-                <a:latin typeface="Consolas" panose="020B0609020204030204" pitchFamily="49" charset="0"/>
-              </a:rPr>
-              <a:t>help</a:t>
-            </a:r>
-            <a:endParaRPr lang="de-DE" dirty="0">
-              <a:solidFill>
-                <a:srgbClr val="00B050"/>
-              </a:solidFill>
-              <a:latin typeface="Consolas" panose="020B0609020204030204" pitchFamily="49" charset="0"/>
-            </a:endParaRPr>
-          </a:p>
         </p:txBody>
       </p:sp>
       <p:sp>
@@ -25996,7 +26250,7 @@
           <a:p>
             <a:fld id="{81CAA568-E4AD-43EC-8F2A-0AD1F2EE9220}" type="datetime1">
               <a:rPr lang="de-DE" smtClean="0"/>
-              <a:t>19.02.2020</a:t>
+              <a:t>20.02.2020</a:t>
             </a:fld>
             <a:endParaRPr lang="de-DE"/>
           </a:p>
@@ -26140,7 +26394,7 @@
           <a:p>
             <a:fld id="{81F9AF91-D5A7-4DFB-9749-E97FA4AADD5C}" type="datetime1">
               <a:rPr lang="de-DE" smtClean="0"/>
-              <a:t>19.02.2020</a:t>
+              <a:t>20.02.2020</a:t>
             </a:fld>
             <a:endParaRPr lang="de-DE"/>
           </a:p>
@@ -26348,7 +26602,7 @@
           <a:p>
             <a:fld id="{CC6A951E-FE58-4A7B-8560-55DE4235FB0A}" type="datetime1">
               <a:rPr lang="de-DE" smtClean="0"/>
-              <a:t>19.02.2020</a:t>
+              <a:t>20.02.2020</a:t>
             </a:fld>
             <a:endParaRPr lang="de-DE"/>
           </a:p>
@@ -26598,7 +26852,7 @@
           <a:p>
             <a:fld id="{CBC55DA8-7BFB-46FD-BBA5-A6DF63369D11}" type="datetime1">
               <a:rPr lang="de-DE" smtClean="0"/>
-              <a:t>19.02.2020</a:t>
+              <a:t>20.02.2020</a:t>
             </a:fld>
             <a:endParaRPr lang="de-DE"/>
           </a:p>
@@ -26696,7 +26950,7 @@
           <a:p>
             <a:fld id="{CBC55DA8-7BFB-46FD-BBA5-A6DF63369D11}" type="datetime1">
               <a:rPr lang="de-DE" smtClean="0"/>
-              <a:t>19.02.2020</a:t>
+              <a:t>20.02.2020</a:t>
             </a:fld>
             <a:endParaRPr lang="de-DE"/>
           </a:p>
@@ -26989,7 +27243,7 @@
           <a:p>
             <a:fld id="{CBC55DA8-7BFB-46FD-BBA5-A6DF63369D11}" type="datetime1">
               <a:rPr lang="de-DE" smtClean="0"/>
-              <a:t>19.02.2020</a:t>
+              <a:t>20.02.2020</a:t>
             </a:fld>
             <a:endParaRPr lang="de-DE"/>
           </a:p>
@@ -27287,7 +27541,7 @@
           <a:p>
             <a:fld id="{CBC55DA8-7BFB-46FD-BBA5-A6DF63369D11}" type="datetime1">
               <a:rPr lang="de-DE" smtClean="0"/>
-              <a:t>19.02.2020</a:t>
+              <a:t>20.02.2020</a:t>
             </a:fld>
             <a:endParaRPr lang="de-DE"/>
           </a:p>
@@ -27385,7 +27639,7 @@
           <a:p>
             <a:fld id="{CBC55DA8-7BFB-46FD-BBA5-A6DF63369D11}" type="datetime1">
               <a:rPr lang="de-DE" smtClean="0"/>
-              <a:t>19.02.2020</a:t>
+              <a:t>20.02.2020</a:t>
             </a:fld>
             <a:endParaRPr lang="de-DE"/>
           </a:p>
